--- a/docs/Kafka-GobernanzaDeEsquema.pptx
+++ b/docs/Kafka-GobernanzaDeEsquema.pptx
@@ -29797,7 +29797,22 @@
                 <a:cs typeface="Courier New"/>
                 <a:sym typeface="Courier New"/>
               </a:rPr>
-              <a:t>$ mvn clean install</a:t>
+              <a:t>$ </a:t>
+            </a:r>
+            <a:r>
+              <a:rPr lang="en" sz="2100">
+                <a:solidFill>
+                  <a:srgbClr val="4D4D4C"/>
+                </a:solidFill>
+                <a:highlight>
+                  <a:schemeClr val="lt1"/>
+                </a:highlight>
+                <a:latin typeface="Courier New"/>
+                <a:ea typeface="Courier New"/>
+                <a:cs typeface="Courier New"/>
+                <a:sym typeface="Courier New"/>
+              </a:rPr>
+              <a:t>mvn clean install (generate-sources)</a:t>
             </a:r>
             <a:endParaRPr>
               <a:solidFill>
@@ -30861,6 +30876,39 @@
                 <a:hlinkClick r:id="rId3"/>
               </a:rPr>
               <a:t>https://www.apicur.io/</a:t>
+            </a:r>
+            <a:r>
+              <a:rPr lang="en" sz="1800">
+                <a:solidFill>
+                  <a:srgbClr val="202124"/>
+                </a:solidFill>
+                <a:highlight>
+                  <a:srgbClr val="F8F9FA"/>
+                </a:highlight>
+              </a:rPr>
+              <a:t> (cubre </a:t>
+            </a:r>
+            <a:r>
+              <a:rPr lang="en" sz="1800">
+                <a:solidFill>
+                  <a:srgbClr val="202124"/>
+                </a:solidFill>
+                <a:highlight>
+                  <a:srgbClr val="F8F9FA"/>
+                </a:highlight>
+              </a:rPr>
+              <a:t>más</a:t>
+            </a:r>
+            <a:r>
+              <a:rPr lang="en" sz="1800">
+                <a:solidFill>
+                  <a:srgbClr val="202124"/>
+                </a:solidFill>
+                <a:highlight>
+                  <a:srgbClr val="F8F9FA"/>
+                </a:highlight>
+              </a:rPr>
+              <a:t> temas)</a:t>
             </a:r>
             <a:endParaRPr sz="1800">
               <a:solidFill>
@@ -32271,7 +32319,7 @@
             <a:tbl>
               <a:tblPr>
                 <a:noFill/>
-                <a:tableStyleId>{DBEAFDE9-F8DD-42FD-870C-E05A25C34415}</a:tableStyleId>
+                <a:tableStyleId>{C3902C45-77EE-4B7B-BFCD-14857BE04847}</a:tableStyleId>
               </a:tblPr>
               <a:tblGrid>
                 <a:gridCol w="2146500"/>
@@ -33811,7 +33859,7 @@
             <a:tbl>
               <a:tblPr>
                 <a:noFill/>
-                <a:tableStyleId>{DBEAFDE9-F8DD-42FD-870C-E05A25C34415}</a:tableStyleId>
+                <a:tableStyleId>{C3902C45-77EE-4B7B-BFCD-14857BE04847}</a:tableStyleId>
               </a:tblPr>
               <a:tblGrid>
                 <a:gridCol w="2103150"/>
@@ -40231,7 +40279,7 @@
                   <a:srgbClr val="FFFFFF"/>
                 </a:highlight>
               </a:rPr>
-              <a:t>Framework de serialización de datos utilizado inicialmente por  Hadoop</a:t>
+              <a:t>Framework de serialización de datos que aparece con Hadoop</a:t>
             </a:r>
             <a:endParaRPr sz="1800">
               <a:solidFill>
@@ -41975,7 +42023,19 @@
                 <a:cs typeface="Raleway"/>
                 <a:sym typeface="Raleway"/>
               </a:rPr>
-              <a:t>Datum Readers</a:t>
+              <a:t>Creación</a:t>
+            </a:r>
+            <a:r>
+              <a:rPr b="1" lang="en" sz="2000">
+                <a:solidFill>
+                  <a:srgbClr val="F46524"/>
+                </a:solidFill>
+                <a:latin typeface="Raleway"/>
+                <a:ea typeface="Raleway"/>
+                <a:cs typeface="Raleway"/>
+                <a:sym typeface="Raleway"/>
+              </a:rPr>
+              <a:t> de registros</a:t>
             </a:r>
             <a:endParaRPr b="0" i="0" sz="2000" u="none" cap="none" strike="noStrike">
               <a:solidFill>
@@ -41997,15 +42057,21 @@
         </p:nvSpPr>
         <p:spPr>
           <a:xfrm>
-            <a:off x="788650" y="1437025"/>
-            <a:ext cx="7962900" cy="2426400"/>
+            <a:off x="590550" y="1174750"/>
+            <a:ext cx="7962900" cy="3435600"/>
           </a:xfrm>
           <a:prstGeom prst="rect">
             <a:avLst/>
           </a:prstGeom>
           <a:noFill/>
-          <a:ln>
-            <a:noFill/>
+          <a:ln cap="flat" cmpd="sng" w="9525">
+            <a:solidFill>
+              <a:schemeClr val="lt1"/>
+            </a:solidFill>
+            <a:prstDash val="solid"/>
+            <a:round/>
+            <a:headEnd len="sm" w="sm" type="none"/>
+            <a:tailEnd len="sm" w="sm" type="none"/>
           </a:ln>
         </p:spPr>
         <p:txBody>
@@ -42047,7 +42113,7 @@
             </a:endParaRPr>
           </a:p>
           <a:p>
-            <a:pPr indent="-342900" lvl="0" marL="457200" rtl="0" algn="l">
+            <a:pPr indent="-342900" lvl="0" marL="457200" marR="0" rtl="0" algn="l">
               <a:lnSpc>
                 <a:spcPct val="150000"/>
               </a:lnSpc>
@@ -42072,7 +42138,7 @@
                   <a:srgbClr val="FFFFFF"/>
                 </a:highlight>
               </a:rPr>
-              <a:t>El mensaje Avro es recuperado en forma de "map"</a:t>
+              <a:t>Cree manualmente tanto el tipo de datos (clase Java) como el esquema (archivo *.avsc).</a:t>
             </a:r>
             <a:endParaRPr sz="1800">
               <a:solidFill>
@@ -42084,9 +42150,42 @@
             </a:endParaRPr>
           </a:p>
           <a:p>
-            <a:pPr indent="-342900" lvl="0" marL="457200" rtl="0" algn="l">
+            <a:pPr indent="0" lvl="0" marL="0" marR="0" rtl="0" algn="l">
               <a:lnSpc>
                 <a:spcPct val="150000"/>
+              </a:lnSpc>
+              <a:spcBef>
+                <a:spcPts val="0"/>
+              </a:spcBef>
+              <a:spcAft>
+                <a:spcPts val="0"/>
+              </a:spcAft>
+              <a:buNone/>
+            </a:pPr>
+            <a:r>
+              <a:rPr b="1" lang="en" sz="1800">
+                <a:solidFill>
+                  <a:srgbClr val="2A3244"/>
+                </a:solidFill>
+                <a:highlight>
+                  <a:schemeClr val="lt1"/>
+                </a:highlight>
+              </a:rPr>
+              <a:t>Reflection</a:t>
+            </a:r>
+            <a:endParaRPr b="1" sz="1800">
+              <a:solidFill>
+                <a:srgbClr val="2A3244"/>
+              </a:solidFill>
+              <a:highlight>
+                <a:schemeClr val="lt1"/>
+              </a:highlight>
+            </a:endParaRPr>
+          </a:p>
+          <a:p>
+            <a:pPr indent="-342900" lvl="0" marL="457200" marR="38100" rtl="0" algn="l">
+              <a:lnSpc>
+                <a:spcPct val="128571"/>
               </a:lnSpc>
               <a:spcBef>
                 <a:spcPts val="0"/>
@@ -42109,7 +42208,7 @@
                   <a:srgbClr val="FFFFFF"/>
                 </a:highlight>
               </a:rPr>
-              <a:t>Mapeo manual con un objeto Java o no</a:t>
+              <a:t>Cree manualmente el tipo de datos y luego genere el esquema a partir de ese código.</a:t>
             </a:r>
             <a:endParaRPr sz="1800">
               <a:solidFill>
@@ -42121,9 +42220,9 @@
             </a:endParaRPr>
           </a:p>
           <a:p>
-            <a:pPr indent="0" lvl="0" marL="0" rtl="0" algn="l">
+            <a:pPr indent="0" lvl="0" marL="0" marR="38100" rtl="0" algn="l">
               <a:lnSpc>
-                <a:spcPct val="150000"/>
+                <a:spcPct val="128571"/>
               </a:lnSpc>
               <a:spcBef>
                 <a:spcPts val="0"/>
@@ -42136,7 +42235,7 @@
             <a:r>
               <a:rPr b="1" lang="en" sz="1800">
                 <a:solidFill>
-                  <a:srgbClr val="2A3244"/>
+                  <a:srgbClr val="F46524"/>
                 </a:solidFill>
                 <a:highlight>
                   <a:srgbClr val="FFFFFF"/>
@@ -42146,44 +42245,7 @@
             </a:r>
             <a:endParaRPr b="1" sz="1800">
               <a:solidFill>
-                <a:srgbClr val="2A3244"/>
-              </a:solidFill>
-              <a:highlight>
-                <a:srgbClr val="FFFFFF"/>
-              </a:highlight>
-            </a:endParaRPr>
-          </a:p>
-          <a:p>
-            <a:pPr indent="-342900" lvl="0" marL="457200" rtl="0" algn="l">
-              <a:lnSpc>
-                <a:spcPct val="150000"/>
-              </a:lnSpc>
-              <a:spcBef>
-                <a:spcPts val="0"/>
-              </a:spcBef>
-              <a:spcAft>
-                <a:spcPts val="0"/>
-              </a:spcAft>
-              <a:buClr>
-                <a:srgbClr val="2A3244"/>
-              </a:buClr>
-              <a:buSzPts val="1800"/>
-              <a:buChar char="●"/>
-            </a:pPr>
-            <a:r>
-              <a:rPr lang="en" sz="1800">
-                <a:solidFill>
-                  <a:srgbClr val="2A3244"/>
-                </a:solidFill>
-                <a:highlight>
-                  <a:srgbClr val="FFFFFF"/>
-                </a:highlight>
-              </a:rPr>
-              <a:t>El mensaje es automáticamente convertido en objeto Java</a:t>
-            </a:r>
-            <a:endParaRPr sz="1800">
-              <a:solidFill>
-                <a:srgbClr val="2A3244"/>
+                <a:srgbClr val="F46524"/>
               </a:solidFill>
               <a:highlight>
                 <a:srgbClr val="FFFFFF"/>
@@ -42202,7 +42264,7 @@
                 <a:spcPts val="0"/>
               </a:spcAft>
               <a:buClr>
-                <a:srgbClr val="202124"/>
+                <a:srgbClr val="F46524"/>
               </a:buClr>
               <a:buSzPts val="1800"/>
               <a:buChar char="●"/>
@@ -42210,17 +42272,17 @@
             <a:r>
               <a:rPr lang="en" sz="1800">
                 <a:solidFill>
-                  <a:srgbClr val="202124"/>
+                  <a:srgbClr val="F46524"/>
                 </a:solidFill>
                 <a:highlight>
-                  <a:srgbClr val="F8F9FA"/>
+                  <a:srgbClr val="FFFFFF"/>
                 </a:highlight>
               </a:rPr>
-              <a:t>requiere generar las clases antes a partir del esquema Avro</a:t>
+              <a:t>Escriba manualmente el esquema y luego genere el código para incluir en su programa.</a:t>
             </a:r>
             <a:endParaRPr sz="1800">
               <a:solidFill>
-                <a:srgbClr val="2A3244"/>
+                <a:srgbClr val="F46524"/>
               </a:solidFill>
               <a:highlight>
                 <a:srgbClr val="FFFFFF"/>
@@ -42556,7 +42618,7 @@
                 <a:cs typeface="Courier New"/>
                 <a:sym typeface="Courier New"/>
               </a:rPr>
-              <a:t>$ mvn clean install</a:t>
+              <a:t>$ mvn clean install (generate-sources)</a:t>
             </a:r>
             <a:endParaRPr>
               <a:solidFill>
@@ -44348,6 +44410,285 @@
 </file>
 
 <file path=ppt/theme/theme4.xml><?xml version="1.0" encoding="utf-8"?>
+<a:theme xmlns:a="http://schemas.openxmlformats.org/drawingml/2006/main" xmlns:r="http://schemas.openxmlformats.org/officeDocument/2006/relationships">
+  <a:themeElements>
+    <a:clrScheme name="Default">
+      <a:dk1>
+        <a:srgbClr val="000000"/>
+      </a:dk1>
+      <a:lt1>
+        <a:srgbClr val="FFFFFF"/>
+      </a:lt1>
+      <a:dk2>
+        <a:srgbClr val="158158"/>
+      </a:dk2>
+      <a:lt2>
+        <a:srgbClr val="F3F3F3"/>
+      </a:lt2>
+      <a:accent1>
+        <a:srgbClr val="058DC7"/>
+      </a:accent1>
+      <a:accent2>
+        <a:srgbClr val="50B432"/>
+      </a:accent2>
+      <a:accent3>
+        <a:srgbClr val="ED561B"/>
+      </a:accent3>
+      <a:accent4>
+        <a:srgbClr val="EDEF00"/>
+      </a:accent4>
+      <a:accent5>
+        <a:srgbClr val="24CBE5"/>
+      </a:accent5>
+      <a:accent6>
+        <a:srgbClr val="64E572"/>
+      </a:accent6>
+      <a:hlink>
+        <a:srgbClr val="2200CC"/>
+      </a:hlink>
+      <a:folHlink>
+        <a:srgbClr val="551A8B"/>
+      </a:folHlink>
+    </a:clrScheme>
+    <a:fontScheme name="Office">
+      <a:majorFont>
+        <a:latin typeface="Arial"/>
+        <a:ea typeface=""/>
+        <a:cs typeface=""/>
+        <a:font script="Jpan" typeface="ＭＳ Ｐゴシック"/>
+        <a:font script="Hang" typeface="맑은 고딕"/>
+        <a:font script="Hans" typeface="宋体"/>
+        <a:font script="Hant" typeface="新細明體"/>
+        <a:font script="Arab" typeface="Times New Roman"/>
+        <a:font script="Hebr" typeface="Times New Roman"/>
+        <a:font script="Thai" typeface="Angsana New"/>
+        <a:font script="Ethi" typeface="Nyala"/>
+        <a:font script="Beng" typeface="Vrinda"/>
+        <a:font script="Gujr" typeface="Shruti"/>
+        <a:font script="Khmr" typeface="MoolBoran"/>
+        <a:font script="Knda" typeface="Tunga"/>
+        <a:font script="Guru" typeface="Raavi"/>
+        <a:font script="Cans" typeface="Euphemia"/>
+        <a:font script="Cher" typeface="Plantagenet Cherokee"/>
+        <a:font script="Yiii" typeface="Microsoft Yi Baiti"/>
+        <a:font script="Tibt" typeface="Microsoft Himalaya"/>
+        <a:font script="Thaa" typeface="MV Boli"/>
+        <a:font script="Deva" typeface="Mangal"/>
+        <a:font script="Telu" typeface="Gautami"/>
+        <a:font script="Taml" typeface="Latha"/>
+        <a:font script="Syrc" typeface="Estrangelo Edessa"/>
+        <a:font script="Orya" typeface="Kalinga"/>
+        <a:font script="Mlym" typeface="Kartika"/>
+        <a:font script="Laoo" typeface="DokChampa"/>
+        <a:font script="Sinh" typeface="Iskoola Pota"/>
+        <a:font script="Mong" typeface="Mongolian Baiti"/>
+        <a:font script="Viet" typeface="Times New Roman"/>
+        <a:font script="Uigh" typeface="Microsoft Uighur"/>
+        <a:font script="Geor" typeface="Sylfaen"/>
+      </a:majorFont>
+      <a:minorFont>
+        <a:latin typeface="Arial"/>
+        <a:ea typeface=""/>
+        <a:cs typeface=""/>
+        <a:font script="Jpan" typeface="ＭＳ Ｐゴシック"/>
+        <a:font script="Hang" typeface="맑은 고딕"/>
+        <a:font script="Hans" typeface="宋体"/>
+        <a:font script="Hant" typeface="新細明體"/>
+        <a:font script="Arab" typeface="Arial"/>
+        <a:font script="Hebr" typeface="Arial"/>
+        <a:font script="Thai" typeface="Cordia New"/>
+        <a:font script="Ethi" typeface="Nyala"/>
+        <a:font script="Beng" typeface="Vrinda"/>
+        <a:font script="Gujr" typeface="Shruti"/>
+        <a:font script="Khmr" typeface="DaunPenh"/>
+        <a:font script="Knda" typeface="Tunga"/>
+        <a:font script="Guru" typeface="Raavi"/>
+        <a:font script="Cans" typeface="Euphemia"/>
+        <a:font script="Cher" typeface="Plantagenet Cherokee"/>
+        <a:font script="Yiii" typeface="Microsoft Yi Baiti"/>
+        <a:font script="Tibt" typeface="Microsoft Himalaya"/>
+        <a:font script="Thaa" typeface="MV Boli"/>
+        <a:font script="Deva" typeface="Mangal"/>
+        <a:font script="Telu" typeface="Gautami"/>
+        <a:font script="Taml" typeface="Latha"/>
+        <a:font script="Syrc" typeface="Estrangelo Edessa"/>
+        <a:font script="Orya" typeface="Kalinga"/>
+        <a:font script="Mlym" typeface="Kartika"/>
+        <a:font script="Laoo" typeface="DokChampa"/>
+        <a:font script="Sinh" typeface="Iskoola Pota"/>
+        <a:font script="Mong" typeface="Mongolian Baiti"/>
+        <a:font script="Viet" typeface="Arial"/>
+        <a:font script="Uigh" typeface="Microsoft Uighur"/>
+        <a:font script="Geor" typeface="Sylfaen"/>
+      </a:minorFont>
+    </a:fontScheme>
+    <a:fmtScheme name="Office">
+      <a:fillStyleLst>
+        <a:solidFill>
+          <a:schemeClr val="phClr"/>
+        </a:solidFill>
+        <a:gradFill rotWithShape="1">
+          <a:gsLst>
+            <a:gs pos="0">
+              <a:schemeClr val="phClr">
+                <a:tint val="50000"/>
+                <a:satMod val="300000"/>
+              </a:schemeClr>
+            </a:gs>
+            <a:gs pos="35000">
+              <a:schemeClr val="phClr">
+                <a:tint val="37000"/>
+                <a:satMod val="300000"/>
+              </a:schemeClr>
+            </a:gs>
+            <a:gs pos="100000">
+              <a:schemeClr val="phClr">
+                <a:tint val="15000"/>
+                <a:satMod val="350000"/>
+              </a:schemeClr>
+            </a:gs>
+          </a:gsLst>
+          <a:lin ang="16200000" scaled="1"/>
+        </a:gradFill>
+        <a:gradFill rotWithShape="1">
+          <a:gsLst>
+            <a:gs pos="0">
+              <a:schemeClr val="phClr">
+                <a:tint val="100000"/>
+                <a:shade val="100000"/>
+                <a:satMod val="130000"/>
+              </a:schemeClr>
+            </a:gs>
+            <a:gs pos="100000">
+              <a:schemeClr val="phClr">
+                <a:tint val="50000"/>
+                <a:shade val="100000"/>
+                <a:satMod val="350000"/>
+              </a:schemeClr>
+            </a:gs>
+          </a:gsLst>
+          <a:lin ang="16200000" scaled="0"/>
+        </a:gradFill>
+      </a:fillStyleLst>
+      <a:lnStyleLst>
+        <a:ln w="9525" cap="flat" cmpd="sng" algn="ctr">
+          <a:solidFill>
+            <a:schemeClr val="phClr">
+              <a:shade val="95000"/>
+              <a:satMod val="105000"/>
+            </a:schemeClr>
+          </a:solidFill>
+          <a:prstDash val="solid"/>
+        </a:ln>
+        <a:ln w="25400" cap="flat" cmpd="sng" algn="ctr">
+          <a:solidFill>
+            <a:schemeClr val="phClr"/>
+          </a:solidFill>
+          <a:prstDash val="solid"/>
+        </a:ln>
+        <a:ln w="38100" cap="flat" cmpd="sng" algn="ctr">
+          <a:solidFill>
+            <a:schemeClr val="phClr"/>
+          </a:solidFill>
+          <a:prstDash val="solid"/>
+        </a:ln>
+      </a:lnStyleLst>
+      <a:effectStyleLst>
+        <a:effectStyle>
+          <a:effectLst>
+            <a:outerShdw blurRad="40000" dist="20000" dir="5400000" rotWithShape="0">
+              <a:srgbClr val="000000">
+                <a:alpha val="38000"/>
+              </a:srgbClr>
+            </a:outerShdw>
+          </a:effectLst>
+        </a:effectStyle>
+        <a:effectStyle>
+          <a:effectLst>
+            <a:outerShdw blurRad="40000" dist="23000" dir="5400000" rotWithShape="0">
+              <a:srgbClr val="000000">
+                <a:alpha val="35000"/>
+              </a:srgbClr>
+            </a:outerShdw>
+          </a:effectLst>
+        </a:effectStyle>
+        <a:effectStyle>
+          <a:effectLst>
+            <a:outerShdw blurRad="40000" dist="23000" dir="5400000" rotWithShape="0">
+              <a:srgbClr val="000000">
+                <a:alpha val="35000"/>
+              </a:srgbClr>
+            </a:outerShdw>
+          </a:effectLst>
+          <a:scene3d>
+            <a:camera prst="orthographicFront">
+              <a:rot lat="0" lon="0" rev="0"/>
+            </a:camera>
+            <a:lightRig rig="threePt" dir="t">
+              <a:rot lat="0" lon="0" rev="1200000"/>
+            </a:lightRig>
+          </a:scene3d>
+          <a:sp3d>
+            <a:bevelT w="63500" h="25400"/>
+          </a:sp3d>
+        </a:effectStyle>
+      </a:effectStyleLst>
+      <a:bgFillStyleLst>
+        <a:solidFill>
+          <a:schemeClr val="phClr"/>
+        </a:solidFill>
+        <a:gradFill rotWithShape="1">
+          <a:gsLst>
+            <a:gs pos="0">
+              <a:schemeClr val="phClr">
+                <a:tint val="40000"/>
+                <a:satMod val="350000"/>
+              </a:schemeClr>
+            </a:gs>
+            <a:gs pos="40000">
+              <a:schemeClr val="phClr">
+                <a:tint val="45000"/>
+                <a:shade val="99000"/>
+                <a:satMod val="350000"/>
+              </a:schemeClr>
+            </a:gs>
+            <a:gs pos="100000">
+              <a:schemeClr val="phClr">
+                <a:shade val="20000"/>
+                <a:satMod val="255000"/>
+              </a:schemeClr>
+            </a:gs>
+          </a:gsLst>
+          <a:path path="circle">
+            <a:fillToRect l="50000" t="-80000" r="50000" b="180000"/>
+          </a:path>
+        </a:gradFill>
+        <a:gradFill rotWithShape="1">
+          <a:gsLst>
+            <a:gs pos="0">
+              <a:schemeClr val="phClr">
+                <a:tint val="80000"/>
+                <a:satMod val="300000"/>
+              </a:schemeClr>
+            </a:gs>
+            <a:gs pos="100000">
+              <a:schemeClr val="phClr">
+                <a:shade val="30000"/>
+                <a:satMod val="200000"/>
+              </a:schemeClr>
+            </a:gs>
+          </a:gsLst>
+          <a:path path="circle">
+            <a:fillToRect l="50000" t="50000" r="50000" b="50000"/>
+          </a:path>
+        </a:gradFill>
+      </a:bgFillStyleLst>
+    </a:fmtScheme>
+  </a:themeElements>
+</a:theme>
+</file>
+
+<file path=ppt/theme/theme5.xml><?xml version="1.0" encoding="utf-8"?>
 <a:theme xmlns:a="http://schemas.openxmlformats.org/drawingml/2006/main" xmlns:r="http://schemas.openxmlformats.org/officeDocument/2006/relationships" name="Office Theme">
   <a:themeElements>
     <a:clrScheme name="Office">
@@ -44624,283 +44965,4 @@
     </a:fmtScheme>
   </a:themeElements>
 </a:theme>
-</file>
-
-<file path=ppt/theme/theme5.xml><?xml version="1.0" encoding="utf-8"?>
-<a:theme xmlns:a="http://schemas.openxmlformats.org/drawingml/2006/main" xmlns:r="http://schemas.openxmlformats.org/officeDocument/2006/relationships">
-  <a:themeElements>
-    <a:clrScheme name="Default">
-      <a:dk1>
-        <a:srgbClr val="000000"/>
-      </a:dk1>
-      <a:lt1>
-        <a:srgbClr val="FFFFFF"/>
-      </a:lt1>
-      <a:dk2>
-        <a:srgbClr val="158158"/>
-      </a:dk2>
-      <a:lt2>
-        <a:srgbClr val="F3F3F3"/>
-      </a:lt2>
-      <a:accent1>
-        <a:srgbClr val="058DC7"/>
-      </a:accent1>
-      <a:accent2>
-        <a:srgbClr val="50B432"/>
-      </a:accent2>
-      <a:accent3>
-        <a:srgbClr val="ED561B"/>
-      </a:accent3>
-      <a:accent4>
-        <a:srgbClr val="EDEF00"/>
-      </a:accent4>
-      <a:accent5>
-        <a:srgbClr val="24CBE5"/>
-      </a:accent5>
-      <a:accent6>
-        <a:srgbClr val="64E572"/>
-      </a:accent6>
-      <a:hlink>
-        <a:srgbClr val="2200CC"/>
-      </a:hlink>
-      <a:folHlink>
-        <a:srgbClr val="551A8B"/>
-      </a:folHlink>
-    </a:clrScheme>
-    <a:fontScheme name="Office">
-      <a:majorFont>
-        <a:latin typeface="Arial"/>
-        <a:ea typeface=""/>
-        <a:cs typeface=""/>
-        <a:font script="Jpan" typeface="ＭＳ Ｐゴシック"/>
-        <a:font script="Hang" typeface="맑은 고딕"/>
-        <a:font script="Hans" typeface="宋体"/>
-        <a:font script="Hant" typeface="新細明體"/>
-        <a:font script="Arab" typeface="Times New Roman"/>
-        <a:font script="Hebr" typeface="Times New Roman"/>
-        <a:font script="Thai" typeface="Angsana New"/>
-        <a:font script="Ethi" typeface="Nyala"/>
-        <a:font script="Beng" typeface="Vrinda"/>
-        <a:font script="Gujr" typeface="Shruti"/>
-        <a:font script="Khmr" typeface="MoolBoran"/>
-        <a:font script="Knda" typeface="Tunga"/>
-        <a:font script="Guru" typeface="Raavi"/>
-        <a:font script="Cans" typeface="Euphemia"/>
-        <a:font script="Cher" typeface="Plantagenet Cherokee"/>
-        <a:font script="Yiii" typeface="Microsoft Yi Baiti"/>
-        <a:font script="Tibt" typeface="Microsoft Himalaya"/>
-        <a:font script="Thaa" typeface="MV Boli"/>
-        <a:font script="Deva" typeface="Mangal"/>
-        <a:font script="Telu" typeface="Gautami"/>
-        <a:font script="Taml" typeface="Latha"/>
-        <a:font script="Syrc" typeface="Estrangelo Edessa"/>
-        <a:font script="Orya" typeface="Kalinga"/>
-        <a:font script="Mlym" typeface="Kartika"/>
-        <a:font script="Laoo" typeface="DokChampa"/>
-        <a:font script="Sinh" typeface="Iskoola Pota"/>
-        <a:font script="Mong" typeface="Mongolian Baiti"/>
-        <a:font script="Viet" typeface="Times New Roman"/>
-        <a:font script="Uigh" typeface="Microsoft Uighur"/>
-        <a:font script="Geor" typeface="Sylfaen"/>
-      </a:majorFont>
-      <a:minorFont>
-        <a:latin typeface="Arial"/>
-        <a:ea typeface=""/>
-        <a:cs typeface=""/>
-        <a:font script="Jpan" typeface="ＭＳ Ｐゴシック"/>
-        <a:font script="Hang" typeface="맑은 고딕"/>
-        <a:font script="Hans" typeface="宋体"/>
-        <a:font script="Hant" typeface="新細明體"/>
-        <a:font script="Arab" typeface="Arial"/>
-        <a:font script="Hebr" typeface="Arial"/>
-        <a:font script="Thai" typeface="Cordia New"/>
-        <a:font script="Ethi" typeface="Nyala"/>
-        <a:font script="Beng" typeface="Vrinda"/>
-        <a:font script="Gujr" typeface="Shruti"/>
-        <a:font script="Khmr" typeface="DaunPenh"/>
-        <a:font script="Knda" typeface="Tunga"/>
-        <a:font script="Guru" typeface="Raavi"/>
-        <a:font script="Cans" typeface="Euphemia"/>
-        <a:font script="Cher" typeface="Plantagenet Cherokee"/>
-        <a:font script="Yiii" typeface="Microsoft Yi Baiti"/>
-        <a:font script="Tibt" typeface="Microsoft Himalaya"/>
-        <a:font script="Thaa" typeface="MV Boli"/>
-        <a:font script="Deva" typeface="Mangal"/>
-        <a:font script="Telu" typeface="Gautami"/>
-        <a:font script="Taml" typeface="Latha"/>
-        <a:font script="Syrc" typeface="Estrangelo Edessa"/>
-        <a:font script="Orya" typeface="Kalinga"/>
-        <a:font script="Mlym" typeface="Kartika"/>
-        <a:font script="Laoo" typeface="DokChampa"/>
-        <a:font script="Sinh" typeface="Iskoola Pota"/>
-        <a:font script="Mong" typeface="Mongolian Baiti"/>
-        <a:font script="Viet" typeface="Arial"/>
-        <a:font script="Uigh" typeface="Microsoft Uighur"/>
-        <a:font script="Geor" typeface="Sylfaen"/>
-      </a:minorFont>
-    </a:fontScheme>
-    <a:fmtScheme name="Office">
-      <a:fillStyleLst>
-        <a:solidFill>
-          <a:schemeClr val="phClr"/>
-        </a:solidFill>
-        <a:gradFill rotWithShape="1">
-          <a:gsLst>
-            <a:gs pos="0">
-              <a:schemeClr val="phClr">
-                <a:tint val="50000"/>
-                <a:satMod val="300000"/>
-              </a:schemeClr>
-            </a:gs>
-            <a:gs pos="35000">
-              <a:schemeClr val="phClr">
-                <a:tint val="37000"/>
-                <a:satMod val="300000"/>
-              </a:schemeClr>
-            </a:gs>
-            <a:gs pos="100000">
-              <a:schemeClr val="phClr">
-                <a:tint val="15000"/>
-                <a:satMod val="350000"/>
-              </a:schemeClr>
-            </a:gs>
-          </a:gsLst>
-          <a:lin ang="16200000" scaled="1"/>
-        </a:gradFill>
-        <a:gradFill rotWithShape="1">
-          <a:gsLst>
-            <a:gs pos="0">
-              <a:schemeClr val="phClr">
-                <a:tint val="100000"/>
-                <a:shade val="100000"/>
-                <a:satMod val="130000"/>
-              </a:schemeClr>
-            </a:gs>
-            <a:gs pos="100000">
-              <a:schemeClr val="phClr">
-                <a:tint val="50000"/>
-                <a:shade val="100000"/>
-                <a:satMod val="350000"/>
-              </a:schemeClr>
-            </a:gs>
-          </a:gsLst>
-          <a:lin ang="16200000" scaled="0"/>
-        </a:gradFill>
-      </a:fillStyleLst>
-      <a:lnStyleLst>
-        <a:ln w="9525" cap="flat" cmpd="sng" algn="ctr">
-          <a:solidFill>
-            <a:schemeClr val="phClr">
-              <a:shade val="95000"/>
-              <a:satMod val="105000"/>
-            </a:schemeClr>
-          </a:solidFill>
-          <a:prstDash val="solid"/>
-        </a:ln>
-        <a:ln w="25400" cap="flat" cmpd="sng" algn="ctr">
-          <a:solidFill>
-            <a:schemeClr val="phClr"/>
-          </a:solidFill>
-          <a:prstDash val="solid"/>
-        </a:ln>
-        <a:ln w="38100" cap="flat" cmpd="sng" algn="ctr">
-          <a:solidFill>
-            <a:schemeClr val="phClr"/>
-          </a:solidFill>
-          <a:prstDash val="solid"/>
-        </a:ln>
-      </a:lnStyleLst>
-      <a:effectStyleLst>
-        <a:effectStyle>
-          <a:effectLst>
-            <a:outerShdw blurRad="40000" dist="20000" dir="5400000" rotWithShape="0">
-              <a:srgbClr val="000000">
-                <a:alpha val="38000"/>
-              </a:srgbClr>
-            </a:outerShdw>
-          </a:effectLst>
-        </a:effectStyle>
-        <a:effectStyle>
-          <a:effectLst>
-            <a:outerShdw blurRad="40000" dist="23000" dir="5400000" rotWithShape="0">
-              <a:srgbClr val="000000">
-                <a:alpha val="35000"/>
-              </a:srgbClr>
-            </a:outerShdw>
-          </a:effectLst>
-        </a:effectStyle>
-        <a:effectStyle>
-          <a:effectLst>
-            <a:outerShdw blurRad="40000" dist="23000" dir="5400000" rotWithShape="0">
-              <a:srgbClr val="000000">
-                <a:alpha val="35000"/>
-              </a:srgbClr>
-            </a:outerShdw>
-          </a:effectLst>
-          <a:scene3d>
-            <a:camera prst="orthographicFront">
-              <a:rot lat="0" lon="0" rev="0"/>
-            </a:camera>
-            <a:lightRig rig="threePt" dir="t">
-              <a:rot lat="0" lon="0" rev="1200000"/>
-            </a:lightRig>
-          </a:scene3d>
-          <a:sp3d>
-            <a:bevelT w="63500" h="25400"/>
-          </a:sp3d>
-        </a:effectStyle>
-      </a:effectStyleLst>
-      <a:bgFillStyleLst>
-        <a:solidFill>
-          <a:schemeClr val="phClr"/>
-        </a:solidFill>
-        <a:gradFill rotWithShape="1">
-          <a:gsLst>
-            <a:gs pos="0">
-              <a:schemeClr val="phClr">
-                <a:tint val="40000"/>
-                <a:satMod val="350000"/>
-              </a:schemeClr>
-            </a:gs>
-            <a:gs pos="40000">
-              <a:schemeClr val="phClr">
-                <a:tint val="45000"/>
-                <a:shade val="99000"/>
-                <a:satMod val="350000"/>
-              </a:schemeClr>
-            </a:gs>
-            <a:gs pos="100000">
-              <a:schemeClr val="phClr">
-                <a:shade val="20000"/>
-                <a:satMod val="255000"/>
-              </a:schemeClr>
-            </a:gs>
-          </a:gsLst>
-          <a:path path="circle">
-            <a:fillToRect l="50000" t="-80000" r="50000" b="180000"/>
-          </a:path>
-        </a:gradFill>
-        <a:gradFill rotWithShape="1">
-          <a:gsLst>
-            <a:gs pos="0">
-              <a:schemeClr val="phClr">
-                <a:tint val="80000"/>
-                <a:satMod val="300000"/>
-              </a:schemeClr>
-            </a:gs>
-            <a:gs pos="100000">
-              <a:schemeClr val="phClr">
-                <a:shade val="30000"/>
-                <a:satMod val="200000"/>
-              </a:schemeClr>
-            </a:gs>
-          </a:gsLst>
-          <a:path path="circle">
-            <a:fillToRect l="50000" t="50000" r="50000" b="50000"/>
-          </a:path>
-        </a:gradFill>
-      </a:bgFillStyleLst>
-    </a:fmtScheme>
-  </a:themeElements>
-</a:theme>
 </file>
--- a/docs/Kafka-GobernanzaDeEsquema.pptx
+++ b/docs/Kafka-GobernanzaDeEsquema.pptx
@@ -32311,7 +32311,7 @@
           <p:nvPr/>
         </p:nvGraphicFramePr>
         <p:xfrm>
-          <a:off x="715725" y="892170"/>
+          <a:off x="684763" y="685170"/>
           <a:ext cx="3000000" cy="3000000"/>
         </p:xfrm>
         <a:graphic>
@@ -32319,7 +32319,7 @@
             <a:tbl>
               <a:tblPr>
                 <a:noFill/>
-                <a:tableStyleId>{C3902C45-77EE-4B7B-BFCD-14857BE04847}</a:tableStyleId>
+                <a:tableStyleId>{2A69B6A5-3AEF-4E72-BE44-720DCD1DF013}</a:tableStyleId>
               </a:tblPr>
               <a:tblGrid>
                 <a:gridCol w="2146500"/>
@@ -32391,6 +32391,9 @@
                       <a:headEnd len="sm" w="sm" type="none"/>
                       <a:tailEnd len="sm" w="sm" type="none"/>
                     </a:lnB>
+                    <a:solidFill>
+                      <a:srgbClr val="F9CB9C"/>
+                    </a:solidFill>
                   </a:tcPr>
                 </a:tc>
                 <a:tc>
@@ -32411,7 +32414,7 @@
                         <a:buNone/>
                       </a:pPr>
                       <a:r>
-                        <a:rPr lang="en" sz="1000">
+                        <a:rPr lang="en" sz="1200">
                           <a:solidFill>
                             <a:srgbClr val="202124"/>
                           </a:solidFill>
@@ -32421,7 +32424,7 @@
                         </a:rPr>
                         <a:t>(por defecto) los consumidores que usan el nuevo esquema pueden leer los datos escritos por los productores que usan el último esquema guardado, denominado S. Por lo tanto, los mensajes se consumirán usando la versión actual del esquema S, o la anterior a S-1. Pero no necesariamente la versión anterior a S-2.</a:t>
                       </a:r>
-                      <a:endParaRPr sz="1000"/>
+                      <a:endParaRPr sz="1200"/>
                     </a:p>
                   </a:txBody>
                   <a:tcPr marT="91425" marB="91425" marR="91425" marL="91425">
@@ -32461,6 +32464,9 @@
                       <a:headEnd len="sm" w="sm" type="none"/>
                       <a:tailEnd len="sm" w="sm" type="none"/>
                     </a:lnB>
+                    <a:solidFill>
+                      <a:srgbClr val="F9CB9C"/>
+                    </a:solidFill>
                   </a:tcPr>
                 </a:tc>
               </a:tr>
@@ -32483,7 +32489,7 @@
                         <a:buNone/>
                       </a:pPr>
                       <a:r>
-                        <a:rPr b="1" lang="en" sz="1200">
+                        <a:rPr b="1" lang="en" sz="1000">
                           <a:solidFill>
                             <a:srgbClr val="333333"/>
                           </a:solidFill>
@@ -32493,7 +32499,7 @@
                         </a:rPr>
                         <a:t>NONE</a:t>
                       </a:r>
-                      <a:endParaRPr b="1" sz="1200">
+                      <a:endParaRPr b="1" sz="1000">
                         <a:solidFill>
                           <a:srgbClr val="333333"/>
                         </a:solidFill>
@@ -32540,6 +32546,9 @@
                       <a:headEnd len="sm" w="sm" type="none"/>
                       <a:tailEnd len="sm" w="sm" type="none"/>
                     </a:lnB>
+                    <a:solidFill>
+                      <a:srgbClr val="F9CB9C"/>
+                    </a:solidFill>
                   </a:tcPr>
                 </a:tc>
                 <a:tc>
@@ -32617,6 +32626,9 @@
                       <a:headEnd len="sm" w="sm" type="none"/>
                       <a:tailEnd len="sm" w="sm" type="none"/>
                     </a:lnB>
+                    <a:solidFill>
+                      <a:srgbClr val="F9CB9C"/>
+                    </a:solidFill>
                   </a:tcPr>
                 </a:tc>
               </a:tr>
@@ -32639,7 +32651,7 @@
                         <a:buNone/>
                       </a:pPr>
                       <a:r>
-                        <a:rPr b="1" lang="en" sz="1200">
+                        <a:rPr b="1" lang="en" sz="1000">
                           <a:solidFill>
                             <a:srgbClr val="333333"/>
                           </a:solidFill>
@@ -32649,7 +32661,7 @@
                         </a:rPr>
                         <a:t>BACKWARD_TRANSITIVE</a:t>
                       </a:r>
-                      <a:endParaRPr b="1" sz="1200">
+                      <a:endParaRPr b="1" sz="1000">
                         <a:solidFill>
                           <a:srgbClr val="333333"/>
                         </a:solidFill>
@@ -32792,7 +32804,7 @@
                         <a:buNone/>
                       </a:pPr>
                       <a:r>
-                        <a:rPr b="1" lang="en" sz="1200">
+                        <a:rPr b="1" lang="en" sz="1000">
                           <a:solidFill>
                             <a:srgbClr val="333333"/>
                           </a:solidFill>
@@ -32802,7 +32814,7 @@
                         </a:rPr>
                         <a:t>FORWARD</a:t>
                       </a:r>
-                      <a:endParaRPr b="1" sz="1200">
+                      <a:endParaRPr b="1" sz="1000">
                         <a:solidFill>
                           <a:srgbClr val="333333"/>
                         </a:solidFill>
@@ -32849,6 +32861,9 @@
                       <a:headEnd len="sm" w="sm" type="none"/>
                       <a:tailEnd len="sm" w="sm" type="none"/>
                     </a:lnB>
+                    <a:solidFill>
+                      <a:srgbClr val="F9CB9C"/>
+                    </a:solidFill>
                   </a:tcPr>
                 </a:tc>
                 <a:tc>
@@ -32926,6 +32941,9 @@
                       <a:headEnd len="sm" w="sm" type="none"/>
                       <a:tailEnd len="sm" w="sm" type="none"/>
                     </a:lnB>
+                    <a:solidFill>
+                      <a:srgbClr val="F9CB9C"/>
+                    </a:solidFill>
                   </a:tcPr>
                 </a:tc>
               </a:tr>
@@ -32948,7 +32966,7 @@
                         <a:buNone/>
                       </a:pPr>
                       <a:r>
-                        <a:rPr b="1" lang="en" sz="1200">
+                        <a:rPr b="1" lang="en" sz="1000">
                           <a:solidFill>
                             <a:srgbClr val="333333"/>
                           </a:solidFill>
@@ -32958,7 +32976,7 @@
                         </a:rPr>
                         <a:t>FORWARD_TRANSITIVE</a:t>
                       </a:r>
-                      <a:endParaRPr b="1" sz="1200">
+                      <a:endParaRPr b="1" sz="1000">
                         <a:solidFill>
                           <a:srgbClr val="333333"/>
                         </a:solidFill>
@@ -33104,7 +33122,7 @@
                         <a:buNone/>
                       </a:pPr>
                       <a:r>
-                        <a:rPr b="1" lang="en" sz="1200">
+                        <a:rPr b="1" lang="en" sz="1000">
                           <a:solidFill>
                             <a:srgbClr val="333333"/>
                           </a:solidFill>
@@ -33114,7 +33132,7 @@
                         </a:rPr>
                         <a:t>FULL</a:t>
                       </a:r>
-                      <a:endParaRPr b="1" sz="1200">
+                      <a:endParaRPr b="1" sz="1000">
                         <a:solidFill>
                           <a:srgbClr val="333333"/>
                         </a:solidFill>
@@ -33161,6 +33179,9 @@
                       <a:headEnd len="sm" w="sm" type="none"/>
                       <a:tailEnd len="sm" w="sm" type="none"/>
                     </a:lnB>
+                    <a:solidFill>
+                      <a:srgbClr val="F9CB9C"/>
+                    </a:solidFill>
                   </a:tcPr>
                 </a:tc>
                 <a:tc>
@@ -33231,6 +33252,9 @@
                       <a:headEnd len="sm" w="sm" type="none"/>
                       <a:tailEnd len="sm" w="sm" type="none"/>
                     </a:lnB>
+                    <a:solidFill>
+                      <a:srgbClr val="F9CB9C"/>
+                    </a:solidFill>
                   </a:tcPr>
                 </a:tc>
               </a:tr>
@@ -33253,7 +33277,7 @@
                         <a:buNone/>
                       </a:pPr>
                       <a:r>
-                        <a:rPr b="1" lang="en" sz="1200">
+                        <a:rPr b="1" lang="en" sz="1000">
                           <a:solidFill>
                             <a:srgbClr val="333333"/>
                           </a:solidFill>
@@ -33263,7 +33287,7 @@
                         </a:rPr>
                         <a:t>FULL_TRANSITIVE</a:t>
                       </a:r>
-                      <a:endParaRPr b="1" sz="1200">
+                      <a:endParaRPr b="1" sz="1000">
                         <a:solidFill>
                           <a:srgbClr val="333333"/>
                         </a:solidFill>
@@ -33859,7 +33883,7 @@
             <a:tbl>
               <a:tblPr>
                 <a:noFill/>
-                <a:tableStyleId>{C3902C45-77EE-4B7B-BFCD-14857BE04847}</a:tableStyleId>
+                <a:tableStyleId>{2A69B6A5-3AEF-4E72-BE44-720DCD1DF013}</a:tableStyleId>
               </a:tblPr>
               <a:tblGrid>
                 <a:gridCol w="2103150"/>

--- a/docs/Kafka-GobernanzaDeEsquema.pptx
+++ b/docs/Kafka-GobernanzaDeEsquema.pptx
@@ -32319,7 +32319,7 @@
             <a:tbl>
               <a:tblPr>
                 <a:noFill/>
-                <a:tableStyleId>{2A69B6A5-3AEF-4E72-BE44-720DCD1DF013}</a:tableStyleId>
+                <a:tableStyleId>{345E130E-CD5E-43CB-9C1B-53E5E36A5D48}</a:tableStyleId>
               </a:tblPr>
               <a:tblGrid>
                 <a:gridCol w="2146500"/>
@@ -33883,7 +33883,7 @@
             <a:tbl>
               <a:tblPr>
                 <a:noFill/>
-                <a:tableStyleId>{2A69B6A5-3AEF-4E72-BE44-720DCD1DF013}</a:tableStyleId>
+                <a:tableStyleId>{345E130E-CD5E-43CB-9C1B-53E5E36A5D48}</a:tableStyleId>
               </a:tblPr>
               <a:tblGrid>
                 <a:gridCol w="2103150"/>
@@ -34284,39 +34284,9 @@
                     <a:bodyPr/>
                     <a:lstStyle/>
                     <a:p>
-                      <a:pPr indent="0" lvl="0" marL="0" rtl="0" algn="l">
-                        <a:spcBef>
-                          <a:spcPts val="0"/>
-                        </a:spcBef>
-                        <a:spcAft>
-                          <a:spcPts val="0"/>
-                        </a:spcAft>
-                        <a:buNone/>
-                      </a:pPr>
-                      <a:r>
-                        <a:rPr lang="en" sz="1000">
-                          <a:solidFill>
-                            <a:srgbClr val="333333"/>
-                          </a:solidFill>
-                          <a:highlight>
-                            <a:srgbClr val="FFFFFF"/>
-                          </a:highlight>
-                        </a:rPr>
-                        <a:t>- Eliminar atributos</a:t>
-                      </a:r>
-                      <a:endParaRPr sz="1000">
-                        <a:solidFill>
-                          <a:srgbClr val="333333"/>
-                        </a:solidFill>
-                        <a:highlight>
-                          <a:srgbClr val="FFFFFF"/>
-                        </a:highlight>
-                      </a:endParaRPr>
-                    </a:p>
-                    <a:p>
-                      <a:pPr indent="0" lvl="0" marL="0" marR="38100" rtl="0" algn="l">
+                      <a:pPr indent="0" lvl="0" marL="0" marR="0" rtl="0" algn="l">
                         <a:lnSpc>
-                          <a:spcPct val="128571"/>
+                          <a:spcPct val="100000"/>
                         </a:lnSpc>
                         <a:spcBef>
                           <a:spcPts val="0"/>
@@ -34327,24 +34297,29 @@
                         <a:buNone/>
                       </a:pPr>
                       <a:r>
-                        <a:rPr lang="en" sz="1000">
-                          <a:solidFill>
-                            <a:srgbClr val="333333"/>
-                          </a:solidFill>
-                          <a:highlight>
-                            <a:srgbClr val="FFFFFF"/>
-                          </a:highlight>
-                        </a:rPr>
+                        <a:rPr lang="en" sz="1000"/>
+                        <a:t>- Eliminar atributos</a:t>
+                      </a:r>
+                      <a:endParaRPr sz="1000"/>
+                    </a:p>
+                    <a:p>
+                      <a:pPr indent="0" lvl="0" marL="0" marR="0" rtl="0" algn="l">
+                        <a:lnSpc>
+                          <a:spcPct val="100000"/>
+                        </a:lnSpc>
+                        <a:spcBef>
+                          <a:spcPts val="0"/>
+                        </a:spcBef>
+                        <a:spcAft>
+                          <a:spcPts val="0"/>
+                        </a:spcAft>
+                        <a:buNone/>
+                      </a:pPr>
+                      <a:r>
+                        <a:rPr lang="en" sz="1000"/>
                         <a:t>- Agregar atributos opcionales</a:t>
                       </a:r>
-                      <a:endParaRPr sz="1000">
-                        <a:solidFill>
-                          <a:srgbClr val="333333"/>
-                        </a:solidFill>
-                        <a:highlight>
-                          <a:srgbClr val="FFFFFF"/>
-                        </a:highlight>
-                      </a:endParaRPr>
+                      <a:endParaRPr sz="1000"/>
                     </a:p>
                   </a:txBody>
                   <a:tcPr marT="91425" marB="91425" marR="91425" marL="91425">
@@ -34394,9 +34369,9 @@
                     <a:bodyPr/>
                     <a:lstStyle/>
                     <a:p>
-                      <a:pPr indent="0" lvl="0" marL="0" marR="38100" rtl="0" algn="l">
+                      <a:pPr indent="0" lvl="0" marL="0" marR="0" rtl="0" algn="l">
                         <a:lnSpc>
-                          <a:spcPct val="128571"/>
+                          <a:spcPct val="100000"/>
                         </a:lnSpc>
                         <a:spcBef>
                           <a:spcPts val="0"/>
@@ -34407,24 +34382,10 @@
                         <a:buNone/>
                       </a:pPr>
                       <a:r>
-                        <a:rPr lang="en" sz="1000">
-                          <a:solidFill>
-                            <a:srgbClr val="333333"/>
-                          </a:solidFill>
-                          <a:highlight>
-                            <a:srgbClr val="FFFFFF"/>
-                          </a:highlight>
-                        </a:rPr>
+                        <a:rPr lang="en" sz="1000"/>
                         <a:t>Última versión</a:t>
                       </a:r>
-                      <a:endParaRPr sz="1000">
-                        <a:solidFill>
-                          <a:srgbClr val="333333"/>
-                        </a:solidFill>
-                        <a:highlight>
-                          <a:srgbClr val="FFFFFF"/>
-                        </a:highlight>
-                      </a:endParaRPr>
+                      <a:endParaRPr sz="1000"/>
                     </a:p>
                   </a:txBody>
                   <a:tcPr marT="91425" marB="91425" marR="91425" marL="91425">
@@ -34474,7 +34435,10 @@
                     <a:bodyPr/>
                     <a:lstStyle/>
                     <a:p>
-                      <a:pPr indent="0" lvl="0" marL="0" rtl="0" algn="l">
+                      <a:pPr indent="0" lvl="0" marL="0" marR="0" rtl="0" algn="l">
+                        <a:lnSpc>
+                          <a:spcPct val="100000"/>
+                        </a:lnSpc>
                         <a:spcBef>
                           <a:spcPts val="0"/>
                         </a:spcBef>
@@ -34484,24 +34448,10 @@
                         <a:buNone/>
                       </a:pPr>
                       <a:r>
-                        <a:rPr lang="en" sz="1000">
-                          <a:solidFill>
-                            <a:srgbClr val="333333"/>
-                          </a:solidFill>
-                          <a:highlight>
-                            <a:srgbClr val="FFFFFF"/>
-                          </a:highlight>
-                        </a:rPr>
+                        <a:rPr lang="en" sz="1000"/>
                         <a:t>Consumidores</a:t>
                       </a:r>
-                      <a:endParaRPr sz="1000">
-                        <a:solidFill>
-                          <a:srgbClr val="333333"/>
-                        </a:solidFill>
-                        <a:highlight>
-                          <a:srgbClr val="FFFFFF"/>
-                        </a:highlight>
-                      </a:endParaRPr>
+                      <a:endParaRPr sz="1000"/>
                     </a:p>
                   </a:txBody>
                   <a:tcPr marT="91425" marB="91425" marR="91425" marL="91425">
@@ -34984,10 +34934,10 @@
                         <a:buNone/>
                       </a:pPr>
                       <a:r>
-                        <a:rPr b="1" lang="en" sz="1000"/>
+                        <a:rPr lang="en" sz="1000"/>
                         <a:t>- Agregar atributos</a:t>
                       </a:r>
-                      <a:endParaRPr b="1" sz="1000"/>
+                      <a:endParaRPr sz="1000"/>
                     </a:p>
                     <a:p>
                       <a:pPr indent="0" lvl="0" marL="0" marR="0" rtl="0" algn="l">
@@ -35003,10 +34953,10 @@
                         <a:buNone/>
                       </a:pPr>
                       <a:r>
-                        <a:rPr b="1" lang="en" sz="1000"/>
+                        <a:rPr lang="en" sz="1000"/>
                         <a:t>- Eliminar atributos opcionales</a:t>
                       </a:r>
-                      <a:endParaRPr b="1" sz="1000"/>
+                      <a:endParaRPr sz="1000"/>
                     </a:p>
                   </a:txBody>
                   <a:tcPr marT="91425" marB="91425" marR="91425" marL="91425">
@@ -35074,10 +35024,10 @@
                         <a:buNone/>
                       </a:pPr>
                       <a:r>
-                        <a:rPr b="1" lang="en" sz="1000"/>
+                        <a:rPr lang="en" sz="1000"/>
                         <a:t>Última versión</a:t>
                       </a:r>
-                      <a:endParaRPr b="1" sz="1000"/>
+                      <a:endParaRPr sz="1000"/>
                     </a:p>
                   </a:txBody>
                   <a:tcPr marT="91425" marB="91425" marR="91425" marL="91425">
@@ -35137,10 +35087,10 @@
                         <a:buNone/>
                       </a:pPr>
                       <a:r>
-                        <a:rPr b="1" lang="en" sz="1000"/>
+                        <a:rPr lang="en" sz="1000"/>
                         <a:t>Productores</a:t>
                       </a:r>
-                      <a:endParaRPr b="1" sz="1000"/>
+                      <a:endParaRPr sz="1000"/>
                     </a:p>
                   </a:txBody>
                   <a:tcPr marT="91425" marB="91425" marR="91425" marL="91425">
@@ -35643,9 +35593,9 @@
                     <a:bodyPr/>
                     <a:lstStyle/>
                     <a:p>
-                      <a:pPr indent="0" lvl="0" marL="0" marR="38100" rtl="0" algn="l">
+                      <a:pPr indent="0" lvl="0" marL="0" marR="0" rtl="0" algn="l">
                         <a:lnSpc>
-                          <a:spcPct val="128571"/>
+                          <a:spcPct val="100000"/>
                         </a:lnSpc>
                         <a:spcBef>
                           <a:spcPts val="0"/>
@@ -35656,24 +35606,29 @@
                         <a:buNone/>
                       </a:pPr>
                       <a:r>
-                        <a:rPr lang="en" sz="1000">
-                          <a:solidFill>
-                            <a:srgbClr val="333333"/>
-                          </a:solidFill>
-                          <a:highlight>
-                            <a:srgbClr val="FFFFFF"/>
-                          </a:highlight>
-                        </a:rPr>
-                        <a:t>- Modificar atributos opcionales</a:t>
+                        <a:rPr lang="en" sz="1000"/>
+                        <a:t>- Agregar atributos opcionales</a:t>
                       </a:r>
-                      <a:endParaRPr sz="1000">
-                        <a:solidFill>
-                          <a:srgbClr val="333333"/>
-                        </a:solidFill>
-                        <a:highlight>
-                          <a:srgbClr val="FFFFFF"/>
-                        </a:highlight>
-                      </a:endParaRPr>
+                      <a:endParaRPr sz="1000"/>
+                    </a:p>
+                    <a:p>
+                      <a:pPr indent="0" lvl="0" marL="0" marR="0" rtl="0" algn="l">
+                        <a:lnSpc>
+                          <a:spcPct val="100000"/>
+                        </a:lnSpc>
+                        <a:spcBef>
+                          <a:spcPts val="0"/>
+                        </a:spcBef>
+                        <a:spcAft>
+                          <a:spcPts val="0"/>
+                        </a:spcAft>
+                        <a:buNone/>
+                      </a:pPr>
+                      <a:r>
+                        <a:rPr lang="en" sz="1000"/>
+                        <a:t>- Eliminar atributos opcionales</a:t>
+                      </a:r>
+                      <a:endParaRPr sz="1000"/>
                     </a:p>
                   </a:txBody>
                   <a:tcPr marT="91425" marB="91425" marR="91425" marL="91425">
@@ -35723,9 +35678,9 @@
                     <a:bodyPr/>
                     <a:lstStyle/>
                     <a:p>
-                      <a:pPr indent="0" lvl="0" marL="0" marR="38100" rtl="0" algn="l">
+                      <a:pPr indent="0" lvl="0" marL="0" marR="0" rtl="0" algn="l">
                         <a:lnSpc>
-                          <a:spcPct val="128571"/>
+                          <a:spcPct val="100000"/>
                         </a:lnSpc>
                         <a:spcBef>
                           <a:spcPts val="0"/>
@@ -35733,32 +35688,13 @@
                         <a:spcAft>
                           <a:spcPts val="0"/>
                         </a:spcAft>
-                        <a:buClr>
-                          <a:schemeClr val="dk1"/>
-                        </a:buClr>
-                        <a:buSzPts val="1100"/>
-                        <a:buFont typeface="Arial"/>
                         <a:buNone/>
                       </a:pPr>
                       <a:r>
-                        <a:rPr lang="en" sz="1000">
-                          <a:solidFill>
-                            <a:srgbClr val="333333"/>
-                          </a:solidFill>
-                          <a:highlight>
-                            <a:srgbClr val="FFFFFF"/>
-                          </a:highlight>
-                        </a:rPr>
+                        <a:rPr lang="en" sz="1000"/>
                         <a:t>Última versión</a:t>
                       </a:r>
-                      <a:endParaRPr sz="1000">
-                        <a:solidFill>
-                          <a:srgbClr val="333333"/>
-                        </a:solidFill>
-                        <a:highlight>
-                          <a:srgbClr val="FFFFFF"/>
-                        </a:highlight>
-                      </a:endParaRPr>
+                      <a:endParaRPr sz="1000"/>
                     </a:p>
                   </a:txBody>
                   <a:tcPr marT="91425" marB="91425" marR="91425" marL="91425">
@@ -35808,7 +35744,10 @@
                     <a:bodyPr/>
                     <a:lstStyle/>
                     <a:p>
-                      <a:pPr indent="0" lvl="0" marL="0" rtl="0" algn="l">
+                      <a:pPr indent="0" lvl="0" marL="0" marR="0" rtl="0" algn="l">
+                        <a:lnSpc>
+                          <a:spcPct val="100000"/>
+                        </a:lnSpc>
                         <a:spcBef>
                           <a:spcPts val="0"/>
                         </a:spcBef>
@@ -35818,24 +35757,10 @@
                         <a:buNone/>
                       </a:pPr>
                       <a:r>
-                        <a:rPr lang="en" sz="1000">
-                          <a:solidFill>
-                            <a:srgbClr val="333333"/>
-                          </a:solidFill>
-                          <a:highlight>
-                            <a:srgbClr val="FFFFFF"/>
-                          </a:highlight>
-                        </a:rPr>
+                        <a:rPr lang="en" sz="1000"/>
                         <a:t>Libre</a:t>
                       </a:r>
-                      <a:endParaRPr sz="1000">
-                        <a:solidFill>
-                          <a:srgbClr val="333333"/>
-                        </a:solidFill>
-                        <a:highlight>
-                          <a:srgbClr val="FFFFFF"/>
-                        </a:highlight>
-                      </a:endParaRPr>
+                      <a:endParaRPr sz="1000"/>
                     </a:p>
                   </a:txBody>
                   <a:tcPr marT="91425" marB="91425" marR="91425" marL="91425">
@@ -35987,10 +35912,42 @@
                             <a:srgbClr val="333333"/>
                           </a:solidFill>
                           <a:highlight>
-                            <a:srgbClr val="FFFFFF"/>
+                            <a:schemeClr val="lt1"/>
                           </a:highlight>
                         </a:rPr>
-                        <a:t>- Modificar atributos opcionales</a:t>
+                        <a:t>- Agregar atributos opcionales</a:t>
+                      </a:r>
+                      <a:endParaRPr sz="1000">
+                        <a:solidFill>
+                          <a:srgbClr val="333333"/>
+                        </a:solidFill>
+                        <a:highlight>
+                          <a:schemeClr val="lt1"/>
+                        </a:highlight>
+                      </a:endParaRPr>
+                    </a:p>
+                    <a:p>
+                      <a:pPr indent="0" lvl="0" marL="0" rtl="0" algn="l">
+                        <a:spcBef>
+                          <a:spcPts val="0"/>
+                        </a:spcBef>
+                        <a:spcAft>
+                          <a:spcPts val="0"/>
+                        </a:spcAft>
+                        <a:buClr>
+                          <a:schemeClr val="dk1"/>
+                        </a:buClr>
+                        <a:buSzPts val="1100"/>
+                        <a:buFont typeface="Arial"/>
+                        <a:buNone/>
+                      </a:pPr>
+                      <a:r>
+                        <a:rPr lang="en" sz="1000">
+                          <a:solidFill>
+                            <a:schemeClr val="dk1"/>
+                          </a:solidFill>
+                        </a:rPr>
+                        <a:t>- Eliminar atributos opcionales</a:t>
                       </a:r>
                       <a:endParaRPr sz="1000">
                         <a:solidFill>
@@ -44434,6 +44391,285 @@
 </file>
 
 <file path=ppt/theme/theme4.xml><?xml version="1.0" encoding="utf-8"?>
+<a:theme xmlns:a="http://schemas.openxmlformats.org/drawingml/2006/main" xmlns:r="http://schemas.openxmlformats.org/officeDocument/2006/relationships" name="Office Theme">
+  <a:themeElements>
+    <a:clrScheme name="Office">
+      <a:dk1>
+        <a:srgbClr val="000000"/>
+      </a:dk1>
+      <a:lt1>
+        <a:srgbClr val="FFFFFF"/>
+      </a:lt1>
+      <a:dk2>
+        <a:srgbClr val="000000"/>
+      </a:dk2>
+      <a:lt2>
+        <a:srgbClr val="757575"/>
+      </a:lt2>
+      <a:accent1>
+        <a:srgbClr val="01579B"/>
+      </a:accent1>
+      <a:accent2>
+        <a:srgbClr val="27C7BD"/>
+      </a:accent2>
+      <a:accent3>
+        <a:srgbClr val="0099E8"/>
+      </a:accent3>
+      <a:accent4>
+        <a:srgbClr val="51B9A3"/>
+      </a:accent4>
+      <a:accent5>
+        <a:srgbClr val="FB8C00"/>
+      </a:accent5>
+      <a:accent6>
+        <a:srgbClr val="FFAE88"/>
+      </a:accent6>
+      <a:hlink>
+        <a:srgbClr val="0277BD"/>
+      </a:hlink>
+      <a:folHlink>
+        <a:srgbClr val="0277BD"/>
+      </a:folHlink>
+    </a:clrScheme>
+    <a:fontScheme name="Office">
+      <a:majorFont>
+        <a:latin typeface="Arial"/>
+        <a:ea typeface=""/>
+        <a:cs typeface=""/>
+        <a:font script="Jpan" typeface="ＭＳ Ｐゴシック"/>
+        <a:font script="Hang" typeface="맑은 고딕"/>
+        <a:font script="Hans" typeface="宋体"/>
+        <a:font script="Hant" typeface="新細明體"/>
+        <a:font script="Arab" typeface="Times New Roman"/>
+        <a:font script="Hebr" typeface="Times New Roman"/>
+        <a:font script="Thai" typeface="Angsana New"/>
+        <a:font script="Ethi" typeface="Nyala"/>
+        <a:font script="Beng" typeface="Vrinda"/>
+        <a:font script="Gujr" typeface="Shruti"/>
+        <a:font script="Khmr" typeface="MoolBoran"/>
+        <a:font script="Knda" typeface="Tunga"/>
+        <a:font script="Guru" typeface="Raavi"/>
+        <a:font script="Cans" typeface="Euphemia"/>
+        <a:font script="Cher" typeface="Plantagenet Cherokee"/>
+        <a:font script="Yiii" typeface="Microsoft Yi Baiti"/>
+        <a:font script="Tibt" typeface="Microsoft Himalaya"/>
+        <a:font script="Thaa" typeface="MV Boli"/>
+        <a:font script="Deva" typeface="Mangal"/>
+        <a:font script="Telu" typeface="Gautami"/>
+        <a:font script="Taml" typeface="Latha"/>
+        <a:font script="Syrc" typeface="Estrangelo Edessa"/>
+        <a:font script="Orya" typeface="Kalinga"/>
+        <a:font script="Mlym" typeface="Kartika"/>
+        <a:font script="Laoo" typeface="DokChampa"/>
+        <a:font script="Sinh" typeface="Iskoola Pota"/>
+        <a:font script="Mong" typeface="Mongolian Baiti"/>
+        <a:font script="Viet" typeface="Times New Roman"/>
+        <a:font script="Uigh" typeface="Microsoft Uighur"/>
+        <a:font script="Geor" typeface="Sylfaen"/>
+      </a:majorFont>
+      <a:minorFont>
+        <a:latin typeface="Arial"/>
+        <a:ea typeface=""/>
+        <a:cs typeface=""/>
+        <a:font script="Jpan" typeface="ＭＳ Ｐゴシック"/>
+        <a:font script="Hang" typeface="맑은 고딕"/>
+        <a:font script="Hans" typeface="宋体"/>
+        <a:font script="Hant" typeface="新細明體"/>
+        <a:font script="Arab" typeface="Arial"/>
+        <a:font script="Hebr" typeface="Arial"/>
+        <a:font script="Thai" typeface="Cordia New"/>
+        <a:font script="Ethi" typeface="Nyala"/>
+        <a:font script="Beng" typeface="Vrinda"/>
+        <a:font script="Gujr" typeface="Shruti"/>
+        <a:font script="Khmr" typeface="DaunPenh"/>
+        <a:font script="Knda" typeface="Tunga"/>
+        <a:font script="Guru" typeface="Raavi"/>
+        <a:font script="Cans" typeface="Euphemia"/>
+        <a:font script="Cher" typeface="Plantagenet Cherokee"/>
+        <a:font script="Yiii" typeface="Microsoft Yi Baiti"/>
+        <a:font script="Tibt" typeface="Microsoft Himalaya"/>
+        <a:font script="Thaa" typeface="MV Boli"/>
+        <a:font script="Deva" typeface="Mangal"/>
+        <a:font script="Telu" typeface="Gautami"/>
+        <a:font script="Taml" typeface="Latha"/>
+        <a:font script="Syrc" typeface="Estrangelo Edessa"/>
+        <a:font script="Orya" typeface="Kalinga"/>
+        <a:font script="Mlym" typeface="Kartika"/>
+        <a:font script="Laoo" typeface="DokChampa"/>
+        <a:font script="Sinh" typeface="Iskoola Pota"/>
+        <a:font script="Mong" typeface="Mongolian Baiti"/>
+        <a:font script="Viet" typeface="Arial"/>
+        <a:font script="Uigh" typeface="Microsoft Uighur"/>
+        <a:font script="Geor" typeface="Sylfaen"/>
+      </a:minorFont>
+    </a:fontScheme>
+    <a:fmtScheme name="Office">
+      <a:fillStyleLst>
+        <a:solidFill>
+          <a:schemeClr val="phClr"/>
+        </a:solidFill>
+        <a:gradFill rotWithShape="1">
+          <a:gsLst>
+            <a:gs pos="0">
+              <a:schemeClr val="phClr">
+                <a:tint val="50000"/>
+                <a:satMod val="300000"/>
+              </a:schemeClr>
+            </a:gs>
+            <a:gs pos="35000">
+              <a:schemeClr val="phClr">
+                <a:tint val="37000"/>
+                <a:satMod val="300000"/>
+              </a:schemeClr>
+            </a:gs>
+            <a:gs pos="100000">
+              <a:schemeClr val="phClr">
+                <a:tint val="15000"/>
+                <a:satMod val="350000"/>
+              </a:schemeClr>
+            </a:gs>
+          </a:gsLst>
+          <a:lin ang="16200000" scaled="1"/>
+        </a:gradFill>
+        <a:gradFill rotWithShape="1">
+          <a:gsLst>
+            <a:gs pos="0">
+              <a:schemeClr val="phClr">
+                <a:tint val="100000"/>
+                <a:shade val="100000"/>
+                <a:satMod val="130000"/>
+              </a:schemeClr>
+            </a:gs>
+            <a:gs pos="100000">
+              <a:schemeClr val="phClr">
+                <a:tint val="50000"/>
+                <a:shade val="100000"/>
+                <a:satMod val="350000"/>
+              </a:schemeClr>
+            </a:gs>
+          </a:gsLst>
+          <a:lin ang="16200000" scaled="0"/>
+        </a:gradFill>
+      </a:fillStyleLst>
+      <a:lnStyleLst>
+        <a:ln w="9525" cap="flat" cmpd="sng" algn="ctr">
+          <a:solidFill>
+            <a:schemeClr val="phClr">
+              <a:shade val="95000"/>
+              <a:satMod val="105000"/>
+            </a:schemeClr>
+          </a:solidFill>
+          <a:prstDash val="solid"/>
+        </a:ln>
+        <a:ln w="25400" cap="flat" cmpd="sng" algn="ctr">
+          <a:solidFill>
+            <a:schemeClr val="phClr"/>
+          </a:solidFill>
+          <a:prstDash val="solid"/>
+        </a:ln>
+        <a:ln w="38100" cap="flat" cmpd="sng" algn="ctr">
+          <a:solidFill>
+            <a:schemeClr val="phClr"/>
+          </a:solidFill>
+          <a:prstDash val="solid"/>
+        </a:ln>
+      </a:lnStyleLst>
+      <a:effectStyleLst>
+        <a:effectStyle>
+          <a:effectLst>
+            <a:outerShdw blurRad="40000" dist="20000" dir="5400000" rotWithShape="0">
+              <a:srgbClr val="000000">
+                <a:alpha val="38000"/>
+              </a:srgbClr>
+            </a:outerShdw>
+          </a:effectLst>
+        </a:effectStyle>
+        <a:effectStyle>
+          <a:effectLst>
+            <a:outerShdw blurRad="40000" dist="23000" dir="5400000" rotWithShape="0">
+              <a:srgbClr val="000000">
+                <a:alpha val="35000"/>
+              </a:srgbClr>
+            </a:outerShdw>
+          </a:effectLst>
+        </a:effectStyle>
+        <a:effectStyle>
+          <a:effectLst>
+            <a:outerShdw blurRad="40000" dist="23000" dir="5400000" rotWithShape="0">
+              <a:srgbClr val="000000">
+                <a:alpha val="35000"/>
+              </a:srgbClr>
+            </a:outerShdw>
+          </a:effectLst>
+          <a:scene3d>
+            <a:camera prst="orthographicFront">
+              <a:rot lat="0" lon="0" rev="0"/>
+            </a:camera>
+            <a:lightRig rig="threePt" dir="t">
+              <a:rot lat="0" lon="0" rev="1200000"/>
+            </a:lightRig>
+          </a:scene3d>
+          <a:sp3d>
+            <a:bevelT w="63500" h="25400"/>
+          </a:sp3d>
+        </a:effectStyle>
+      </a:effectStyleLst>
+      <a:bgFillStyleLst>
+        <a:solidFill>
+          <a:schemeClr val="phClr"/>
+        </a:solidFill>
+        <a:gradFill rotWithShape="1">
+          <a:gsLst>
+            <a:gs pos="0">
+              <a:schemeClr val="phClr">
+                <a:tint val="40000"/>
+                <a:satMod val="350000"/>
+              </a:schemeClr>
+            </a:gs>
+            <a:gs pos="40000">
+              <a:schemeClr val="phClr">
+                <a:tint val="45000"/>
+                <a:shade val="99000"/>
+                <a:satMod val="350000"/>
+              </a:schemeClr>
+            </a:gs>
+            <a:gs pos="100000">
+              <a:schemeClr val="phClr">
+                <a:shade val="20000"/>
+                <a:satMod val="255000"/>
+              </a:schemeClr>
+            </a:gs>
+          </a:gsLst>
+          <a:path path="circle">
+            <a:fillToRect l="50000" t="-80000" r="50000" b="180000"/>
+          </a:path>
+        </a:gradFill>
+        <a:gradFill rotWithShape="1">
+          <a:gsLst>
+            <a:gs pos="0">
+              <a:schemeClr val="phClr">
+                <a:tint val="80000"/>
+                <a:satMod val="300000"/>
+              </a:schemeClr>
+            </a:gs>
+            <a:gs pos="100000">
+              <a:schemeClr val="phClr">
+                <a:shade val="30000"/>
+                <a:satMod val="200000"/>
+              </a:schemeClr>
+            </a:gs>
+          </a:gsLst>
+          <a:path path="circle">
+            <a:fillToRect l="50000" t="50000" r="50000" b="50000"/>
+          </a:path>
+        </a:gradFill>
+      </a:bgFillStyleLst>
+    </a:fmtScheme>
+  </a:themeElements>
+</a:theme>
+</file>
+
+<file path=ppt/theme/theme5.xml><?xml version="1.0" encoding="utf-8"?>
 <a:theme xmlns:a="http://schemas.openxmlformats.org/drawingml/2006/main" xmlns:r="http://schemas.openxmlformats.org/officeDocument/2006/relationships">
   <a:themeElements>
     <a:clrScheme name="Default">
@@ -44710,283 +44946,4 @@
     </a:fmtScheme>
   </a:themeElements>
 </a:theme>
-</file>
-
-<file path=ppt/theme/theme5.xml><?xml version="1.0" encoding="utf-8"?>
-<a:theme xmlns:a="http://schemas.openxmlformats.org/drawingml/2006/main" xmlns:r="http://schemas.openxmlformats.org/officeDocument/2006/relationships" name="Office Theme">
-  <a:themeElements>
-    <a:clrScheme name="Office">
-      <a:dk1>
-        <a:srgbClr val="000000"/>
-      </a:dk1>
-      <a:lt1>
-        <a:srgbClr val="FFFFFF"/>
-      </a:lt1>
-      <a:dk2>
-        <a:srgbClr val="000000"/>
-      </a:dk2>
-      <a:lt2>
-        <a:srgbClr val="757575"/>
-      </a:lt2>
-      <a:accent1>
-        <a:srgbClr val="01579B"/>
-      </a:accent1>
-      <a:accent2>
-        <a:srgbClr val="27C7BD"/>
-      </a:accent2>
-      <a:accent3>
-        <a:srgbClr val="0099E8"/>
-      </a:accent3>
-      <a:accent4>
-        <a:srgbClr val="51B9A3"/>
-      </a:accent4>
-      <a:accent5>
-        <a:srgbClr val="FB8C00"/>
-      </a:accent5>
-      <a:accent6>
-        <a:srgbClr val="FFAE88"/>
-      </a:accent6>
-      <a:hlink>
-        <a:srgbClr val="0277BD"/>
-      </a:hlink>
-      <a:folHlink>
-        <a:srgbClr val="0277BD"/>
-      </a:folHlink>
-    </a:clrScheme>
-    <a:fontScheme name="Office">
-      <a:majorFont>
-        <a:latin typeface="Arial"/>
-        <a:ea typeface=""/>
-        <a:cs typeface=""/>
-        <a:font script="Jpan" typeface="ＭＳ Ｐゴシック"/>
-        <a:font script="Hang" typeface="맑은 고딕"/>
-        <a:font script="Hans" typeface="宋体"/>
-        <a:font script="Hant" typeface="新細明體"/>
-        <a:font script="Arab" typeface="Times New Roman"/>
-        <a:font script="Hebr" typeface="Times New Roman"/>
-        <a:font script="Thai" typeface="Angsana New"/>
-        <a:font script="Ethi" typeface="Nyala"/>
-        <a:font script="Beng" typeface="Vrinda"/>
-        <a:font script="Gujr" typeface="Shruti"/>
-        <a:font script="Khmr" typeface="MoolBoran"/>
-        <a:font script="Knda" typeface="Tunga"/>
-        <a:font script="Guru" typeface="Raavi"/>
-        <a:font script="Cans" typeface="Euphemia"/>
-        <a:font script="Cher" typeface="Plantagenet Cherokee"/>
-        <a:font script="Yiii" typeface="Microsoft Yi Baiti"/>
-        <a:font script="Tibt" typeface="Microsoft Himalaya"/>
-        <a:font script="Thaa" typeface="MV Boli"/>
-        <a:font script="Deva" typeface="Mangal"/>
-        <a:font script="Telu" typeface="Gautami"/>
-        <a:font script="Taml" typeface="Latha"/>
-        <a:font script="Syrc" typeface="Estrangelo Edessa"/>
-        <a:font script="Orya" typeface="Kalinga"/>
-        <a:font script="Mlym" typeface="Kartika"/>
-        <a:font script="Laoo" typeface="DokChampa"/>
-        <a:font script="Sinh" typeface="Iskoola Pota"/>
-        <a:font script="Mong" typeface="Mongolian Baiti"/>
-        <a:font script="Viet" typeface="Times New Roman"/>
-        <a:font script="Uigh" typeface="Microsoft Uighur"/>
-        <a:font script="Geor" typeface="Sylfaen"/>
-      </a:majorFont>
-      <a:minorFont>
-        <a:latin typeface="Arial"/>
-        <a:ea typeface=""/>
-        <a:cs typeface=""/>
-        <a:font script="Jpan" typeface="ＭＳ Ｐゴシック"/>
-        <a:font script="Hang" typeface="맑은 고딕"/>
-        <a:font script="Hans" typeface="宋体"/>
-        <a:font script="Hant" typeface="新細明體"/>
-        <a:font script="Arab" typeface="Arial"/>
-        <a:font script="Hebr" typeface="Arial"/>
-        <a:font script="Thai" typeface="Cordia New"/>
-        <a:font script="Ethi" typeface="Nyala"/>
-        <a:font script="Beng" typeface="Vrinda"/>
-        <a:font script="Gujr" typeface="Shruti"/>
-        <a:font script="Khmr" typeface="DaunPenh"/>
-        <a:font script="Knda" typeface="Tunga"/>
-        <a:font script="Guru" typeface="Raavi"/>
-        <a:font script="Cans" typeface="Euphemia"/>
-        <a:font script="Cher" typeface="Plantagenet Cherokee"/>
-        <a:font script="Yiii" typeface="Microsoft Yi Baiti"/>
-        <a:font script="Tibt" typeface="Microsoft Himalaya"/>
-        <a:font script="Thaa" typeface="MV Boli"/>
-        <a:font script="Deva" typeface="Mangal"/>
-        <a:font script="Telu" typeface="Gautami"/>
-        <a:font script="Taml" typeface="Latha"/>
-        <a:font script="Syrc" typeface="Estrangelo Edessa"/>
-        <a:font script="Orya" typeface="Kalinga"/>
-        <a:font script="Mlym" typeface="Kartika"/>
-        <a:font script="Laoo" typeface="DokChampa"/>
-        <a:font script="Sinh" typeface="Iskoola Pota"/>
-        <a:font script="Mong" typeface="Mongolian Baiti"/>
-        <a:font script="Viet" typeface="Arial"/>
-        <a:font script="Uigh" typeface="Microsoft Uighur"/>
-        <a:font script="Geor" typeface="Sylfaen"/>
-      </a:minorFont>
-    </a:fontScheme>
-    <a:fmtScheme name="Office">
-      <a:fillStyleLst>
-        <a:solidFill>
-          <a:schemeClr val="phClr"/>
-        </a:solidFill>
-        <a:gradFill rotWithShape="1">
-          <a:gsLst>
-            <a:gs pos="0">
-              <a:schemeClr val="phClr">
-                <a:tint val="50000"/>
-                <a:satMod val="300000"/>
-              </a:schemeClr>
-            </a:gs>
-            <a:gs pos="35000">
-              <a:schemeClr val="phClr">
-                <a:tint val="37000"/>
-                <a:satMod val="300000"/>
-              </a:schemeClr>
-            </a:gs>
-            <a:gs pos="100000">
-              <a:schemeClr val="phClr">
-                <a:tint val="15000"/>
-                <a:satMod val="350000"/>
-              </a:schemeClr>
-            </a:gs>
-          </a:gsLst>
-          <a:lin ang="16200000" scaled="1"/>
-        </a:gradFill>
-        <a:gradFill rotWithShape="1">
-          <a:gsLst>
-            <a:gs pos="0">
-              <a:schemeClr val="phClr">
-                <a:tint val="100000"/>
-                <a:shade val="100000"/>
-                <a:satMod val="130000"/>
-              </a:schemeClr>
-            </a:gs>
-            <a:gs pos="100000">
-              <a:schemeClr val="phClr">
-                <a:tint val="50000"/>
-                <a:shade val="100000"/>
-                <a:satMod val="350000"/>
-              </a:schemeClr>
-            </a:gs>
-          </a:gsLst>
-          <a:lin ang="16200000" scaled="0"/>
-        </a:gradFill>
-      </a:fillStyleLst>
-      <a:lnStyleLst>
-        <a:ln w="9525" cap="flat" cmpd="sng" algn="ctr">
-          <a:solidFill>
-            <a:schemeClr val="phClr">
-              <a:shade val="95000"/>
-              <a:satMod val="105000"/>
-            </a:schemeClr>
-          </a:solidFill>
-          <a:prstDash val="solid"/>
-        </a:ln>
-        <a:ln w="25400" cap="flat" cmpd="sng" algn="ctr">
-          <a:solidFill>
-            <a:schemeClr val="phClr"/>
-          </a:solidFill>
-          <a:prstDash val="solid"/>
-        </a:ln>
-        <a:ln w="38100" cap="flat" cmpd="sng" algn="ctr">
-          <a:solidFill>
-            <a:schemeClr val="phClr"/>
-          </a:solidFill>
-          <a:prstDash val="solid"/>
-        </a:ln>
-      </a:lnStyleLst>
-      <a:effectStyleLst>
-        <a:effectStyle>
-          <a:effectLst>
-            <a:outerShdw blurRad="40000" dist="20000" dir="5400000" rotWithShape="0">
-              <a:srgbClr val="000000">
-                <a:alpha val="38000"/>
-              </a:srgbClr>
-            </a:outerShdw>
-          </a:effectLst>
-        </a:effectStyle>
-        <a:effectStyle>
-          <a:effectLst>
-            <a:outerShdw blurRad="40000" dist="23000" dir="5400000" rotWithShape="0">
-              <a:srgbClr val="000000">
-                <a:alpha val="35000"/>
-              </a:srgbClr>
-            </a:outerShdw>
-          </a:effectLst>
-        </a:effectStyle>
-        <a:effectStyle>
-          <a:effectLst>
-            <a:outerShdw blurRad="40000" dist="23000" dir="5400000" rotWithShape="0">
-              <a:srgbClr val="000000">
-                <a:alpha val="35000"/>
-              </a:srgbClr>
-            </a:outerShdw>
-          </a:effectLst>
-          <a:scene3d>
-            <a:camera prst="orthographicFront">
-              <a:rot lat="0" lon="0" rev="0"/>
-            </a:camera>
-            <a:lightRig rig="threePt" dir="t">
-              <a:rot lat="0" lon="0" rev="1200000"/>
-            </a:lightRig>
-          </a:scene3d>
-          <a:sp3d>
-            <a:bevelT w="63500" h="25400"/>
-          </a:sp3d>
-        </a:effectStyle>
-      </a:effectStyleLst>
-      <a:bgFillStyleLst>
-        <a:solidFill>
-          <a:schemeClr val="phClr"/>
-        </a:solidFill>
-        <a:gradFill rotWithShape="1">
-          <a:gsLst>
-            <a:gs pos="0">
-              <a:schemeClr val="phClr">
-                <a:tint val="40000"/>
-                <a:satMod val="350000"/>
-              </a:schemeClr>
-            </a:gs>
-            <a:gs pos="40000">
-              <a:schemeClr val="phClr">
-                <a:tint val="45000"/>
-                <a:shade val="99000"/>
-                <a:satMod val="350000"/>
-              </a:schemeClr>
-            </a:gs>
-            <a:gs pos="100000">
-              <a:schemeClr val="phClr">
-                <a:shade val="20000"/>
-                <a:satMod val="255000"/>
-              </a:schemeClr>
-            </a:gs>
-          </a:gsLst>
-          <a:path path="circle">
-            <a:fillToRect l="50000" t="-80000" r="50000" b="180000"/>
-          </a:path>
-        </a:gradFill>
-        <a:gradFill rotWithShape="1">
-          <a:gsLst>
-            <a:gs pos="0">
-              <a:schemeClr val="phClr">
-                <a:tint val="80000"/>
-                <a:satMod val="300000"/>
-              </a:schemeClr>
-            </a:gs>
-            <a:gs pos="100000">
-              <a:schemeClr val="phClr">
-                <a:shade val="30000"/>
-                <a:satMod val="200000"/>
-              </a:schemeClr>
-            </a:gs>
-          </a:gsLst>
-          <a:path path="circle">
-            <a:fillToRect l="50000" t="50000" r="50000" b="50000"/>
-          </a:path>
-        </a:gradFill>
-      </a:bgFillStyleLst>
-    </a:fmtScheme>
-  </a:themeElements>
-</a:theme>
 </file>
--- a/docs/Kafka-GobernanzaDeEsquema.pptx
+++ b/docs/Kafka-GobernanzaDeEsquema.pptx
@@ -41,30 +41,32 @@
     <p:sldId id="283" r:id="rId36"/>
     <p:sldId id="284" r:id="rId37"/>
     <p:sldId id="285" r:id="rId38"/>
+    <p:sldId id="286" r:id="rId39"/>
+    <p:sldId id="287" r:id="rId40"/>
   </p:sldIdLst>
   <p:sldSz cy="5143500" cx="9144000"/>
   <p:notesSz cx="6858000" cy="9144000"/>
   <p:embeddedFontLst>
     <p:embeddedFont>
       <p:font typeface="Raleway"/>
-      <p:regular r:id="rId39"/>
-      <p:bold r:id="rId40"/>
-      <p:italic r:id="rId41"/>
-      <p:boldItalic r:id="rId42"/>
+      <p:regular r:id="rId41"/>
+      <p:bold r:id="rId42"/>
+      <p:italic r:id="rId43"/>
+      <p:boldItalic r:id="rId44"/>
     </p:embeddedFont>
     <p:embeddedFont>
       <p:font typeface="Roboto"/>
-      <p:regular r:id="rId43"/>
-      <p:bold r:id="rId44"/>
-      <p:italic r:id="rId45"/>
-      <p:boldItalic r:id="rId46"/>
+      <p:regular r:id="rId45"/>
+      <p:bold r:id="rId46"/>
+      <p:italic r:id="rId47"/>
+      <p:boldItalic r:id="rId48"/>
     </p:embeddedFont>
     <p:embeddedFont>
       <p:font typeface="Lato"/>
-      <p:regular r:id="rId47"/>
-      <p:bold r:id="rId48"/>
-      <p:italic r:id="rId49"/>
-      <p:boldItalic r:id="rId50"/>
+      <p:regular r:id="rId49"/>
+      <p:bold r:id="rId50"/>
+      <p:italic r:id="rId51"/>
+      <p:boldItalic r:id="rId52"/>
     </p:embeddedFont>
   </p:embeddedFontLst>
   <p:defaultTextStyle>
@@ -298,7 +300,7 @@
   </p:defaultTextStyle>
   <p:extLst>
     <p:ext uri="http://customooxmlschemas.google.com/">
-      <go:slidesCustomData xmlns:go="http://customooxmlschemas.google.com/" r:id="rId51" roundtripDataSignature="AMtx7mhBXlgpzXr5LrYB6xqeMcuPFalISQ=="/>
+      <go:slidesCustomData xmlns:go="http://customooxmlschemas.google.com/" r:id="rId53" roundtripDataSignature="AMtx7miB0StpSb6MpgmjVSkJpFPq8mq3gQ=="/>
     </p:ext>
   </p:extLst>
 </p:presentation>
@@ -1739,7 +1741,7 @@
       </p:grpSpPr>
       <p:sp>
         <p:nvSpPr>
-          <p:cNvPr id="336" name="Google Shape;336;g10f6902466b_0_91:notes"/>
+          <p:cNvPr id="336" name="Google Shape;336;g1124815d7f6_0_0:notes"/>
           <p:cNvSpPr txBox="1"/>
           <p:nvPr>
             <p:ph idx="1" type="body"/>
@@ -1778,7 +1780,7 @@
       </p:sp>
       <p:sp>
         <p:nvSpPr>
-          <p:cNvPr id="337" name="Google Shape;337;g10f6902466b_0_91:notes"/>
+          <p:cNvPr id="337" name="Google Shape;337;g1124815d7f6_0_0:notes"/>
           <p:cNvSpPr/>
           <p:nvPr>
             <p:ph idx="2" type="sldImg"/>
@@ -1923,7 +1925,7 @@
   <p:cSld>
     <p:spTree>
       <p:nvGrpSpPr>
-        <p:cNvPr id="341" name="Shape 341"/>
+        <p:cNvPr id="342" name="Shape 342"/>
         <p:cNvGrpSpPr/>
         <p:nvPr/>
       </p:nvGrpSpPr>
@@ -1937,7 +1939,7 @@
       </p:grpSpPr>
       <p:sp>
         <p:nvSpPr>
-          <p:cNvPr id="342" name="Google Shape;342;g10f6902466b_0_108:notes"/>
+          <p:cNvPr id="343" name="Google Shape;343;g1124815d7f6_0_9:notes"/>
           <p:cNvSpPr txBox="1"/>
           <p:nvPr>
             <p:ph idx="1" type="body"/>
@@ -1976,7 +1978,7 @@
       </p:sp>
       <p:sp>
         <p:nvSpPr>
-          <p:cNvPr id="343" name="Google Shape;343;g10f6902466b_0_108:notes"/>
+          <p:cNvPr id="344" name="Google Shape;344;g1124815d7f6_0_9:notes"/>
           <p:cNvSpPr/>
           <p:nvPr>
             <p:ph idx="2" type="sldImg"/>
@@ -2022,7 +2024,7 @@
   <p:cSld>
     <p:spTree>
       <p:nvGrpSpPr>
-        <p:cNvPr id="347" name="Shape 347"/>
+        <p:cNvPr id="350" name="Shape 350"/>
         <p:cNvGrpSpPr/>
         <p:nvPr/>
       </p:nvGrpSpPr>
@@ -2036,7 +2038,7 @@
       </p:grpSpPr>
       <p:sp>
         <p:nvSpPr>
-          <p:cNvPr id="348" name="Google Shape;348;g10f6902466b_0_123:notes"/>
+          <p:cNvPr id="351" name="Google Shape;351;g10f6902466b_0_91:notes"/>
           <p:cNvSpPr txBox="1"/>
           <p:nvPr>
             <p:ph idx="1" type="body"/>
@@ -2075,7 +2077,7 @@
       </p:sp>
       <p:sp>
         <p:nvSpPr>
-          <p:cNvPr id="349" name="Google Shape;349;g10f6902466b_0_123:notes"/>
+          <p:cNvPr id="352" name="Google Shape;352;g10f6902466b_0_91:notes"/>
           <p:cNvSpPr/>
           <p:nvPr>
             <p:ph idx="2" type="sldImg"/>
@@ -2121,7 +2123,7 @@
   <p:cSld>
     <p:spTree>
       <p:nvGrpSpPr>
-        <p:cNvPr id="353" name="Shape 353"/>
+        <p:cNvPr id="356" name="Shape 356"/>
         <p:cNvGrpSpPr/>
         <p:nvPr/>
       </p:nvGrpSpPr>
@@ -2135,7 +2137,7 @@
       </p:grpSpPr>
       <p:sp>
         <p:nvSpPr>
-          <p:cNvPr id="354" name="Google Shape;354;g10f64c41995_0_0:notes"/>
+          <p:cNvPr id="357" name="Google Shape;357;g10f6902466b_0_108:notes"/>
           <p:cNvSpPr txBox="1"/>
           <p:nvPr>
             <p:ph idx="1" type="body"/>
@@ -2174,7 +2176,7 @@
       </p:sp>
       <p:sp>
         <p:nvSpPr>
-          <p:cNvPr id="355" name="Google Shape;355;g10f64c41995_0_0:notes"/>
+          <p:cNvPr id="358" name="Google Shape;358;g10f6902466b_0_108:notes"/>
           <p:cNvSpPr/>
           <p:nvPr>
             <p:ph idx="2" type="sldImg"/>
@@ -2220,7 +2222,7 @@
   <p:cSld>
     <p:spTree>
       <p:nvGrpSpPr>
-        <p:cNvPr id="359" name="Shape 359"/>
+        <p:cNvPr id="362" name="Shape 362"/>
         <p:cNvGrpSpPr/>
         <p:nvPr/>
       </p:nvGrpSpPr>
@@ -2234,7 +2236,7 @@
       </p:grpSpPr>
       <p:sp>
         <p:nvSpPr>
-          <p:cNvPr id="360" name="Google Shape;360;g10f6902466b_0_62:notes"/>
+          <p:cNvPr id="363" name="Google Shape;363;g10f6902466b_0_123:notes"/>
           <p:cNvSpPr txBox="1"/>
           <p:nvPr>
             <p:ph idx="1" type="body"/>
@@ -2273,7 +2275,7 @@
       </p:sp>
       <p:sp>
         <p:nvSpPr>
-          <p:cNvPr id="361" name="Google Shape;361;g10f6902466b_0_62:notes"/>
+          <p:cNvPr id="364" name="Google Shape;364;g10f6902466b_0_123:notes"/>
           <p:cNvSpPr/>
           <p:nvPr>
             <p:ph idx="2" type="sldImg"/>
@@ -2319,7 +2321,7 @@
   <p:cSld>
     <p:spTree>
       <p:nvGrpSpPr>
-        <p:cNvPr id="365" name="Shape 365"/>
+        <p:cNvPr id="368" name="Shape 368"/>
         <p:cNvGrpSpPr/>
         <p:nvPr/>
       </p:nvGrpSpPr>
@@ -2333,7 +2335,7 @@
       </p:grpSpPr>
       <p:sp>
         <p:nvSpPr>
-          <p:cNvPr id="366" name="Google Shape;366;g10f6902466b_0_67:notes"/>
+          <p:cNvPr id="369" name="Google Shape;369;g10f64c41995_0_0:notes"/>
           <p:cNvSpPr txBox="1"/>
           <p:nvPr>
             <p:ph idx="1" type="body"/>
@@ -2372,7 +2374,7 @@
       </p:sp>
       <p:sp>
         <p:nvSpPr>
-          <p:cNvPr id="367" name="Google Shape;367;g10f6902466b_0_67:notes"/>
+          <p:cNvPr id="370" name="Google Shape;370;g10f64c41995_0_0:notes"/>
           <p:cNvSpPr/>
           <p:nvPr>
             <p:ph idx="2" type="sldImg"/>
@@ -2418,7 +2420,7 @@
   <p:cSld>
     <p:spTree>
       <p:nvGrpSpPr>
-        <p:cNvPr id="371" name="Shape 371"/>
+        <p:cNvPr id="374" name="Shape 374"/>
         <p:cNvGrpSpPr/>
         <p:nvPr/>
       </p:nvGrpSpPr>
@@ -2432,7 +2434,7 @@
       </p:grpSpPr>
       <p:sp>
         <p:nvSpPr>
-          <p:cNvPr id="372" name="Google Shape;372;g10f6902466b_0_56:notes"/>
+          <p:cNvPr id="375" name="Google Shape;375;g10f6902466b_0_62:notes"/>
           <p:cNvSpPr txBox="1"/>
           <p:nvPr>
             <p:ph idx="1" type="body"/>
@@ -2471,7 +2473,7 @@
       </p:sp>
       <p:sp>
         <p:nvSpPr>
-          <p:cNvPr id="373" name="Google Shape;373;g10f6902466b_0_56:notes"/>
+          <p:cNvPr id="376" name="Google Shape;376;g10f6902466b_0_62:notes"/>
           <p:cNvSpPr/>
           <p:nvPr>
             <p:ph idx="2" type="sldImg"/>
@@ -2517,7 +2519,7 @@
   <p:cSld>
     <p:spTree>
       <p:nvGrpSpPr>
-        <p:cNvPr id="378" name="Shape 378"/>
+        <p:cNvPr id="380" name="Shape 380"/>
         <p:cNvGrpSpPr/>
         <p:nvPr/>
       </p:nvGrpSpPr>
@@ -2531,7 +2533,7 @@
       </p:grpSpPr>
       <p:sp>
         <p:nvSpPr>
-          <p:cNvPr id="379" name="Google Shape;379;g10f8b4e1e0b_0_71:notes"/>
+          <p:cNvPr id="381" name="Google Shape;381;g10f6902466b_0_67:notes"/>
           <p:cNvSpPr txBox="1"/>
           <p:nvPr>
             <p:ph idx="1" type="body"/>
@@ -2570,7 +2572,7 @@
       </p:sp>
       <p:sp>
         <p:nvSpPr>
-          <p:cNvPr id="380" name="Google Shape;380;g10f8b4e1e0b_0_71:notes"/>
+          <p:cNvPr id="382" name="Google Shape;382;g10f6902466b_0_67:notes"/>
           <p:cNvSpPr/>
           <p:nvPr>
             <p:ph idx="2" type="sldImg"/>
@@ -2616,7 +2618,7 @@
   <p:cSld>
     <p:spTree>
       <p:nvGrpSpPr>
-        <p:cNvPr id="384" name="Shape 384"/>
+        <p:cNvPr id="386" name="Shape 386"/>
         <p:cNvGrpSpPr/>
         <p:nvPr/>
       </p:nvGrpSpPr>
@@ -2630,7 +2632,7 @@
       </p:grpSpPr>
       <p:sp>
         <p:nvSpPr>
-          <p:cNvPr id="385" name="Google Shape;385;g10f8b4e1e0b_0_40:notes"/>
+          <p:cNvPr id="387" name="Google Shape;387;g10f6902466b_0_56:notes"/>
           <p:cNvSpPr txBox="1"/>
           <p:nvPr>
             <p:ph idx="1" type="body"/>
@@ -2669,7 +2671,7 @@
       </p:sp>
       <p:sp>
         <p:nvSpPr>
-          <p:cNvPr id="386" name="Google Shape;386;g10f8b4e1e0b_0_40:notes"/>
+          <p:cNvPr id="388" name="Google Shape;388;g10f6902466b_0_56:notes"/>
           <p:cNvSpPr/>
           <p:nvPr>
             <p:ph idx="2" type="sldImg"/>
@@ -2715,7 +2717,7 @@
   <p:cSld>
     <p:spTree>
       <p:nvGrpSpPr>
-        <p:cNvPr id="392" name="Shape 392"/>
+        <p:cNvPr id="393" name="Shape 393"/>
         <p:cNvGrpSpPr/>
         <p:nvPr/>
       </p:nvGrpSpPr>
@@ -2729,7 +2731,7 @@
       </p:grpSpPr>
       <p:sp>
         <p:nvSpPr>
-          <p:cNvPr id="393" name="Google Shape;393;g10f8b4e1e0b_0_45:notes"/>
+          <p:cNvPr id="394" name="Google Shape;394;g10f8b4e1e0b_0_71:notes"/>
           <p:cNvSpPr txBox="1"/>
           <p:nvPr>
             <p:ph idx="1" type="body"/>
@@ -2768,7 +2770,7 @@
       </p:sp>
       <p:sp>
         <p:nvSpPr>
-          <p:cNvPr id="394" name="Google Shape;394;g10f8b4e1e0b_0_45:notes"/>
+          <p:cNvPr id="395" name="Google Shape;395;g10f8b4e1e0b_0_71:notes"/>
           <p:cNvSpPr/>
           <p:nvPr>
             <p:ph idx="2" type="sldImg"/>
@@ -2814,7 +2816,7 @@
   <p:cSld>
     <p:spTree>
       <p:nvGrpSpPr>
-        <p:cNvPr id="400" name="Shape 400"/>
+        <p:cNvPr id="399" name="Shape 399"/>
         <p:cNvGrpSpPr/>
         <p:nvPr/>
       </p:nvGrpSpPr>
@@ -2828,7 +2830,7 @@
       </p:grpSpPr>
       <p:sp>
         <p:nvSpPr>
-          <p:cNvPr id="401" name="Google Shape;401;g10f8b4e1e0b_0_50:notes"/>
+          <p:cNvPr id="400" name="Google Shape;400;g10f8b4e1e0b_0_40:notes"/>
           <p:cNvSpPr txBox="1"/>
           <p:nvPr>
             <p:ph idx="1" type="body"/>
@@ -2867,7 +2869,7 @@
       </p:sp>
       <p:sp>
         <p:nvSpPr>
-          <p:cNvPr id="402" name="Google Shape;402;g10f8b4e1e0b_0_50:notes"/>
+          <p:cNvPr id="401" name="Google Shape;401;g10f8b4e1e0b_0_40:notes"/>
           <p:cNvSpPr/>
           <p:nvPr>
             <p:ph idx="2" type="sldImg"/>
@@ -3012,7 +3014,7 @@
   <p:cSld>
     <p:spTree>
       <p:nvGrpSpPr>
-        <p:cNvPr id="408" name="Shape 408"/>
+        <p:cNvPr id="407" name="Shape 407"/>
         <p:cNvGrpSpPr/>
         <p:nvPr/>
       </p:nvGrpSpPr>
@@ -3026,7 +3028,7 @@
       </p:grpSpPr>
       <p:sp>
         <p:nvSpPr>
-          <p:cNvPr id="409" name="Google Shape;409;p42:notes"/>
+          <p:cNvPr id="408" name="Google Shape;408;g10f8b4e1e0b_0_45:notes"/>
           <p:cNvSpPr txBox="1"/>
           <p:nvPr>
             <p:ph idx="1" type="body"/>
@@ -3065,7 +3067,205 @@
       </p:sp>
       <p:sp>
         <p:nvSpPr>
-          <p:cNvPr id="410" name="Google Shape;410;p42:notes"/>
+          <p:cNvPr id="409" name="Google Shape;409;g10f8b4e1e0b_0_45:notes"/>
+          <p:cNvSpPr/>
+          <p:nvPr>
+            <p:ph idx="2" type="sldImg"/>
+          </p:nvPr>
+        </p:nvSpPr>
+        <p:spPr>
+          <a:xfrm>
+            <a:off x="1143225" y="685800"/>
+            <a:ext cx="4572300" cy="3429000"/>
+          </a:xfrm>
+          <a:custGeom>
+            <a:rect b="b" l="l" r="r" t="t"/>
+            <a:pathLst>
+              <a:path extrusionOk="0" h="120000" w="120000">
+                <a:moveTo>
+                  <a:pt x="0" y="0"/>
+                </a:moveTo>
+                <a:lnTo>
+                  <a:pt x="120000" y="0"/>
+                </a:lnTo>
+                <a:lnTo>
+                  <a:pt x="120000" y="120000"/>
+                </a:lnTo>
+                <a:lnTo>
+                  <a:pt x="0" y="120000"/>
+                </a:lnTo>
+                <a:close/>
+              </a:path>
+            </a:pathLst>
+          </a:custGeom>
+        </p:spPr>
+      </p:sp>
+    </p:spTree>
+  </p:cSld>
+  <p:clrMapOvr>
+    <a:masterClrMapping/>
+  </p:clrMapOvr>
+</p:notes>
+</file>
+
+<file path=ppt/notesSlides/notesSlide31.xml><?xml version="1.0" encoding="utf-8"?>
+<p:notes xmlns:a="http://schemas.openxmlformats.org/drawingml/2006/main" xmlns:r="http://schemas.openxmlformats.org/officeDocument/2006/relationships" xmlns:mc="http://schemas.openxmlformats.org/markup-compatibility/2006" xmlns:mv="urn:schemas-microsoft-com:mac:vml" xmlns:p="http://schemas.openxmlformats.org/presentationml/2006/main" xmlns:c="http://schemas.openxmlformats.org/drawingml/2006/chart" xmlns:dgm="http://schemas.openxmlformats.org/drawingml/2006/diagram" xmlns:o="urn:schemas-microsoft-com:office:office" xmlns:v="urn:schemas-microsoft-com:vml" xmlns:pvml="urn:schemas-microsoft-com:office:powerpoint" xmlns:com="http://schemas.openxmlformats.org/drawingml/2006/compatibility" xmlns:p14="http://schemas.microsoft.com/office/powerpoint/2010/main" xmlns:p15="http://schemas.microsoft.com/office/powerpoint/2012/main" xmlns:ahyp="http://schemas.microsoft.com/office/drawing/2018/hyperlinkcolor" showMasterPhAnim="0" showMasterSp="0">
+  <p:cSld>
+    <p:spTree>
+      <p:nvGrpSpPr>
+        <p:cNvPr id="415" name="Shape 415"/>
+        <p:cNvGrpSpPr/>
+        <p:nvPr/>
+      </p:nvGrpSpPr>
+      <p:grpSpPr>
+        <a:xfrm>
+          <a:off x="0" y="0"/>
+          <a:ext cx="0" cy="0"/>
+          <a:chOff x="0" y="0"/>
+          <a:chExt cx="0" cy="0"/>
+        </a:xfrm>
+      </p:grpSpPr>
+      <p:sp>
+        <p:nvSpPr>
+          <p:cNvPr id="416" name="Google Shape;416;g10f8b4e1e0b_0_50:notes"/>
+          <p:cNvSpPr txBox="1"/>
+          <p:nvPr>
+            <p:ph idx="1" type="body"/>
+          </p:nvPr>
+        </p:nvSpPr>
+        <p:spPr>
+          <a:xfrm>
+            <a:off x="685800" y="4343400"/>
+            <a:ext cx="5486400" cy="4114800"/>
+          </a:xfrm>
+          <a:prstGeom prst="rect">
+            <a:avLst/>
+          </a:prstGeom>
+        </p:spPr>
+        <p:txBody>
+          <a:bodyPr anchorCtr="0" anchor="t" bIns="91425" lIns="91425" spcFirstLastPara="1" rIns="91425" wrap="square" tIns="91425">
+            <a:noAutofit/>
+          </a:bodyPr>
+          <a:lstStyle/>
+          <a:p>
+            <a:pPr indent="0" lvl="0" marL="0" rtl="0" algn="l">
+              <a:spcBef>
+                <a:spcPts val="0"/>
+              </a:spcBef>
+              <a:spcAft>
+                <a:spcPts val="0"/>
+              </a:spcAft>
+              <a:buNone/>
+            </a:pPr>
+            <a:r>
+              <a:t/>
+            </a:r>
+            <a:endParaRPr/>
+          </a:p>
+        </p:txBody>
+      </p:sp>
+      <p:sp>
+        <p:nvSpPr>
+          <p:cNvPr id="417" name="Google Shape;417;g10f8b4e1e0b_0_50:notes"/>
+          <p:cNvSpPr/>
+          <p:nvPr>
+            <p:ph idx="2" type="sldImg"/>
+          </p:nvPr>
+        </p:nvSpPr>
+        <p:spPr>
+          <a:xfrm>
+            <a:off x="1143225" y="685800"/>
+            <a:ext cx="4572300" cy="3429000"/>
+          </a:xfrm>
+          <a:custGeom>
+            <a:rect b="b" l="l" r="r" t="t"/>
+            <a:pathLst>
+              <a:path extrusionOk="0" h="120000" w="120000">
+                <a:moveTo>
+                  <a:pt x="0" y="0"/>
+                </a:moveTo>
+                <a:lnTo>
+                  <a:pt x="120000" y="0"/>
+                </a:lnTo>
+                <a:lnTo>
+                  <a:pt x="120000" y="120000"/>
+                </a:lnTo>
+                <a:lnTo>
+                  <a:pt x="0" y="120000"/>
+                </a:lnTo>
+                <a:close/>
+              </a:path>
+            </a:pathLst>
+          </a:custGeom>
+        </p:spPr>
+      </p:sp>
+    </p:spTree>
+  </p:cSld>
+  <p:clrMapOvr>
+    <a:masterClrMapping/>
+  </p:clrMapOvr>
+</p:notes>
+</file>
+
+<file path=ppt/notesSlides/notesSlide32.xml><?xml version="1.0" encoding="utf-8"?>
+<p:notes xmlns:a="http://schemas.openxmlformats.org/drawingml/2006/main" xmlns:r="http://schemas.openxmlformats.org/officeDocument/2006/relationships" xmlns:mc="http://schemas.openxmlformats.org/markup-compatibility/2006" xmlns:mv="urn:schemas-microsoft-com:mac:vml" xmlns:p="http://schemas.openxmlformats.org/presentationml/2006/main" xmlns:c="http://schemas.openxmlformats.org/drawingml/2006/chart" xmlns:dgm="http://schemas.openxmlformats.org/drawingml/2006/diagram" xmlns:o="urn:schemas-microsoft-com:office:office" xmlns:v="urn:schemas-microsoft-com:vml" xmlns:pvml="urn:schemas-microsoft-com:office:powerpoint" xmlns:com="http://schemas.openxmlformats.org/drawingml/2006/compatibility" xmlns:p14="http://schemas.microsoft.com/office/powerpoint/2010/main" xmlns:p15="http://schemas.microsoft.com/office/powerpoint/2012/main" xmlns:ahyp="http://schemas.microsoft.com/office/drawing/2018/hyperlinkcolor" showMasterPhAnim="0" showMasterSp="0">
+  <p:cSld>
+    <p:spTree>
+      <p:nvGrpSpPr>
+        <p:cNvPr id="423" name="Shape 423"/>
+        <p:cNvGrpSpPr/>
+        <p:nvPr/>
+      </p:nvGrpSpPr>
+      <p:grpSpPr>
+        <a:xfrm>
+          <a:off x="0" y="0"/>
+          <a:ext cx="0" cy="0"/>
+          <a:chOff x="0" y="0"/>
+          <a:chExt cx="0" cy="0"/>
+        </a:xfrm>
+      </p:grpSpPr>
+      <p:sp>
+        <p:nvSpPr>
+          <p:cNvPr id="424" name="Google Shape;424;p42:notes"/>
+          <p:cNvSpPr txBox="1"/>
+          <p:nvPr>
+            <p:ph idx="1" type="body"/>
+          </p:nvPr>
+        </p:nvSpPr>
+        <p:spPr>
+          <a:xfrm>
+            <a:off x="685800" y="4343400"/>
+            <a:ext cx="5486400" cy="4114800"/>
+          </a:xfrm>
+          <a:prstGeom prst="rect">
+            <a:avLst/>
+          </a:prstGeom>
+        </p:spPr>
+        <p:txBody>
+          <a:bodyPr anchorCtr="0" anchor="t" bIns="91425" lIns="91425" spcFirstLastPara="1" rIns="91425" wrap="square" tIns="91425">
+            <a:noAutofit/>
+          </a:bodyPr>
+          <a:lstStyle/>
+          <a:p>
+            <a:pPr indent="0" lvl="0" marL="0" rtl="0" algn="l">
+              <a:spcBef>
+                <a:spcPts val="0"/>
+              </a:spcBef>
+              <a:spcAft>
+                <a:spcPts val="0"/>
+              </a:spcAft>
+              <a:buNone/>
+            </a:pPr>
+            <a:r>
+              <a:t/>
+            </a:r>
+            <a:endParaRPr/>
+          </a:p>
+        </p:txBody>
+      </p:sp>
+      <p:sp>
+        <p:nvSpPr>
+          <p:cNvPr id="425" name="Google Shape;425;p42:notes"/>
           <p:cNvSpPr/>
           <p:nvPr>
             <p:ph idx="2" type="sldImg"/>
@@ -32245,7 +32445,1040 @@
       </p:grpSpPr>
       <p:sp>
         <p:nvSpPr>
-          <p:cNvPr id="339" name="Google Shape;339;g10f6902466b_0_91"/>
+          <p:cNvPr id="339" name="Google Shape;339;g1124815d7f6_0_0"/>
+          <p:cNvSpPr txBox="1"/>
+          <p:nvPr/>
+        </p:nvSpPr>
+        <p:spPr>
+          <a:xfrm>
+            <a:off x="318240" y="156240"/>
+            <a:ext cx="8433300" cy="480600"/>
+          </a:xfrm>
+          <a:prstGeom prst="rect">
+            <a:avLst/>
+          </a:prstGeom>
+          <a:noFill/>
+          <a:ln>
+            <a:noFill/>
+          </a:ln>
+        </p:spPr>
+        <p:txBody>
+          <a:bodyPr anchorCtr="0" anchor="t" bIns="91425" lIns="91425" spcFirstLastPara="1" rIns="91425" wrap="square" tIns="91425">
+            <a:noAutofit/>
+          </a:bodyPr>
+          <a:lstStyle/>
+          <a:p>
+            <a:pPr indent="0" lvl="0" marL="0" marR="0" rtl="0" algn="l">
+              <a:lnSpc>
+                <a:spcPct val="115000"/>
+              </a:lnSpc>
+              <a:spcBef>
+                <a:spcPts val="0"/>
+              </a:spcBef>
+              <a:spcAft>
+                <a:spcPts val="0"/>
+              </a:spcAft>
+              <a:buNone/>
+            </a:pPr>
+            <a:r>
+              <a:rPr b="1" lang="en" sz="2000">
+                <a:solidFill>
+                  <a:srgbClr val="F46524"/>
+                </a:solidFill>
+                <a:latin typeface="Raleway"/>
+                <a:ea typeface="Raleway"/>
+                <a:cs typeface="Raleway"/>
+                <a:sym typeface="Raleway"/>
+              </a:rPr>
+              <a:t>key/value Naming Strategy</a:t>
+            </a:r>
+            <a:endParaRPr b="0" i="0" sz="2000" u="none" cap="none" strike="noStrike">
+              <a:solidFill>
+                <a:srgbClr val="000000"/>
+              </a:solidFill>
+              <a:latin typeface="Arial"/>
+              <a:ea typeface="Arial"/>
+              <a:cs typeface="Arial"/>
+              <a:sym typeface="Arial"/>
+            </a:endParaRPr>
+          </a:p>
+        </p:txBody>
+      </p:sp>
+      <p:sp>
+        <p:nvSpPr>
+          <p:cNvPr id="340" name="Google Shape;340;g1124815d7f6_0_0"/>
+          <p:cNvSpPr txBox="1"/>
+          <p:nvPr/>
+        </p:nvSpPr>
+        <p:spPr>
+          <a:xfrm>
+            <a:off x="553450" y="958975"/>
+            <a:ext cx="7962900" cy="1508400"/>
+          </a:xfrm>
+          <a:prstGeom prst="rect">
+            <a:avLst/>
+          </a:prstGeom>
+          <a:noFill/>
+          <a:ln>
+            <a:noFill/>
+          </a:ln>
+        </p:spPr>
+        <p:txBody>
+          <a:bodyPr anchorCtr="0" anchor="t" bIns="91425" lIns="91425" spcFirstLastPara="1" rIns="91425" wrap="square" tIns="91425">
+            <a:spAutoFit/>
+          </a:bodyPr>
+          <a:lstStyle/>
+          <a:p>
+            <a:pPr indent="-317500" lvl="0" marL="457200" marR="38100" rtl="0" algn="l">
+              <a:lnSpc>
+                <a:spcPct val="128571"/>
+              </a:lnSpc>
+              <a:spcBef>
+                <a:spcPts val="0"/>
+              </a:spcBef>
+              <a:spcAft>
+                <a:spcPts val="0"/>
+              </a:spcAft>
+              <a:buClr>
+                <a:srgbClr val="202124"/>
+              </a:buClr>
+              <a:buSzPts val="1400"/>
+              <a:buChar char="●"/>
+            </a:pPr>
+            <a:r>
+              <a:rPr lang="en">
+                <a:solidFill>
+                  <a:srgbClr val="202124"/>
+                </a:solidFill>
+                <a:highlight>
+                  <a:srgbClr val="F8F9FA"/>
+                </a:highlight>
+              </a:rPr>
+              <a:t>los esquemas se definen y evolucionan dentro de un espacio de nombres definido por un </a:t>
+            </a:r>
+            <a:r>
+              <a:rPr b="1" lang="en">
+                <a:solidFill>
+                  <a:srgbClr val="202124"/>
+                </a:solidFill>
+                <a:highlight>
+                  <a:srgbClr val="F8F9FA"/>
+                </a:highlight>
+              </a:rPr>
+              <a:t>Subject</a:t>
+            </a:r>
+            <a:r>
+              <a:rPr lang="en">
+                <a:solidFill>
+                  <a:srgbClr val="202124"/>
+                </a:solidFill>
+                <a:highlight>
+                  <a:srgbClr val="F8F9FA"/>
+                </a:highlight>
+              </a:rPr>
+              <a:t>.</a:t>
+            </a:r>
+            <a:endParaRPr>
+              <a:solidFill>
+                <a:srgbClr val="202124"/>
+              </a:solidFill>
+              <a:highlight>
+                <a:srgbClr val="F8F9FA"/>
+              </a:highlight>
+            </a:endParaRPr>
+          </a:p>
+          <a:p>
+            <a:pPr indent="-317500" lvl="0" marL="457200" marR="38100" rtl="0" algn="l">
+              <a:lnSpc>
+                <a:spcPct val="128571"/>
+              </a:lnSpc>
+              <a:spcBef>
+                <a:spcPts val="0"/>
+              </a:spcBef>
+              <a:spcAft>
+                <a:spcPts val="0"/>
+              </a:spcAft>
+              <a:buClr>
+                <a:srgbClr val="202124"/>
+              </a:buClr>
+              <a:buSzPts val="1400"/>
+              <a:buChar char="●"/>
+            </a:pPr>
+            <a:r>
+              <a:rPr lang="en">
+                <a:solidFill>
+                  <a:srgbClr val="202124"/>
+                </a:solidFill>
+                <a:highlight>
+                  <a:srgbClr val="F8F9FA"/>
+                </a:highlight>
+              </a:rPr>
+              <a:t>Podemos utilizar un esquema para validar la clave (key) del mensaje, el valor (value) del mensaje o ambos.</a:t>
+            </a:r>
+            <a:endParaRPr>
+              <a:solidFill>
+                <a:srgbClr val="202124"/>
+              </a:solidFill>
+              <a:highlight>
+                <a:srgbClr val="F8F9FA"/>
+              </a:highlight>
+            </a:endParaRPr>
+          </a:p>
+          <a:p>
+            <a:pPr indent="-317500" lvl="0" marL="457200" marR="38100" rtl="0" algn="l">
+              <a:lnSpc>
+                <a:spcPct val="128571"/>
+              </a:lnSpc>
+              <a:spcBef>
+                <a:spcPts val="0"/>
+              </a:spcBef>
+              <a:spcAft>
+                <a:spcPts val="0"/>
+              </a:spcAft>
+              <a:buClr>
+                <a:srgbClr val="202124"/>
+              </a:buClr>
+              <a:buSzPts val="1400"/>
+              <a:buChar char="●"/>
+            </a:pPr>
+            <a:r>
+              <a:rPr lang="en">
+                <a:solidFill>
+                  <a:srgbClr val="202124"/>
+                </a:solidFill>
+                <a:highlight>
+                  <a:srgbClr val="F8F9FA"/>
+                </a:highlight>
+              </a:rPr>
+              <a:t>Un esquema almacenado en el Schema Registry se compone de 4 campos:</a:t>
+            </a:r>
+            <a:endParaRPr>
+              <a:solidFill>
+                <a:srgbClr val="202124"/>
+              </a:solidFill>
+              <a:highlight>
+                <a:srgbClr val="F8F9FA"/>
+              </a:highlight>
+            </a:endParaRPr>
+          </a:p>
+        </p:txBody>
+      </p:sp>
+      <p:pic>
+        <p:nvPicPr>
+          <p:cNvPr id="341" name="Google Shape;341;g1124815d7f6_0_0"/>
+          <p:cNvPicPr preferRelativeResize="0"/>
+          <p:nvPr/>
+        </p:nvPicPr>
+        <p:blipFill>
+          <a:blip r:embed="rId3">
+            <a:alphaModFix/>
+          </a:blip>
+          <a:stretch>
+            <a:fillRect/>
+          </a:stretch>
+        </p:blipFill>
+        <p:spPr>
+          <a:xfrm>
+            <a:off x="1937325" y="2539650"/>
+            <a:ext cx="5133975" cy="2324100"/>
+          </a:xfrm>
+          <a:prstGeom prst="rect">
+            <a:avLst/>
+          </a:prstGeom>
+          <a:noFill/>
+          <a:ln>
+            <a:noFill/>
+          </a:ln>
+        </p:spPr>
+      </p:pic>
+    </p:spTree>
+  </p:cSld>
+  <p:clrMapOvr>
+    <a:masterClrMapping/>
+  </p:clrMapOvr>
+</p:sld>
+</file>
+
+<file path=ppt/slides/slide2.xml><?xml version="1.0" encoding="utf-8"?>
+<p:sld xmlns:a="http://schemas.openxmlformats.org/drawingml/2006/main" xmlns:r="http://schemas.openxmlformats.org/officeDocument/2006/relationships" xmlns:mc="http://schemas.openxmlformats.org/markup-compatibility/2006" xmlns:mv="urn:schemas-microsoft-com:mac:vml" xmlns:p="http://schemas.openxmlformats.org/presentationml/2006/main" xmlns:c="http://schemas.openxmlformats.org/drawingml/2006/chart" xmlns:dgm="http://schemas.openxmlformats.org/drawingml/2006/diagram" xmlns:o="urn:schemas-microsoft-com:office:office" xmlns:v="urn:schemas-microsoft-com:vml" xmlns:pvml="urn:schemas-microsoft-com:office:powerpoint" xmlns:com="http://schemas.openxmlformats.org/drawingml/2006/compatibility" xmlns:p14="http://schemas.microsoft.com/office/powerpoint/2010/main" xmlns:p15="http://schemas.microsoft.com/office/powerpoint/2012/main" xmlns:ahyp="http://schemas.microsoft.com/office/drawing/2018/hyperlinkcolor">
+  <p:cSld>
+    <p:spTree>
+      <p:nvGrpSpPr>
+        <p:cNvPr id="229" name="Shape 229"/>
+        <p:cNvGrpSpPr/>
+        <p:nvPr/>
+      </p:nvGrpSpPr>
+      <p:grpSpPr>
+        <a:xfrm>
+          <a:off x="0" y="0"/>
+          <a:ext cx="0" cy="0"/>
+          <a:chOff x="0" y="0"/>
+          <a:chExt cx="0" cy="0"/>
+        </a:xfrm>
+      </p:grpSpPr>
+      <p:sp>
+        <p:nvSpPr>
+          <p:cNvPr id="230" name="Google Shape;230;p2"/>
+          <p:cNvSpPr txBox="1"/>
+          <p:nvPr/>
+        </p:nvSpPr>
+        <p:spPr>
+          <a:xfrm>
+            <a:off x="265680" y="1912680"/>
+            <a:ext cx="4044960" cy="1317960"/>
+          </a:xfrm>
+          <a:prstGeom prst="rect">
+            <a:avLst/>
+          </a:prstGeom>
+          <a:noFill/>
+          <a:ln>
+            <a:noFill/>
+          </a:ln>
+        </p:spPr>
+        <p:txBody>
+          <a:bodyPr anchorCtr="0" anchor="ctr" bIns="91425" lIns="91425" spcFirstLastPara="1" rIns="91425" wrap="square" tIns="91425">
+            <a:noAutofit/>
+          </a:bodyPr>
+          <a:lstStyle/>
+          <a:p>
+            <a:pPr indent="0" lvl="0" marL="0" marR="0" rtl="0" algn="ctr">
+              <a:lnSpc>
+                <a:spcPct val="100000"/>
+              </a:lnSpc>
+              <a:spcBef>
+                <a:spcPts val="0"/>
+              </a:spcBef>
+              <a:spcAft>
+                <a:spcPts val="0"/>
+              </a:spcAft>
+              <a:buNone/>
+            </a:pPr>
+            <a:r>
+              <a:rPr b="1" i="0" lang="en" sz="3600" u="none" cap="none" strike="noStrike">
+                <a:solidFill>
+                  <a:srgbClr val="F46524"/>
+                </a:solidFill>
+                <a:latin typeface="Raleway"/>
+                <a:ea typeface="Raleway"/>
+                <a:cs typeface="Raleway"/>
+                <a:sym typeface="Raleway"/>
+              </a:rPr>
+              <a:t>Indice</a:t>
+            </a:r>
+            <a:endParaRPr b="0" i="0" sz="3600" u="none" cap="none" strike="noStrike">
+              <a:solidFill>
+                <a:srgbClr val="000000"/>
+              </a:solidFill>
+              <a:latin typeface="Arial"/>
+              <a:ea typeface="Arial"/>
+              <a:cs typeface="Arial"/>
+              <a:sym typeface="Arial"/>
+            </a:endParaRPr>
+          </a:p>
+        </p:txBody>
+      </p:sp>
+      <p:sp>
+        <p:nvSpPr>
+          <p:cNvPr id="231" name="Google Shape;231;p2"/>
+          <p:cNvSpPr txBox="1"/>
+          <p:nvPr/>
+        </p:nvSpPr>
+        <p:spPr>
+          <a:xfrm>
+            <a:off x="4939560" y="65520"/>
+            <a:ext cx="3836520" cy="4932000"/>
+          </a:xfrm>
+          <a:prstGeom prst="rect">
+            <a:avLst/>
+          </a:prstGeom>
+          <a:noFill/>
+          <a:ln>
+            <a:noFill/>
+          </a:ln>
+        </p:spPr>
+        <p:txBody>
+          <a:bodyPr anchorCtr="0" anchor="ctr" bIns="91425" lIns="91425" spcFirstLastPara="1" rIns="91425" wrap="square" tIns="91425">
+            <a:noAutofit/>
+          </a:bodyPr>
+          <a:lstStyle/>
+          <a:p>
+            <a:pPr indent="-317160" lvl="0" marL="457200" marR="0" rtl="0" algn="l">
+              <a:lnSpc>
+                <a:spcPct val="115000"/>
+              </a:lnSpc>
+              <a:spcBef>
+                <a:spcPts val="0"/>
+              </a:spcBef>
+              <a:spcAft>
+                <a:spcPts val="0"/>
+              </a:spcAft>
+              <a:buClr>
+                <a:srgbClr val="FFFFFF"/>
+              </a:buClr>
+              <a:buSzPts val="1400"/>
+              <a:buFont typeface="Lato"/>
+              <a:buAutoNum type="arabicPeriod"/>
+            </a:pPr>
+            <a:r>
+              <a:rPr b="0" i="0" lang="en" sz="1400" u="none" cap="none" strike="noStrike">
+                <a:solidFill>
+                  <a:srgbClr val="FFFFFF"/>
+                </a:solidFill>
+                <a:latin typeface="Lato"/>
+                <a:ea typeface="Lato"/>
+                <a:cs typeface="Lato"/>
+                <a:sym typeface="Lato"/>
+              </a:rPr>
+              <a:t>Introducción</a:t>
+            </a:r>
+            <a:endParaRPr b="0" i="0" sz="1400" u="none" cap="none" strike="noStrike">
+              <a:solidFill>
+                <a:srgbClr val="000000"/>
+              </a:solidFill>
+              <a:latin typeface="Arial"/>
+              <a:ea typeface="Arial"/>
+              <a:cs typeface="Arial"/>
+              <a:sym typeface="Arial"/>
+            </a:endParaRPr>
+          </a:p>
+          <a:p>
+            <a:pPr indent="-317160" lvl="0" marL="457200" marR="0" rtl="0" algn="l">
+              <a:lnSpc>
+                <a:spcPct val="115000"/>
+              </a:lnSpc>
+              <a:spcBef>
+                <a:spcPts val="1599"/>
+              </a:spcBef>
+              <a:spcAft>
+                <a:spcPts val="0"/>
+              </a:spcAft>
+              <a:buClr>
+                <a:srgbClr val="FFFFFF"/>
+              </a:buClr>
+              <a:buSzPts val="1400"/>
+              <a:buFont typeface="Lato"/>
+              <a:buAutoNum type="arabicPeriod"/>
+            </a:pPr>
+            <a:r>
+              <a:rPr lang="en">
+                <a:solidFill>
+                  <a:srgbClr val="FFFFFF"/>
+                </a:solidFill>
+                <a:latin typeface="Lato"/>
+                <a:ea typeface="Lato"/>
+                <a:cs typeface="Lato"/>
+                <a:sym typeface="Lato"/>
+              </a:rPr>
+              <a:t>Avro</a:t>
+            </a:r>
+            <a:endParaRPr b="0" i="0" sz="1400" u="none" cap="none" strike="noStrike">
+              <a:solidFill>
+                <a:srgbClr val="000000"/>
+              </a:solidFill>
+              <a:latin typeface="Arial"/>
+              <a:ea typeface="Arial"/>
+              <a:cs typeface="Arial"/>
+              <a:sym typeface="Arial"/>
+            </a:endParaRPr>
+          </a:p>
+          <a:p>
+            <a:pPr indent="-317160" lvl="0" marL="457200" marR="0" rtl="0" algn="l">
+              <a:lnSpc>
+                <a:spcPct val="115000"/>
+              </a:lnSpc>
+              <a:spcBef>
+                <a:spcPts val="1599"/>
+              </a:spcBef>
+              <a:spcAft>
+                <a:spcPts val="0"/>
+              </a:spcAft>
+              <a:buClr>
+                <a:srgbClr val="FFFFFF"/>
+              </a:buClr>
+              <a:buSzPts val="1400"/>
+              <a:buFont typeface="Lato"/>
+              <a:buAutoNum type="arabicPeriod"/>
+            </a:pPr>
+            <a:r>
+              <a:rPr lang="en">
+                <a:solidFill>
+                  <a:srgbClr val="FFFFFF"/>
+                </a:solidFill>
+                <a:latin typeface="Lato"/>
+                <a:ea typeface="Lato"/>
+                <a:cs typeface="Lato"/>
+                <a:sym typeface="Lato"/>
+              </a:rPr>
+              <a:t>ProtoBuf</a:t>
+            </a:r>
+            <a:endParaRPr b="0" i="0" sz="1400" u="none" cap="none" strike="noStrike">
+              <a:solidFill>
+                <a:srgbClr val="000000"/>
+              </a:solidFill>
+              <a:latin typeface="Arial"/>
+              <a:ea typeface="Arial"/>
+              <a:cs typeface="Arial"/>
+              <a:sym typeface="Arial"/>
+            </a:endParaRPr>
+          </a:p>
+          <a:p>
+            <a:pPr indent="-317160" lvl="0" marL="457200" marR="0" rtl="0" algn="l">
+              <a:lnSpc>
+                <a:spcPct val="115000"/>
+              </a:lnSpc>
+              <a:spcBef>
+                <a:spcPts val="1599"/>
+              </a:spcBef>
+              <a:spcAft>
+                <a:spcPts val="0"/>
+              </a:spcAft>
+              <a:buClr>
+                <a:srgbClr val="FFFFFF"/>
+              </a:buClr>
+              <a:buSzPts val="1400"/>
+              <a:buFont typeface="Lato"/>
+              <a:buAutoNum type="arabicPeriod"/>
+            </a:pPr>
+            <a:r>
+              <a:rPr lang="en">
+                <a:solidFill>
+                  <a:srgbClr val="FFFFFF"/>
+                </a:solidFill>
+                <a:latin typeface="Lato"/>
+                <a:ea typeface="Lato"/>
+                <a:cs typeface="Lato"/>
+                <a:sym typeface="Lato"/>
+              </a:rPr>
+              <a:t>Json Schema</a:t>
+            </a:r>
+            <a:endParaRPr b="0" i="0" sz="1400" u="none" cap="none" strike="noStrike">
+              <a:solidFill>
+                <a:srgbClr val="000000"/>
+              </a:solidFill>
+              <a:latin typeface="Arial"/>
+              <a:ea typeface="Arial"/>
+              <a:cs typeface="Arial"/>
+              <a:sym typeface="Arial"/>
+            </a:endParaRPr>
+          </a:p>
+          <a:p>
+            <a:pPr indent="-317160" lvl="0" marL="457200" marR="0" rtl="0" algn="l">
+              <a:lnSpc>
+                <a:spcPct val="115000"/>
+              </a:lnSpc>
+              <a:spcBef>
+                <a:spcPts val="1599"/>
+              </a:spcBef>
+              <a:spcAft>
+                <a:spcPts val="0"/>
+              </a:spcAft>
+              <a:buClr>
+                <a:srgbClr val="FFFFFF"/>
+              </a:buClr>
+              <a:buSzPts val="1400"/>
+              <a:buFont typeface="Lato"/>
+              <a:buAutoNum type="arabicPeriod"/>
+            </a:pPr>
+            <a:r>
+              <a:rPr b="0" i="0" lang="en" sz="1400" u="none" cap="none" strike="noStrike">
+                <a:solidFill>
+                  <a:srgbClr val="FFFFFF"/>
+                </a:solidFill>
+                <a:latin typeface="Lato"/>
+                <a:ea typeface="Lato"/>
+                <a:cs typeface="Lato"/>
+                <a:sym typeface="Lato"/>
+              </a:rPr>
+              <a:t> </a:t>
+            </a:r>
+            <a:r>
+              <a:rPr lang="en">
+                <a:solidFill>
+                  <a:srgbClr val="FFFFFF"/>
+                </a:solidFill>
+                <a:latin typeface="Lato"/>
+                <a:ea typeface="Lato"/>
+                <a:cs typeface="Lato"/>
+                <a:sym typeface="Lato"/>
+              </a:rPr>
+              <a:t>Schema Registry</a:t>
+            </a:r>
+            <a:endParaRPr b="0" i="0" sz="1400" u="none" cap="none" strike="noStrike">
+              <a:solidFill>
+                <a:srgbClr val="000000"/>
+              </a:solidFill>
+              <a:latin typeface="Arial"/>
+              <a:ea typeface="Arial"/>
+              <a:cs typeface="Arial"/>
+              <a:sym typeface="Arial"/>
+            </a:endParaRPr>
+          </a:p>
+          <a:p>
+            <a:pPr indent="-317160" lvl="0" marL="457200" marR="0" rtl="0" algn="l">
+              <a:lnSpc>
+                <a:spcPct val="115000"/>
+              </a:lnSpc>
+              <a:spcBef>
+                <a:spcPts val="1599"/>
+              </a:spcBef>
+              <a:spcAft>
+                <a:spcPts val="0"/>
+              </a:spcAft>
+              <a:buClr>
+                <a:srgbClr val="FFFFFF"/>
+              </a:buClr>
+              <a:buSzPts val="1400"/>
+              <a:buFont typeface="Lato"/>
+              <a:buAutoNum type="arabicPeriod"/>
+            </a:pPr>
+            <a:r>
+              <a:rPr b="0" i="0" lang="en" sz="1400" u="none" cap="none" strike="noStrike">
+                <a:solidFill>
+                  <a:srgbClr val="FFFFFF"/>
+                </a:solidFill>
+                <a:latin typeface="Lato"/>
+                <a:ea typeface="Lato"/>
+                <a:cs typeface="Lato"/>
+                <a:sym typeface="Lato"/>
+              </a:rPr>
+              <a:t>Challenge</a:t>
+            </a:r>
+            <a:endParaRPr b="0" i="0" sz="1400" u="none" cap="none" strike="noStrike">
+              <a:solidFill>
+                <a:srgbClr val="000000"/>
+              </a:solidFill>
+              <a:latin typeface="Arial"/>
+              <a:ea typeface="Arial"/>
+              <a:cs typeface="Arial"/>
+              <a:sym typeface="Arial"/>
+            </a:endParaRPr>
+          </a:p>
+        </p:txBody>
+      </p:sp>
+    </p:spTree>
+  </p:cSld>
+  <p:clrMapOvr>
+    <a:masterClrMapping/>
+  </p:clrMapOvr>
+</p:sld>
+</file>
+
+<file path=ppt/slides/slide20.xml><?xml version="1.0" encoding="utf-8"?>
+<p:sld xmlns:a="http://schemas.openxmlformats.org/drawingml/2006/main" xmlns:r="http://schemas.openxmlformats.org/officeDocument/2006/relationships" xmlns:mc="http://schemas.openxmlformats.org/markup-compatibility/2006" xmlns:mv="urn:schemas-microsoft-com:mac:vml" xmlns:p="http://schemas.openxmlformats.org/presentationml/2006/main" xmlns:c="http://schemas.openxmlformats.org/drawingml/2006/chart" xmlns:dgm="http://schemas.openxmlformats.org/drawingml/2006/diagram" xmlns:o="urn:schemas-microsoft-com:office:office" xmlns:v="urn:schemas-microsoft-com:vml" xmlns:pvml="urn:schemas-microsoft-com:office:powerpoint" xmlns:com="http://schemas.openxmlformats.org/drawingml/2006/compatibility" xmlns:p14="http://schemas.microsoft.com/office/powerpoint/2010/main" xmlns:p15="http://schemas.microsoft.com/office/powerpoint/2012/main" xmlns:ahyp="http://schemas.microsoft.com/office/drawing/2018/hyperlinkcolor">
+  <p:cSld>
+    <p:spTree>
+      <p:nvGrpSpPr>
+        <p:cNvPr id="345" name="Shape 345"/>
+        <p:cNvGrpSpPr/>
+        <p:nvPr/>
+      </p:nvGrpSpPr>
+      <p:grpSpPr>
+        <a:xfrm>
+          <a:off x="0" y="0"/>
+          <a:ext cx="0" cy="0"/>
+          <a:chOff x="0" y="0"/>
+          <a:chExt cx="0" cy="0"/>
+        </a:xfrm>
+      </p:grpSpPr>
+      <p:sp>
+        <p:nvSpPr>
+          <p:cNvPr id="346" name="Google Shape;346;g1124815d7f6_0_9"/>
+          <p:cNvSpPr txBox="1"/>
+          <p:nvPr/>
+        </p:nvSpPr>
+        <p:spPr>
+          <a:xfrm>
+            <a:off x="318240" y="156240"/>
+            <a:ext cx="8433300" cy="480600"/>
+          </a:xfrm>
+          <a:prstGeom prst="rect">
+            <a:avLst/>
+          </a:prstGeom>
+          <a:noFill/>
+          <a:ln>
+            <a:noFill/>
+          </a:ln>
+        </p:spPr>
+        <p:txBody>
+          <a:bodyPr anchorCtr="0" anchor="t" bIns="91425" lIns="91425" spcFirstLastPara="1" rIns="91425" wrap="square" tIns="91425">
+            <a:noAutofit/>
+          </a:bodyPr>
+          <a:lstStyle/>
+          <a:p>
+            <a:pPr indent="0" lvl="0" marL="0" marR="0" rtl="0" algn="l">
+              <a:lnSpc>
+                <a:spcPct val="115000"/>
+              </a:lnSpc>
+              <a:spcBef>
+                <a:spcPts val="0"/>
+              </a:spcBef>
+              <a:spcAft>
+                <a:spcPts val="0"/>
+              </a:spcAft>
+              <a:buNone/>
+            </a:pPr>
+            <a:r>
+              <a:rPr b="1" lang="en" sz="2000">
+                <a:solidFill>
+                  <a:srgbClr val="F46524"/>
+                </a:solidFill>
+                <a:latin typeface="Raleway"/>
+                <a:ea typeface="Raleway"/>
+                <a:cs typeface="Raleway"/>
+                <a:sym typeface="Raleway"/>
+              </a:rPr>
+              <a:t>key/value Naming Strategy</a:t>
+            </a:r>
+            <a:endParaRPr b="0" i="0" sz="2000" u="none" cap="none" strike="noStrike">
+              <a:solidFill>
+                <a:srgbClr val="000000"/>
+              </a:solidFill>
+              <a:latin typeface="Arial"/>
+              <a:ea typeface="Arial"/>
+              <a:cs typeface="Arial"/>
+              <a:sym typeface="Arial"/>
+            </a:endParaRPr>
+          </a:p>
+        </p:txBody>
+      </p:sp>
+      <p:sp>
+        <p:nvSpPr>
+          <p:cNvPr id="347" name="Google Shape;347;g1124815d7f6_0_9"/>
+          <p:cNvSpPr txBox="1"/>
+          <p:nvPr/>
+        </p:nvSpPr>
+        <p:spPr>
+          <a:xfrm>
+            <a:off x="553450" y="958975"/>
+            <a:ext cx="7962900" cy="1703400"/>
+          </a:xfrm>
+          <a:prstGeom prst="rect">
+            <a:avLst/>
+          </a:prstGeom>
+          <a:noFill/>
+          <a:ln>
+            <a:noFill/>
+          </a:ln>
+        </p:spPr>
+        <p:txBody>
+          <a:bodyPr anchorCtr="0" anchor="t" bIns="91425" lIns="91425" spcFirstLastPara="1" rIns="91425" wrap="square" tIns="91425">
+            <a:spAutoFit/>
+          </a:bodyPr>
+          <a:lstStyle/>
+          <a:p>
+            <a:pPr indent="-317500" lvl="0" marL="457200" marR="38100" rtl="0" algn="l">
+              <a:lnSpc>
+                <a:spcPct val="128571"/>
+              </a:lnSpc>
+              <a:spcBef>
+                <a:spcPts val="0"/>
+              </a:spcBef>
+              <a:spcAft>
+                <a:spcPts val="0"/>
+              </a:spcAft>
+              <a:buClr>
+                <a:srgbClr val="202124"/>
+              </a:buClr>
+              <a:buSzPts val="1400"/>
+              <a:buChar char="●"/>
+            </a:pPr>
+            <a:r>
+              <a:rPr lang="en">
+                <a:solidFill>
+                  <a:srgbClr val="202124"/>
+                </a:solidFill>
+                <a:highlight>
+                  <a:srgbClr val="F8F9FA"/>
+                </a:highlight>
+              </a:rPr>
+              <a:t>Por lo tanto, los clientes pueden definir la política de nombres del </a:t>
+            </a:r>
+            <a:r>
+              <a:rPr b="1" lang="en">
+                <a:solidFill>
+                  <a:srgbClr val="202124"/>
+                </a:solidFill>
+                <a:highlight>
+                  <a:srgbClr val="F8F9FA"/>
+                </a:highlight>
+              </a:rPr>
+              <a:t>Subject</a:t>
+            </a:r>
+            <a:r>
+              <a:rPr lang="en">
+                <a:solidFill>
+                  <a:srgbClr val="202124"/>
+                </a:solidFill>
+                <a:highlight>
+                  <a:srgbClr val="F8F9FA"/>
+                </a:highlight>
+              </a:rPr>
+              <a:t> para la clave (Key) o el valor (Value), utilizando los siguientes parámetros de configuración:</a:t>
+            </a:r>
+            <a:endParaRPr>
+              <a:solidFill>
+                <a:srgbClr val="202124"/>
+              </a:solidFill>
+              <a:highlight>
+                <a:srgbClr val="F8F9FA"/>
+              </a:highlight>
+            </a:endParaRPr>
+          </a:p>
+          <a:p>
+            <a:pPr indent="-295275" lvl="1" marL="914400" marR="38100" rtl="0" algn="l">
+              <a:lnSpc>
+                <a:spcPct val="128571"/>
+              </a:lnSpc>
+              <a:spcBef>
+                <a:spcPts val="0"/>
+              </a:spcBef>
+              <a:spcAft>
+                <a:spcPts val="0"/>
+              </a:spcAft>
+              <a:buClr>
+                <a:srgbClr val="333333"/>
+              </a:buClr>
+              <a:buSzPts val="1050"/>
+              <a:buFont typeface="Courier New"/>
+              <a:buChar char="○"/>
+            </a:pPr>
+            <a:r>
+              <a:rPr lang="en" sz="1050">
+                <a:solidFill>
+                  <a:srgbClr val="333333"/>
+                </a:solidFill>
+                <a:highlight>
+                  <a:srgbClr val="F5F5F5"/>
+                </a:highlight>
+                <a:latin typeface="Courier New"/>
+                <a:ea typeface="Courier New"/>
+                <a:cs typeface="Courier New"/>
+                <a:sym typeface="Courier New"/>
+              </a:rPr>
+              <a:t>key.subject.name.strategy</a:t>
+            </a:r>
+            <a:endParaRPr sz="1050">
+              <a:solidFill>
+                <a:srgbClr val="333333"/>
+              </a:solidFill>
+              <a:highlight>
+                <a:srgbClr val="F5F5F5"/>
+              </a:highlight>
+              <a:latin typeface="Courier New"/>
+              <a:ea typeface="Courier New"/>
+              <a:cs typeface="Courier New"/>
+              <a:sym typeface="Courier New"/>
+            </a:endParaRPr>
+          </a:p>
+          <a:p>
+            <a:pPr indent="-295275" lvl="1" marL="914400" marR="38100" rtl="0" algn="l">
+              <a:lnSpc>
+                <a:spcPct val="128571"/>
+              </a:lnSpc>
+              <a:spcBef>
+                <a:spcPts val="0"/>
+              </a:spcBef>
+              <a:spcAft>
+                <a:spcPts val="0"/>
+              </a:spcAft>
+              <a:buClr>
+                <a:srgbClr val="333333"/>
+              </a:buClr>
+              <a:buSzPts val="1050"/>
+              <a:buFont typeface="Courier New"/>
+              <a:buChar char="○"/>
+            </a:pPr>
+            <a:r>
+              <a:rPr lang="en" sz="1050">
+                <a:solidFill>
+                  <a:srgbClr val="333333"/>
+                </a:solidFill>
+                <a:highlight>
+                  <a:srgbClr val="F5F5F5"/>
+                </a:highlight>
+                <a:latin typeface="Courier New"/>
+                <a:ea typeface="Courier New"/>
+                <a:cs typeface="Courier New"/>
+                <a:sym typeface="Courier New"/>
+              </a:rPr>
+              <a:t>value.subject.name.strategy</a:t>
+            </a:r>
+            <a:endParaRPr sz="1050">
+              <a:solidFill>
+                <a:srgbClr val="333333"/>
+              </a:solidFill>
+              <a:highlight>
+                <a:srgbClr val="F5F5F5"/>
+              </a:highlight>
+              <a:latin typeface="Courier New"/>
+              <a:ea typeface="Courier New"/>
+              <a:cs typeface="Courier New"/>
+              <a:sym typeface="Courier New"/>
+            </a:endParaRPr>
+          </a:p>
+          <a:p>
+            <a:pPr indent="0" lvl="0" marL="0" rtl="0" algn="l">
+              <a:lnSpc>
+                <a:spcPct val="142857"/>
+              </a:lnSpc>
+              <a:spcBef>
+                <a:spcPts val="0"/>
+              </a:spcBef>
+              <a:spcAft>
+                <a:spcPts val="0"/>
+              </a:spcAft>
+              <a:buNone/>
+            </a:pPr>
+            <a:r>
+              <a:t/>
+            </a:r>
+            <a:endParaRPr sz="1050">
+              <a:solidFill>
+                <a:srgbClr val="333333"/>
+              </a:solidFill>
+              <a:highlight>
+                <a:srgbClr val="F5F5F5"/>
+              </a:highlight>
+              <a:latin typeface="Courier New"/>
+              <a:ea typeface="Courier New"/>
+              <a:cs typeface="Courier New"/>
+              <a:sym typeface="Courier New"/>
+            </a:endParaRPr>
+          </a:p>
+          <a:p>
+            <a:pPr indent="0" lvl="0" marL="0" marR="38100" rtl="0" algn="l">
+              <a:lnSpc>
+                <a:spcPct val="128571"/>
+              </a:lnSpc>
+              <a:spcBef>
+                <a:spcPts val="800"/>
+              </a:spcBef>
+              <a:spcAft>
+                <a:spcPts val="0"/>
+              </a:spcAft>
+              <a:buNone/>
+            </a:pPr>
+            <a:r>
+              <a:t/>
+            </a:r>
+            <a:endParaRPr>
+              <a:solidFill>
+                <a:srgbClr val="202124"/>
+              </a:solidFill>
+              <a:highlight>
+                <a:srgbClr val="F8F9FA"/>
+              </a:highlight>
+            </a:endParaRPr>
+          </a:p>
+        </p:txBody>
+      </p:sp>
+      <p:sp>
+        <p:nvSpPr>
+          <p:cNvPr id="348" name="Google Shape;348;g1124815d7f6_0_9"/>
+          <p:cNvSpPr txBox="1"/>
+          <p:nvPr/>
+        </p:nvSpPr>
+        <p:spPr>
+          <a:xfrm>
+            <a:off x="2831725" y="4171275"/>
+            <a:ext cx="3790800" cy="400200"/>
+          </a:xfrm>
+          <a:prstGeom prst="rect">
+            <a:avLst/>
+          </a:prstGeom>
+          <a:noFill/>
+          <a:ln>
+            <a:noFill/>
+          </a:ln>
+        </p:spPr>
+        <p:txBody>
+          <a:bodyPr anchorCtr="0" anchor="t" bIns="91425" lIns="91425" spcFirstLastPara="1" rIns="91425" wrap="square" tIns="91425">
+            <a:spAutoFit/>
+          </a:bodyPr>
+          <a:lstStyle/>
+          <a:p>
+            <a:pPr indent="0" lvl="0" marL="0" rtl="0" algn="l">
+              <a:spcBef>
+                <a:spcPts val="0"/>
+              </a:spcBef>
+              <a:spcAft>
+                <a:spcPts val="0"/>
+              </a:spcAft>
+              <a:buNone/>
+            </a:pPr>
+            <a:r>
+              <a:rPr lang="en"/>
+              <a:t>Source: </a:t>
+            </a:r>
+            <a:r>
+              <a:rPr lang="en" u="sng">
+                <a:solidFill>
+                  <a:schemeClr val="hlink"/>
+                </a:solidFill>
+                <a:hlinkClick r:id="rId3"/>
+              </a:rPr>
+              <a:t>Subject Name Strategy</a:t>
+            </a:r>
+            <a:endParaRPr/>
+          </a:p>
+        </p:txBody>
+      </p:sp>
+      <p:pic>
+        <p:nvPicPr>
+          <p:cNvPr id="349" name="Google Shape;349;g1124815d7f6_0_9"/>
+          <p:cNvPicPr preferRelativeResize="0"/>
+          <p:nvPr/>
+        </p:nvPicPr>
+        <p:blipFill>
+          <a:blip r:embed="rId4">
+            <a:alphaModFix/>
+          </a:blip>
+          <a:stretch>
+            <a:fillRect/>
+          </a:stretch>
+        </p:blipFill>
+        <p:spPr>
+          <a:xfrm>
+            <a:off x="2214250" y="2180950"/>
+            <a:ext cx="4824851" cy="1990337"/>
+          </a:xfrm>
+          <a:prstGeom prst="rect">
+            <a:avLst/>
+          </a:prstGeom>
+          <a:noFill/>
+          <a:ln>
+            <a:noFill/>
+          </a:ln>
+        </p:spPr>
+      </p:pic>
+    </p:spTree>
+  </p:cSld>
+  <p:clrMapOvr>
+    <a:masterClrMapping/>
+  </p:clrMapOvr>
+</p:sld>
+</file>
+
+<file path=ppt/slides/slide21.xml><?xml version="1.0" encoding="utf-8"?>
+<p:sld xmlns:a="http://schemas.openxmlformats.org/drawingml/2006/main" xmlns:r="http://schemas.openxmlformats.org/officeDocument/2006/relationships" xmlns:mc="http://schemas.openxmlformats.org/markup-compatibility/2006" xmlns:mv="urn:schemas-microsoft-com:mac:vml" xmlns:p="http://schemas.openxmlformats.org/presentationml/2006/main" xmlns:c="http://schemas.openxmlformats.org/drawingml/2006/chart" xmlns:dgm="http://schemas.openxmlformats.org/drawingml/2006/diagram" xmlns:o="urn:schemas-microsoft-com:office:office" xmlns:v="urn:schemas-microsoft-com:vml" xmlns:pvml="urn:schemas-microsoft-com:office:powerpoint" xmlns:com="http://schemas.openxmlformats.org/drawingml/2006/compatibility" xmlns:p14="http://schemas.microsoft.com/office/powerpoint/2010/main" xmlns:p15="http://schemas.microsoft.com/office/powerpoint/2012/main" xmlns:ahyp="http://schemas.microsoft.com/office/drawing/2018/hyperlinkcolor">
+  <p:cSld>
+    <p:spTree>
+      <p:nvGrpSpPr>
+        <p:cNvPr id="353" name="Shape 353"/>
+        <p:cNvGrpSpPr/>
+        <p:nvPr/>
+      </p:nvGrpSpPr>
+      <p:grpSpPr>
+        <a:xfrm>
+          <a:off x="0" y="0"/>
+          <a:ext cx="0" cy="0"/>
+          <a:chOff x="0" y="0"/>
+          <a:chExt cx="0" cy="0"/>
+        </a:xfrm>
+      </p:grpSpPr>
+      <p:sp>
+        <p:nvSpPr>
+          <p:cNvPr id="354" name="Google Shape;354;g10f6902466b_0_91"/>
           <p:cNvSpPr txBox="1"/>
           <p:nvPr/>
         </p:nvSpPr>
@@ -32306,7 +33539,7 @@
       </p:sp>
       <p:graphicFrame>
         <p:nvGraphicFramePr>
-          <p:cNvPr id="340" name="Google Shape;340;g10f6902466b_0_91"/>
+          <p:cNvPr id="355" name="Google Shape;355;g10f6902466b_0_91"/>
           <p:cNvGraphicFramePr/>
           <p:nvPr/>
         </p:nvGraphicFramePr>
@@ -32319,7 +33552,7 @@
             <a:tbl>
               <a:tblPr>
                 <a:noFill/>
-                <a:tableStyleId>{345E130E-CD5E-43CB-9C1B-53E5E36A5D48}</a:tableStyleId>
+                <a:tableStyleId>{EE056590-ABF8-40C4-8F46-6BADF441C057}</a:tableStyleId>
               </a:tblPr>
               <a:tblGrid>
                 <a:gridCol w="2146500"/>
@@ -33426,12 +34659,12 @@
 </p:sld>
 </file>
 
-<file path=ppt/slides/slide2.xml><?xml version="1.0" encoding="utf-8"?>
+<file path=ppt/slides/slide22.xml><?xml version="1.0" encoding="utf-8"?>
 <p:sld xmlns:a="http://schemas.openxmlformats.org/drawingml/2006/main" xmlns:r="http://schemas.openxmlformats.org/officeDocument/2006/relationships" xmlns:mc="http://schemas.openxmlformats.org/markup-compatibility/2006" xmlns:mv="urn:schemas-microsoft-com:mac:vml" xmlns:p="http://schemas.openxmlformats.org/presentationml/2006/main" xmlns:c="http://schemas.openxmlformats.org/drawingml/2006/chart" xmlns:dgm="http://schemas.openxmlformats.org/drawingml/2006/diagram" xmlns:o="urn:schemas-microsoft-com:office:office" xmlns:v="urn:schemas-microsoft-com:vml" xmlns:pvml="urn:schemas-microsoft-com:office:powerpoint" xmlns:com="http://schemas.openxmlformats.org/drawingml/2006/compatibility" xmlns:p14="http://schemas.microsoft.com/office/powerpoint/2010/main" xmlns:p15="http://schemas.microsoft.com/office/powerpoint/2012/main" xmlns:ahyp="http://schemas.microsoft.com/office/drawing/2018/hyperlinkcolor">
   <p:cSld>
     <p:spTree>
       <p:nvGrpSpPr>
-        <p:cNvPr id="229" name="Shape 229"/>
+        <p:cNvPr id="359" name="Shape 359"/>
         <p:cNvGrpSpPr/>
         <p:nvPr/>
       </p:nvGrpSpPr>
@@ -33445,371 +34678,7 @@
       </p:grpSpPr>
       <p:sp>
         <p:nvSpPr>
-          <p:cNvPr id="230" name="Google Shape;230;p2"/>
-          <p:cNvSpPr txBox="1"/>
-          <p:nvPr/>
-        </p:nvSpPr>
-        <p:spPr>
-          <a:xfrm>
-            <a:off x="265680" y="1912680"/>
-            <a:ext cx="4044960" cy="1317960"/>
-          </a:xfrm>
-          <a:prstGeom prst="rect">
-            <a:avLst/>
-          </a:prstGeom>
-          <a:noFill/>
-          <a:ln>
-            <a:noFill/>
-          </a:ln>
-        </p:spPr>
-        <p:txBody>
-          <a:bodyPr anchorCtr="0" anchor="ctr" bIns="91425" lIns="91425" spcFirstLastPara="1" rIns="91425" wrap="square" tIns="91425">
-            <a:noAutofit/>
-          </a:bodyPr>
-          <a:lstStyle/>
-          <a:p>
-            <a:pPr indent="0" lvl="0" marL="0" marR="0" rtl="0" algn="ctr">
-              <a:lnSpc>
-                <a:spcPct val="100000"/>
-              </a:lnSpc>
-              <a:spcBef>
-                <a:spcPts val="0"/>
-              </a:spcBef>
-              <a:spcAft>
-                <a:spcPts val="0"/>
-              </a:spcAft>
-              <a:buNone/>
-            </a:pPr>
-            <a:r>
-              <a:rPr b="1" i="0" lang="en" sz="3600" u="none" cap="none" strike="noStrike">
-                <a:solidFill>
-                  <a:srgbClr val="F46524"/>
-                </a:solidFill>
-                <a:latin typeface="Raleway"/>
-                <a:ea typeface="Raleway"/>
-                <a:cs typeface="Raleway"/>
-                <a:sym typeface="Raleway"/>
-              </a:rPr>
-              <a:t>Indice</a:t>
-            </a:r>
-            <a:endParaRPr b="0" i="0" sz="3600" u="none" cap="none" strike="noStrike">
-              <a:solidFill>
-                <a:srgbClr val="000000"/>
-              </a:solidFill>
-              <a:latin typeface="Arial"/>
-              <a:ea typeface="Arial"/>
-              <a:cs typeface="Arial"/>
-              <a:sym typeface="Arial"/>
-            </a:endParaRPr>
-          </a:p>
-        </p:txBody>
-      </p:sp>
-      <p:sp>
-        <p:nvSpPr>
-          <p:cNvPr id="231" name="Google Shape;231;p2"/>
-          <p:cNvSpPr txBox="1"/>
-          <p:nvPr/>
-        </p:nvSpPr>
-        <p:spPr>
-          <a:xfrm>
-            <a:off x="4939560" y="65520"/>
-            <a:ext cx="3836520" cy="4932000"/>
-          </a:xfrm>
-          <a:prstGeom prst="rect">
-            <a:avLst/>
-          </a:prstGeom>
-          <a:noFill/>
-          <a:ln>
-            <a:noFill/>
-          </a:ln>
-        </p:spPr>
-        <p:txBody>
-          <a:bodyPr anchorCtr="0" anchor="ctr" bIns="91425" lIns="91425" spcFirstLastPara="1" rIns="91425" wrap="square" tIns="91425">
-            <a:noAutofit/>
-          </a:bodyPr>
-          <a:lstStyle/>
-          <a:p>
-            <a:pPr indent="-317160" lvl="0" marL="457200" marR="0" rtl="0" algn="l">
-              <a:lnSpc>
-                <a:spcPct val="115000"/>
-              </a:lnSpc>
-              <a:spcBef>
-                <a:spcPts val="0"/>
-              </a:spcBef>
-              <a:spcAft>
-                <a:spcPts val="0"/>
-              </a:spcAft>
-              <a:buClr>
-                <a:srgbClr val="FFFFFF"/>
-              </a:buClr>
-              <a:buSzPts val="1400"/>
-              <a:buFont typeface="Lato"/>
-              <a:buAutoNum type="arabicPeriod"/>
-            </a:pPr>
-            <a:r>
-              <a:rPr b="0" i="0" lang="en" sz="1400" u="none" cap="none" strike="noStrike">
-                <a:solidFill>
-                  <a:srgbClr val="FFFFFF"/>
-                </a:solidFill>
-                <a:latin typeface="Lato"/>
-                <a:ea typeface="Lato"/>
-                <a:cs typeface="Lato"/>
-                <a:sym typeface="Lato"/>
-              </a:rPr>
-              <a:t>Introducción</a:t>
-            </a:r>
-            <a:endParaRPr b="0" i="0" sz="1400" u="none" cap="none" strike="noStrike">
-              <a:solidFill>
-                <a:srgbClr val="000000"/>
-              </a:solidFill>
-              <a:latin typeface="Arial"/>
-              <a:ea typeface="Arial"/>
-              <a:cs typeface="Arial"/>
-              <a:sym typeface="Arial"/>
-            </a:endParaRPr>
-          </a:p>
-          <a:p>
-            <a:pPr indent="-317160" lvl="0" marL="457200" marR="0" rtl="0" algn="l">
-              <a:lnSpc>
-                <a:spcPct val="115000"/>
-              </a:lnSpc>
-              <a:spcBef>
-                <a:spcPts val="1599"/>
-              </a:spcBef>
-              <a:spcAft>
-                <a:spcPts val="0"/>
-              </a:spcAft>
-              <a:buClr>
-                <a:srgbClr val="FFFFFF"/>
-              </a:buClr>
-              <a:buSzPts val="1400"/>
-              <a:buFont typeface="Lato"/>
-              <a:buAutoNum type="arabicPeriod"/>
-            </a:pPr>
-            <a:r>
-              <a:rPr lang="en">
-                <a:solidFill>
-                  <a:srgbClr val="FFFFFF"/>
-                </a:solidFill>
-                <a:latin typeface="Lato"/>
-                <a:ea typeface="Lato"/>
-                <a:cs typeface="Lato"/>
-                <a:sym typeface="Lato"/>
-              </a:rPr>
-              <a:t>Avro</a:t>
-            </a:r>
-            <a:endParaRPr b="0" i="0" sz="1400" u="none" cap="none" strike="noStrike">
-              <a:solidFill>
-                <a:srgbClr val="000000"/>
-              </a:solidFill>
-              <a:latin typeface="Arial"/>
-              <a:ea typeface="Arial"/>
-              <a:cs typeface="Arial"/>
-              <a:sym typeface="Arial"/>
-            </a:endParaRPr>
-          </a:p>
-          <a:p>
-            <a:pPr indent="-317160" lvl="0" marL="457200" marR="0" rtl="0" algn="l">
-              <a:lnSpc>
-                <a:spcPct val="115000"/>
-              </a:lnSpc>
-              <a:spcBef>
-                <a:spcPts val="1599"/>
-              </a:spcBef>
-              <a:spcAft>
-                <a:spcPts val="0"/>
-              </a:spcAft>
-              <a:buClr>
-                <a:srgbClr val="FFFFFF"/>
-              </a:buClr>
-              <a:buSzPts val="1400"/>
-              <a:buFont typeface="Lato"/>
-              <a:buAutoNum type="arabicPeriod"/>
-            </a:pPr>
-            <a:r>
-              <a:rPr lang="en">
-                <a:solidFill>
-                  <a:srgbClr val="FFFFFF"/>
-                </a:solidFill>
-                <a:latin typeface="Lato"/>
-                <a:ea typeface="Lato"/>
-                <a:cs typeface="Lato"/>
-                <a:sym typeface="Lato"/>
-              </a:rPr>
-              <a:t>ProtoBuf</a:t>
-            </a:r>
-            <a:endParaRPr b="0" i="0" sz="1400" u="none" cap="none" strike="noStrike">
-              <a:solidFill>
-                <a:srgbClr val="000000"/>
-              </a:solidFill>
-              <a:latin typeface="Arial"/>
-              <a:ea typeface="Arial"/>
-              <a:cs typeface="Arial"/>
-              <a:sym typeface="Arial"/>
-            </a:endParaRPr>
-          </a:p>
-          <a:p>
-            <a:pPr indent="-317160" lvl="0" marL="457200" marR="0" rtl="0" algn="l">
-              <a:lnSpc>
-                <a:spcPct val="115000"/>
-              </a:lnSpc>
-              <a:spcBef>
-                <a:spcPts val="1599"/>
-              </a:spcBef>
-              <a:spcAft>
-                <a:spcPts val="0"/>
-              </a:spcAft>
-              <a:buClr>
-                <a:srgbClr val="FFFFFF"/>
-              </a:buClr>
-              <a:buSzPts val="1400"/>
-              <a:buFont typeface="Lato"/>
-              <a:buAutoNum type="arabicPeriod"/>
-            </a:pPr>
-            <a:r>
-              <a:rPr lang="en">
-                <a:solidFill>
-                  <a:srgbClr val="FFFFFF"/>
-                </a:solidFill>
-                <a:latin typeface="Lato"/>
-                <a:ea typeface="Lato"/>
-                <a:cs typeface="Lato"/>
-                <a:sym typeface="Lato"/>
-              </a:rPr>
-              <a:t>Json Schema</a:t>
-            </a:r>
-            <a:endParaRPr b="0" i="0" sz="1400" u="none" cap="none" strike="noStrike">
-              <a:solidFill>
-                <a:srgbClr val="000000"/>
-              </a:solidFill>
-              <a:latin typeface="Arial"/>
-              <a:ea typeface="Arial"/>
-              <a:cs typeface="Arial"/>
-              <a:sym typeface="Arial"/>
-            </a:endParaRPr>
-          </a:p>
-          <a:p>
-            <a:pPr indent="-317160" lvl="0" marL="457200" marR="0" rtl="0" algn="l">
-              <a:lnSpc>
-                <a:spcPct val="115000"/>
-              </a:lnSpc>
-              <a:spcBef>
-                <a:spcPts val="1599"/>
-              </a:spcBef>
-              <a:spcAft>
-                <a:spcPts val="0"/>
-              </a:spcAft>
-              <a:buClr>
-                <a:srgbClr val="FFFFFF"/>
-              </a:buClr>
-              <a:buSzPts val="1400"/>
-              <a:buFont typeface="Lato"/>
-              <a:buAutoNum type="arabicPeriod"/>
-            </a:pPr>
-            <a:r>
-              <a:rPr b="0" i="0" lang="en" sz="1400" u="none" cap="none" strike="noStrike">
-                <a:solidFill>
-                  <a:srgbClr val="FFFFFF"/>
-                </a:solidFill>
-                <a:latin typeface="Lato"/>
-                <a:ea typeface="Lato"/>
-                <a:cs typeface="Lato"/>
-                <a:sym typeface="Lato"/>
-              </a:rPr>
-              <a:t> </a:t>
-            </a:r>
-            <a:r>
-              <a:rPr lang="en">
-                <a:solidFill>
-                  <a:srgbClr val="FFFFFF"/>
-                </a:solidFill>
-                <a:latin typeface="Lato"/>
-                <a:ea typeface="Lato"/>
-                <a:cs typeface="Lato"/>
-                <a:sym typeface="Lato"/>
-              </a:rPr>
-              <a:t>Schema Registry</a:t>
-            </a:r>
-            <a:endParaRPr b="0" i="0" sz="1400" u="none" cap="none" strike="noStrike">
-              <a:solidFill>
-                <a:srgbClr val="000000"/>
-              </a:solidFill>
-              <a:latin typeface="Arial"/>
-              <a:ea typeface="Arial"/>
-              <a:cs typeface="Arial"/>
-              <a:sym typeface="Arial"/>
-            </a:endParaRPr>
-          </a:p>
-          <a:p>
-            <a:pPr indent="-317160" lvl="0" marL="457200" marR="0" rtl="0" algn="l">
-              <a:lnSpc>
-                <a:spcPct val="115000"/>
-              </a:lnSpc>
-              <a:spcBef>
-                <a:spcPts val="1599"/>
-              </a:spcBef>
-              <a:spcAft>
-                <a:spcPts val="0"/>
-              </a:spcAft>
-              <a:buClr>
-                <a:srgbClr val="FFFFFF"/>
-              </a:buClr>
-              <a:buSzPts val="1400"/>
-              <a:buFont typeface="Lato"/>
-              <a:buAutoNum type="arabicPeriod"/>
-            </a:pPr>
-            <a:r>
-              <a:rPr b="0" i="0" lang="en" sz="1400" u="none" cap="none" strike="noStrike">
-                <a:solidFill>
-                  <a:srgbClr val="FFFFFF"/>
-                </a:solidFill>
-                <a:latin typeface="Lato"/>
-                <a:ea typeface="Lato"/>
-                <a:cs typeface="Lato"/>
-                <a:sym typeface="Lato"/>
-              </a:rPr>
-              <a:t>Challenge</a:t>
-            </a:r>
-            <a:endParaRPr b="0" i="0" sz="1400" u="none" cap="none" strike="noStrike">
-              <a:solidFill>
-                <a:srgbClr val="000000"/>
-              </a:solidFill>
-              <a:latin typeface="Arial"/>
-              <a:ea typeface="Arial"/>
-              <a:cs typeface="Arial"/>
-              <a:sym typeface="Arial"/>
-            </a:endParaRPr>
-          </a:p>
-        </p:txBody>
-      </p:sp>
-    </p:spTree>
-  </p:cSld>
-  <p:clrMapOvr>
-    <a:masterClrMapping/>
-  </p:clrMapOvr>
-</p:sld>
-</file>
-
-<file path=ppt/slides/slide20.xml><?xml version="1.0" encoding="utf-8"?>
-<p:sld xmlns:a="http://schemas.openxmlformats.org/drawingml/2006/main" xmlns:r="http://schemas.openxmlformats.org/officeDocument/2006/relationships" xmlns:mc="http://schemas.openxmlformats.org/markup-compatibility/2006" xmlns:mv="urn:schemas-microsoft-com:mac:vml" xmlns:p="http://schemas.openxmlformats.org/presentationml/2006/main" xmlns:c="http://schemas.openxmlformats.org/drawingml/2006/chart" xmlns:dgm="http://schemas.openxmlformats.org/drawingml/2006/diagram" xmlns:o="urn:schemas-microsoft-com:office:office" xmlns:v="urn:schemas-microsoft-com:vml" xmlns:pvml="urn:schemas-microsoft-com:office:powerpoint" xmlns:com="http://schemas.openxmlformats.org/drawingml/2006/compatibility" xmlns:p14="http://schemas.microsoft.com/office/powerpoint/2010/main" xmlns:p15="http://schemas.microsoft.com/office/powerpoint/2012/main" xmlns:ahyp="http://schemas.microsoft.com/office/drawing/2018/hyperlinkcolor">
-  <p:cSld>
-    <p:spTree>
-      <p:nvGrpSpPr>
-        <p:cNvPr id="344" name="Shape 344"/>
-        <p:cNvGrpSpPr/>
-        <p:nvPr/>
-      </p:nvGrpSpPr>
-      <p:grpSpPr>
-        <a:xfrm>
-          <a:off x="0" y="0"/>
-          <a:ext cx="0" cy="0"/>
-          <a:chOff x="0" y="0"/>
-          <a:chExt cx="0" cy="0"/>
-        </a:xfrm>
-      </p:grpSpPr>
-      <p:sp>
-        <p:nvSpPr>
-          <p:cNvPr id="345" name="Google Shape;345;g10f6902466b_0_108"/>
+          <p:cNvPr id="360" name="Google Shape;360;g10f6902466b_0_108"/>
           <p:cNvSpPr txBox="1"/>
           <p:nvPr/>
         </p:nvSpPr>
@@ -33870,7 +34739,7 @@
       </p:sp>
       <p:graphicFrame>
         <p:nvGraphicFramePr>
-          <p:cNvPr id="346" name="Google Shape;346;g10f6902466b_0_108"/>
+          <p:cNvPr id="361" name="Google Shape;361;g10f6902466b_0_108"/>
           <p:cNvGraphicFramePr/>
           <p:nvPr/>
         </p:nvGraphicFramePr>
@@ -33883,7 +34752,7 @@
             <a:tbl>
               <a:tblPr>
                 <a:noFill/>
-                <a:tableStyleId>{345E130E-CD5E-43CB-9C1B-53E5E36A5D48}</a:tableStyleId>
+                <a:tableStyleId>{EE056590-ABF8-40C4-8F46-6BADF441C057}</a:tableStyleId>
               </a:tblPr>
               <a:tblGrid>
                 <a:gridCol w="2103150"/>
@@ -36162,12 +37031,12 @@
 </p:sld>
 </file>
 
-<file path=ppt/slides/slide21.xml><?xml version="1.0" encoding="utf-8"?>
+<file path=ppt/slides/slide23.xml><?xml version="1.0" encoding="utf-8"?>
 <p:sld xmlns:a="http://schemas.openxmlformats.org/drawingml/2006/main" xmlns:r="http://schemas.openxmlformats.org/officeDocument/2006/relationships" xmlns:mc="http://schemas.openxmlformats.org/markup-compatibility/2006" xmlns:mv="urn:schemas-microsoft-com:mac:vml" xmlns:p="http://schemas.openxmlformats.org/presentationml/2006/main" xmlns:c="http://schemas.openxmlformats.org/drawingml/2006/chart" xmlns:dgm="http://schemas.openxmlformats.org/drawingml/2006/diagram" xmlns:o="urn:schemas-microsoft-com:office:office" xmlns:v="urn:schemas-microsoft-com:vml" xmlns:pvml="urn:schemas-microsoft-com:office:powerpoint" xmlns:com="http://schemas.openxmlformats.org/drawingml/2006/compatibility" xmlns:p14="http://schemas.microsoft.com/office/powerpoint/2010/main" xmlns:p15="http://schemas.microsoft.com/office/powerpoint/2012/main" xmlns:ahyp="http://schemas.microsoft.com/office/drawing/2018/hyperlinkcolor">
   <p:cSld>
     <p:spTree>
       <p:nvGrpSpPr>
-        <p:cNvPr id="350" name="Shape 350"/>
+        <p:cNvPr id="365" name="Shape 365"/>
         <p:cNvGrpSpPr/>
         <p:nvPr/>
       </p:nvGrpSpPr>
@@ -36181,7 +37050,7 @@
       </p:grpSpPr>
       <p:sp>
         <p:nvSpPr>
-          <p:cNvPr id="351" name="Google Shape;351;g10f6902466b_0_123"/>
+          <p:cNvPr id="366" name="Google Shape;366;g10f6902466b_0_123"/>
           <p:cNvSpPr txBox="1"/>
           <p:nvPr/>
         </p:nvSpPr>
@@ -36242,7 +37111,7 @@
       </p:sp>
       <p:sp>
         <p:nvSpPr>
-          <p:cNvPr id="352" name="Google Shape;352;g10f6902466b_0_123"/>
+          <p:cNvPr id="367" name="Google Shape;367;g10f6902466b_0_123"/>
           <p:cNvSpPr txBox="1"/>
           <p:nvPr/>
         </p:nvSpPr>
@@ -36687,12 +37556,12 @@
 </p:sld>
 </file>
 
-<file path=ppt/slides/slide22.xml><?xml version="1.0" encoding="utf-8"?>
+<file path=ppt/slides/slide24.xml><?xml version="1.0" encoding="utf-8"?>
 <p:sld xmlns:a="http://schemas.openxmlformats.org/drawingml/2006/main" xmlns:r="http://schemas.openxmlformats.org/officeDocument/2006/relationships" xmlns:mc="http://schemas.openxmlformats.org/markup-compatibility/2006" xmlns:mv="urn:schemas-microsoft-com:mac:vml" xmlns:p="http://schemas.openxmlformats.org/presentationml/2006/main" xmlns:c="http://schemas.openxmlformats.org/drawingml/2006/chart" xmlns:dgm="http://schemas.openxmlformats.org/drawingml/2006/diagram" xmlns:o="urn:schemas-microsoft-com:office:office" xmlns:v="urn:schemas-microsoft-com:vml" xmlns:pvml="urn:schemas-microsoft-com:office:powerpoint" xmlns:com="http://schemas.openxmlformats.org/drawingml/2006/compatibility" xmlns:p14="http://schemas.microsoft.com/office/powerpoint/2010/main" xmlns:p15="http://schemas.microsoft.com/office/powerpoint/2012/main" xmlns:ahyp="http://schemas.microsoft.com/office/drawing/2018/hyperlinkcolor">
   <p:cSld>
     <p:spTree>
       <p:nvGrpSpPr>
-        <p:cNvPr id="356" name="Shape 356"/>
+        <p:cNvPr id="371" name="Shape 371"/>
         <p:cNvGrpSpPr/>
         <p:nvPr/>
       </p:nvGrpSpPr>
@@ -36706,7 +37575,7 @@
       </p:grpSpPr>
       <p:sp>
         <p:nvSpPr>
-          <p:cNvPr id="357" name="Google Shape;357;g10f64c41995_0_0"/>
+          <p:cNvPr id="372" name="Google Shape;372;g10f64c41995_0_0"/>
           <p:cNvSpPr txBox="1"/>
           <p:nvPr/>
         </p:nvSpPr>
@@ -36767,7 +37636,7 @@
       </p:sp>
       <p:sp>
         <p:nvSpPr>
-          <p:cNvPr id="358" name="Google Shape;358;g10f64c41995_0_0"/>
+          <p:cNvPr id="373" name="Google Shape;373;g10f64c41995_0_0"/>
           <p:cNvSpPr txBox="1"/>
           <p:nvPr/>
         </p:nvSpPr>
@@ -36935,12 +37804,12 @@
 </p:sld>
 </file>
 
-<file path=ppt/slides/slide23.xml><?xml version="1.0" encoding="utf-8"?>
+<file path=ppt/slides/slide25.xml><?xml version="1.0" encoding="utf-8"?>
 <p:sld xmlns:a="http://schemas.openxmlformats.org/drawingml/2006/main" xmlns:r="http://schemas.openxmlformats.org/officeDocument/2006/relationships" xmlns:mc="http://schemas.openxmlformats.org/markup-compatibility/2006" xmlns:mv="urn:schemas-microsoft-com:mac:vml" xmlns:p="http://schemas.openxmlformats.org/presentationml/2006/main" xmlns:c="http://schemas.openxmlformats.org/drawingml/2006/chart" xmlns:dgm="http://schemas.openxmlformats.org/drawingml/2006/diagram" xmlns:o="urn:schemas-microsoft-com:office:office" xmlns:v="urn:schemas-microsoft-com:vml" xmlns:pvml="urn:schemas-microsoft-com:office:powerpoint" xmlns:com="http://schemas.openxmlformats.org/drawingml/2006/compatibility" xmlns:p14="http://schemas.microsoft.com/office/powerpoint/2010/main" xmlns:p15="http://schemas.microsoft.com/office/powerpoint/2012/main" xmlns:ahyp="http://schemas.microsoft.com/office/drawing/2018/hyperlinkcolor">
   <p:cSld>
     <p:spTree>
       <p:nvGrpSpPr>
-        <p:cNvPr id="362" name="Shape 362"/>
+        <p:cNvPr id="377" name="Shape 377"/>
         <p:cNvGrpSpPr/>
         <p:nvPr/>
       </p:nvGrpSpPr>
@@ -36954,7 +37823,7 @@
       </p:grpSpPr>
       <p:sp>
         <p:nvSpPr>
-          <p:cNvPr id="363" name="Google Shape;363;g10f6902466b_0_62"/>
+          <p:cNvPr id="378" name="Google Shape;378;g10f6902466b_0_62"/>
           <p:cNvSpPr txBox="1"/>
           <p:nvPr/>
         </p:nvSpPr>
@@ -37015,7 +37884,7 @@
       </p:sp>
       <p:sp>
         <p:nvSpPr>
-          <p:cNvPr id="364" name="Google Shape;364;g10f6902466b_0_62"/>
+          <p:cNvPr id="379" name="Google Shape;379;g10f6902466b_0_62"/>
           <p:cNvSpPr txBox="1"/>
           <p:nvPr/>
         </p:nvSpPr>
@@ -37195,12 +38064,12 @@
 </p:sld>
 </file>
 
-<file path=ppt/slides/slide24.xml><?xml version="1.0" encoding="utf-8"?>
+<file path=ppt/slides/slide26.xml><?xml version="1.0" encoding="utf-8"?>
 <p:sld xmlns:a="http://schemas.openxmlformats.org/drawingml/2006/main" xmlns:r="http://schemas.openxmlformats.org/officeDocument/2006/relationships" xmlns:mc="http://schemas.openxmlformats.org/markup-compatibility/2006" xmlns:mv="urn:schemas-microsoft-com:mac:vml" xmlns:p="http://schemas.openxmlformats.org/presentationml/2006/main" xmlns:c="http://schemas.openxmlformats.org/drawingml/2006/chart" xmlns:dgm="http://schemas.openxmlformats.org/drawingml/2006/diagram" xmlns:o="urn:schemas-microsoft-com:office:office" xmlns:v="urn:schemas-microsoft-com:vml" xmlns:pvml="urn:schemas-microsoft-com:office:powerpoint" xmlns:com="http://schemas.openxmlformats.org/drawingml/2006/compatibility" xmlns:p14="http://schemas.microsoft.com/office/powerpoint/2010/main" xmlns:p15="http://schemas.microsoft.com/office/powerpoint/2012/main" xmlns:ahyp="http://schemas.microsoft.com/office/drawing/2018/hyperlinkcolor">
   <p:cSld>
     <p:spTree>
       <p:nvGrpSpPr>
-        <p:cNvPr id="368" name="Shape 368"/>
+        <p:cNvPr id="383" name="Shape 383"/>
         <p:cNvGrpSpPr/>
         <p:nvPr/>
       </p:nvGrpSpPr>
@@ -37214,7 +38083,7 @@
       </p:grpSpPr>
       <p:sp>
         <p:nvSpPr>
-          <p:cNvPr id="369" name="Google Shape;369;g10f6902466b_0_67"/>
+          <p:cNvPr id="384" name="Google Shape;384;g10f6902466b_0_67"/>
           <p:cNvSpPr txBox="1"/>
           <p:nvPr/>
         </p:nvSpPr>
@@ -37275,7 +38144,7 @@
       </p:sp>
       <p:sp>
         <p:nvSpPr>
-          <p:cNvPr id="370" name="Google Shape;370;g10f6902466b_0_67"/>
+          <p:cNvPr id="385" name="Google Shape;385;g10f6902466b_0_67"/>
           <p:cNvSpPr txBox="1"/>
           <p:nvPr/>
         </p:nvSpPr>
@@ -37455,12 +38324,12 @@
 </p:sld>
 </file>
 
-<file path=ppt/slides/slide25.xml><?xml version="1.0" encoding="utf-8"?>
+<file path=ppt/slides/slide27.xml><?xml version="1.0" encoding="utf-8"?>
 <p:sld xmlns:a="http://schemas.openxmlformats.org/drawingml/2006/main" xmlns:r="http://schemas.openxmlformats.org/officeDocument/2006/relationships" xmlns:mc="http://schemas.openxmlformats.org/markup-compatibility/2006" xmlns:mv="urn:schemas-microsoft-com:mac:vml" xmlns:p="http://schemas.openxmlformats.org/presentationml/2006/main" xmlns:c="http://schemas.openxmlformats.org/drawingml/2006/chart" xmlns:dgm="http://schemas.openxmlformats.org/drawingml/2006/diagram" xmlns:o="urn:schemas-microsoft-com:office:office" xmlns:v="urn:schemas-microsoft-com:vml" xmlns:pvml="urn:schemas-microsoft-com:office:powerpoint" xmlns:com="http://schemas.openxmlformats.org/drawingml/2006/compatibility" xmlns:p14="http://schemas.microsoft.com/office/powerpoint/2010/main" xmlns:p15="http://schemas.microsoft.com/office/powerpoint/2012/main" xmlns:ahyp="http://schemas.microsoft.com/office/drawing/2018/hyperlinkcolor">
   <p:cSld>
     <p:spTree>
       <p:nvGrpSpPr>
-        <p:cNvPr id="374" name="Shape 374"/>
+        <p:cNvPr id="389" name="Shape 389"/>
         <p:cNvGrpSpPr/>
         <p:nvPr/>
       </p:nvGrpSpPr>
@@ -37474,7 +38343,7 @@
       </p:grpSpPr>
       <p:sp>
         <p:nvSpPr>
-          <p:cNvPr id="375" name="Google Shape;375;g10f6902466b_0_56"/>
+          <p:cNvPr id="390" name="Google Shape;390;g10f6902466b_0_56"/>
           <p:cNvSpPr txBox="1"/>
           <p:nvPr/>
         </p:nvSpPr>
@@ -37535,7 +38404,7 @@
       </p:sp>
       <p:sp>
         <p:nvSpPr>
-          <p:cNvPr id="376" name="Google Shape;376;g10f6902466b_0_56"/>
+          <p:cNvPr id="391" name="Google Shape;391;g10f6902466b_0_56"/>
           <p:cNvSpPr txBox="1"/>
           <p:nvPr/>
         </p:nvSpPr>
@@ -37631,7 +38500,7 @@
       </p:sp>
       <p:sp>
         <p:nvSpPr>
-          <p:cNvPr id="377" name="Google Shape;377;g10f6902466b_0_56"/>
+          <p:cNvPr id="392" name="Google Shape;392;g10f6902466b_0_56"/>
           <p:cNvSpPr txBox="1"/>
           <p:nvPr/>
         </p:nvSpPr>
@@ -37785,12 +38654,12 @@
 </p:sld>
 </file>
 
-<file path=ppt/slides/slide26.xml><?xml version="1.0" encoding="utf-8"?>
+<file path=ppt/slides/slide28.xml><?xml version="1.0" encoding="utf-8"?>
 <p:sld xmlns:a="http://schemas.openxmlformats.org/drawingml/2006/main" xmlns:r="http://schemas.openxmlformats.org/officeDocument/2006/relationships" xmlns:mc="http://schemas.openxmlformats.org/markup-compatibility/2006" xmlns:mv="urn:schemas-microsoft-com:mac:vml" xmlns:p="http://schemas.openxmlformats.org/presentationml/2006/main" xmlns:c="http://schemas.openxmlformats.org/drawingml/2006/chart" xmlns:dgm="http://schemas.openxmlformats.org/drawingml/2006/diagram" xmlns:o="urn:schemas-microsoft-com:office:office" xmlns:v="urn:schemas-microsoft-com:vml" xmlns:pvml="urn:schemas-microsoft-com:office:powerpoint" xmlns:com="http://schemas.openxmlformats.org/drawingml/2006/compatibility" xmlns:p14="http://schemas.microsoft.com/office/powerpoint/2010/main" xmlns:p15="http://schemas.microsoft.com/office/powerpoint/2012/main" xmlns:ahyp="http://schemas.microsoft.com/office/drawing/2018/hyperlinkcolor">
   <p:cSld>
     <p:spTree>
       <p:nvGrpSpPr>
-        <p:cNvPr id="381" name="Shape 381"/>
+        <p:cNvPr id="396" name="Shape 396"/>
         <p:cNvGrpSpPr/>
         <p:nvPr/>
       </p:nvGrpSpPr>
@@ -37804,7 +38673,7 @@
       </p:grpSpPr>
       <p:sp>
         <p:nvSpPr>
-          <p:cNvPr id="382" name="Google Shape;382;g10f8b4e1e0b_0_71"/>
+          <p:cNvPr id="397" name="Google Shape;397;g10f8b4e1e0b_0_71"/>
           <p:cNvSpPr txBox="1"/>
           <p:nvPr/>
         </p:nvSpPr>
@@ -37865,7 +38734,7 @@
       </p:sp>
       <p:pic>
         <p:nvPicPr>
-          <p:cNvPr id="383" name="Google Shape;383;g10f8b4e1e0b_0_71"/>
+          <p:cNvPr id="398" name="Google Shape;398;g10f8b4e1e0b_0_71"/>
           <p:cNvPicPr preferRelativeResize="0"/>
           <p:nvPr/>
         </p:nvPicPr>
@@ -37899,12 +38768,12 @@
 </p:sld>
 </file>
 
-<file path=ppt/slides/slide27.xml><?xml version="1.0" encoding="utf-8"?>
+<file path=ppt/slides/slide29.xml><?xml version="1.0" encoding="utf-8"?>
 <p:sld xmlns:a="http://schemas.openxmlformats.org/drawingml/2006/main" xmlns:r="http://schemas.openxmlformats.org/officeDocument/2006/relationships" xmlns:mc="http://schemas.openxmlformats.org/markup-compatibility/2006" xmlns:mv="urn:schemas-microsoft-com:mac:vml" xmlns:p="http://schemas.openxmlformats.org/presentationml/2006/main" xmlns:c="http://schemas.openxmlformats.org/drawingml/2006/chart" xmlns:dgm="http://schemas.openxmlformats.org/drawingml/2006/diagram" xmlns:o="urn:schemas-microsoft-com:office:office" xmlns:v="urn:schemas-microsoft-com:vml" xmlns:pvml="urn:schemas-microsoft-com:office:powerpoint" xmlns:com="http://schemas.openxmlformats.org/drawingml/2006/compatibility" xmlns:p14="http://schemas.microsoft.com/office/powerpoint/2010/main" xmlns:p15="http://schemas.microsoft.com/office/powerpoint/2012/main" xmlns:ahyp="http://schemas.microsoft.com/office/drawing/2018/hyperlinkcolor">
   <p:cSld>
     <p:spTree>
       <p:nvGrpSpPr>
-        <p:cNvPr id="387" name="Shape 387"/>
+        <p:cNvPr id="402" name="Shape 402"/>
         <p:cNvGrpSpPr/>
         <p:nvPr/>
       </p:nvGrpSpPr>
@@ -37918,7 +38787,7 @@
       </p:grpSpPr>
       <p:sp>
         <p:nvSpPr>
-          <p:cNvPr id="388" name="Google Shape;388;g10f8b4e1e0b_0_40"/>
+          <p:cNvPr id="403" name="Google Shape;403;g10f8b4e1e0b_0_40"/>
           <p:cNvSpPr txBox="1"/>
           <p:nvPr/>
         </p:nvSpPr>
@@ -38197,7 +39066,7 @@
       </p:sp>
       <p:sp>
         <p:nvSpPr>
-          <p:cNvPr id="389" name="Google Shape;389;g10f8b4e1e0b_0_40"/>
+          <p:cNvPr id="404" name="Google Shape;404;g10f8b4e1e0b_0_40"/>
           <p:cNvSpPr txBox="1"/>
           <p:nvPr/>
         </p:nvSpPr>
@@ -38269,7 +39138,7 @@
       </p:sp>
       <p:sp>
         <p:nvSpPr>
-          <p:cNvPr id="390" name="Google Shape;390;g10f8b4e1e0b_0_40"/>
+          <p:cNvPr id="405" name="Google Shape;405;g10f8b4e1e0b_0_40"/>
           <p:cNvSpPr txBox="1"/>
           <p:nvPr/>
         </p:nvSpPr>
@@ -38467,7 +39336,7 @@
       </p:sp>
       <p:sp>
         <p:nvSpPr>
-          <p:cNvPr id="391" name="Google Shape;391;g10f8b4e1e0b_0_40"/>
+          <p:cNvPr id="406" name="Google Shape;406;g10f8b4e1e0b_0_40"/>
           <p:cNvSpPr txBox="1"/>
           <p:nvPr/>
         </p:nvSpPr>
@@ -38679,1445 +39548,6 @@
                 </a:solidFill>
               </a:rPr>
               <a:t>(mandatory)</a:t>
-            </a:r>
-            <a:endParaRPr>
-              <a:solidFill>
-                <a:srgbClr val="FF0000"/>
-              </a:solidFill>
-            </a:endParaRPr>
-          </a:p>
-        </p:txBody>
-      </p:sp>
-    </p:spTree>
-  </p:cSld>
-  <p:clrMapOvr>
-    <a:masterClrMapping/>
-  </p:clrMapOvr>
-</p:sld>
-</file>
-
-<file path=ppt/slides/slide28.xml><?xml version="1.0" encoding="utf-8"?>
-<p:sld xmlns:a="http://schemas.openxmlformats.org/drawingml/2006/main" xmlns:r="http://schemas.openxmlformats.org/officeDocument/2006/relationships" xmlns:mc="http://schemas.openxmlformats.org/markup-compatibility/2006" xmlns:mv="urn:schemas-microsoft-com:mac:vml" xmlns:p="http://schemas.openxmlformats.org/presentationml/2006/main" xmlns:c="http://schemas.openxmlformats.org/drawingml/2006/chart" xmlns:dgm="http://schemas.openxmlformats.org/drawingml/2006/diagram" xmlns:o="urn:schemas-microsoft-com:office:office" xmlns:v="urn:schemas-microsoft-com:vml" xmlns:pvml="urn:schemas-microsoft-com:office:powerpoint" xmlns:com="http://schemas.openxmlformats.org/drawingml/2006/compatibility" xmlns:p14="http://schemas.microsoft.com/office/powerpoint/2010/main" xmlns:p15="http://schemas.microsoft.com/office/powerpoint/2012/main" xmlns:ahyp="http://schemas.microsoft.com/office/drawing/2018/hyperlinkcolor">
-  <p:cSld>
-    <p:spTree>
-      <p:nvGrpSpPr>
-        <p:cNvPr id="395" name="Shape 395"/>
-        <p:cNvGrpSpPr/>
-        <p:nvPr/>
-      </p:nvGrpSpPr>
-      <p:grpSpPr>
-        <a:xfrm>
-          <a:off x="0" y="0"/>
-          <a:ext cx="0" cy="0"/>
-          <a:chOff x="0" y="0"/>
-          <a:chExt cx="0" cy="0"/>
-        </a:xfrm>
-      </p:grpSpPr>
-      <p:sp>
-        <p:nvSpPr>
-          <p:cNvPr id="396" name="Google Shape;396;g10f8b4e1e0b_0_45"/>
-          <p:cNvSpPr txBox="1"/>
-          <p:nvPr/>
-        </p:nvSpPr>
-        <p:spPr>
-          <a:xfrm>
-            <a:off x="318240" y="156240"/>
-            <a:ext cx="8433300" cy="480600"/>
-          </a:xfrm>
-          <a:prstGeom prst="rect">
-            <a:avLst/>
-          </a:prstGeom>
-          <a:noFill/>
-          <a:ln>
-            <a:noFill/>
-          </a:ln>
-        </p:spPr>
-        <p:txBody>
-          <a:bodyPr anchorCtr="0" anchor="t" bIns="91425" lIns="91425" spcFirstLastPara="1" rIns="91425" wrap="square" tIns="91425">
-            <a:noAutofit/>
-          </a:bodyPr>
-          <a:lstStyle/>
-          <a:p>
-            <a:pPr indent="0" lvl="0" marL="0" marR="0" rtl="0" algn="l">
-              <a:lnSpc>
-                <a:spcPct val="115000"/>
-              </a:lnSpc>
-              <a:spcBef>
-                <a:spcPts val="0"/>
-              </a:spcBef>
-              <a:spcAft>
-                <a:spcPts val="0"/>
-              </a:spcAft>
-              <a:buNone/>
-            </a:pPr>
-            <a:r>
-              <a:rPr b="1" lang="en" sz="2000">
-                <a:solidFill>
-                  <a:srgbClr val="F46524"/>
-                </a:solidFill>
-                <a:latin typeface="Raleway"/>
-                <a:ea typeface="Raleway"/>
-                <a:cs typeface="Raleway"/>
-                <a:sym typeface="Raleway"/>
-              </a:rPr>
-              <a:t>Challenge: </a:t>
-            </a:r>
-            <a:r>
-              <a:rPr b="1" lang="en" sz="1500">
-                <a:solidFill>
-                  <a:srgbClr val="181F2C"/>
-                </a:solidFill>
-                <a:highlight>
-                  <a:srgbClr val="FFFFFF"/>
-                </a:highlight>
-              </a:rPr>
-              <a:t>Compatibilidad backward (backward branches)</a:t>
-            </a:r>
-            <a:endParaRPr b="0" i="0" sz="2000" u="none" cap="none" strike="noStrike">
-              <a:solidFill>
-                <a:srgbClr val="000000"/>
-              </a:solidFill>
-              <a:latin typeface="Arial"/>
-              <a:ea typeface="Arial"/>
-              <a:cs typeface="Arial"/>
-              <a:sym typeface="Arial"/>
-            </a:endParaRPr>
-          </a:p>
-        </p:txBody>
-      </p:sp>
-      <p:sp>
-        <p:nvSpPr>
-          <p:cNvPr id="397" name="Google Shape;397;g10f8b4e1e0b_0_45"/>
-          <p:cNvSpPr txBox="1"/>
-          <p:nvPr/>
-        </p:nvSpPr>
-        <p:spPr>
-          <a:xfrm>
-            <a:off x="657500" y="968950"/>
-            <a:ext cx="7962900" cy="3937800"/>
-          </a:xfrm>
-          <a:prstGeom prst="rect">
-            <a:avLst/>
-          </a:prstGeom>
-          <a:noFill/>
-          <a:ln>
-            <a:noFill/>
-          </a:ln>
-        </p:spPr>
-        <p:txBody>
-          <a:bodyPr anchorCtr="0" anchor="t" bIns="91425" lIns="91425" spcFirstLastPara="1" rIns="91425" wrap="square" tIns="91425">
-            <a:spAutoFit/>
-          </a:bodyPr>
-          <a:lstStyle/>
-          <a:p>
-            <a:pPr indent="0" lvl="0" marL="0" rtl="0" algn="l">
-              <a:lnSpc>
-                <a:spcPct val="175000"/>
-              </a:lnSpc>
-              <a:spcBef>
-                <a:spcPts val="1400"/>
-              </a:spcBef>
-              <a:spcAft>
-                <a:spcPts val="0"/>
-              </a:spcAft>
-              <a:buNone/>
-            </a:pPr>
-            <a:r>
-              <a:rPr lang="en">
-                <a:solidFill>
-                  <a:schemeClr val="dk1"/>
-                </a:solidFill>
-                <a:highlight>
-                  <a:srgbClr val="FFFFFF"/>
-                </a:highlight>
-              </a:rPr>
-              <a:t>Si volvemos con el ejemplo del esquema Avro V1 y se configura la compatibilidad backward se observa lo siguiente:</a:t>
-            </a:r>
-            <a:endParaRPr>
-              <a:solidFill>
-                <a:schemeClr val="dk1"/>
-              </a:solidFill>
-              <a:highlight>
-                <a:srgbClr val="FFFFFF"/>
-              </a:highlight>
-            </a:endParaRPr>
-          </a:p>
-          <a:p>
-            <a:pPr indent="-317500" lvl="0" marL="457200" rtl="0" algn="l">
-              <a:lnSpc>
-                <a:spcPct val="175000"/>
-              </a:lnSpc>
-              <a:spcBef>
-                <a:spcPts val="1400"/>
-              </a:spcBef>
-              <a:spcAft>
-                <a:spcPts val="0"/>
-              </a:spcAft>
-              <a:buClr>
-                <a:schemeClr val="dk1"/>
-              </a:buClr>
-              <a:buSzPts val="1400"/>
-              <a:buChar char="●"/>
-            </a:pPr>
-            <a:r>
-              <a:rPr lang="en">
-                <a:solidFill>
-                  <a:schemeClr val="dk1"/>
-                </a:solidFill>
-                <a:highlight>
-                  <a:srgbClr val="FFFFFF"/>
-                </a:highlight>
-              </a:rPr>
-              <a:t>Se añade un nuevo consumidor (consumidor v2), con un nuevo esquema (v2) que incluye un campo adicional (age) con un valor por defecto y borra un campo (name).</a:t>
-            </a:r>
-            <a:endParaRPr>
-              <a:solidFill>
-                <a:schemeClr val="dk1"/>
-              </a:solidFill>
-              <a:highlight>
-                <a:srgbClr val="FFFFFF"/>
-              </a:highlight>
-            </a:endParaRPr>
-          </a:p>
-          <a:p>
-            <a:pPr indent="0" lvl="0" marL="457200" rtl="0" algn="l">
-              <a:lnSpc>
-                <a:spcPct val="175000"/>
-              </a:lnSpc>
-              <a:spcBef>
-                <a:spcPts val="1400"/>
-              </a:spcBef>
-              <a:spcAft>
-                <a:spcPts val="0"/>
-              </a:spcAft>
-              <a:buNone/>
-            </a:pPr>
-            <a:r>
-              <a:t/>
-            </a:r>
-            <a:endParaRPr>
-              <a:solidFill>
-                <a:srgbClr val="181F2C"/>
-              </a:solidFill>
-              <a:highlight>
-                <a:srgbClr val="FFFFFF"/>
-              </a:highlight>
-            </a:endParaRPr>
-          </a:p>
-          <a:p>
-            <a:pPr indent="0" lvl="0" marL="457200" rtl="0" algn="l">
-              <a:lnSpc>
-                <a:spcPct val="175000"/>
-              </a:lnSpc>
-              <a:spcBef>
-                <a:spcPts val="1400"/>
-              </a:spcBef>
-              <a:spcAft>
-                <a:spcPts val="0"/>
-              </a:spcAft>
-              <a:buNone/>
-            </a:pPr>
-            <a:r>
-              <a:t/>
-            </a:r>
-            <a:endParaRPr>
-              <a:solidFill>
-                <a:srgbClr val="181F2C"/>
-              </a:solidFill>
-              <a:highlight>
-                <a:srgbClr val="FFFFFF"/>
-              </a:highlight>
-            </a:endParaRPr>
-          </a:p>
-          <a:p>
-            <a:pPr indent="0" lvl="0" marL="457200" rtl="0" algn="l">
-              <a:lnSpc>
-                <a:spcPct val="175000"/>
-              </a:lnSpc>
-              <a:spcBef>
-                <a:spcPts val="1400"/>
-              </a:spcBef>
-              <a:spcAft>
-                <a:spcPts val="0"/>
-              </a:spcAft>
-              <a:buNone/>
-            </a:pPr>
-            <a:r>
-              <a:t/>
-            </a:r>
-            <a:endParaRPr>
-              <a:solidFill>
-                <a:srgbClr val="181F2C"/>
-              </a:solidFill>
-              <a:highlight>
-                <a:srgbClr val="FFFFFF"/>
-              </a:highlight>
-            </a:endParaRPr>
-          </a:p>
-          <a:p>
-            <a:pPr indent="0" lvl="0" marL="0" rtl="0" algn="l">
-              <a:lnSpc>
-                <a:spcPct val="175000"/>
-              </a:lnSpc>
-              <a:spcBef>
-                <a:spcPts val="1400"/>
-              </a:spcBef>
-              <a:spcAft>
-                <a:spcPts val="400"/>
-              </a:spcAft>
-              <a:buNone/>
-            </a:pPr>
-            <a:r>
-              <a:rPr lang="en">
-                <a:solidFill>
-                  <a:srgbClr val="181F2C"/>
-                </a:solidFill>
-                <a:highlight>
-                  <a:srgbClr val="FFFFFF"/>
-                </a:highlight>
-              </a:rPr>
-              <a:t>El nuevo consumidor (Consumidor v2), es capaz de procesar mensajes de ambos productores ?</a:t>
-            </a:r>
-            <a:endParaRPr>
-              <a:solidFill>
-                <a:srgbClr val="181F2C"/>
-              </a:solidFill>
-              <a:highlight>
-                <a:srgbClr val="FFFFFF"/>
-              </a:highlight>
-            </a:endParaRPr>
-          </a:p>
-        </p:txBody>
-      </p:sp>
-      <p:sp>
-        <p:nvSpPr>
-          <p:cNvPr id="398" name="Google Shape;398;g10f8b4e1e0b_0_45"/>
-          <p:cNvSpPr txBox="1"/>
-          <p:nvPr/>
-        </p:nvSpPr>
-        <p:spPr>
-          <a:xfrm>
-            <a:off x="769475" y="2769375"/>
-            <a:ext cx="3712800" cy="1477500"/>
-          </a:xfrm>
-          <a:prstGeom prst="rect">
-            <a:avLst/>
-          </a:prstGeom>
-          <a:noFill/>
-          <a:ln>
-            <a:noFill/>
-          </a:ln>
-          <a:effectLst>
-            <a:outerShdw blurRad="57150" rotWithShape="0" algn="bl" dir="5400000" dist="19050">
-              <a:srgbClr val="000000">
-                <a:alpha val="50000"/>
-              </a:srgbClr>
-            </a:outerShdw>
-          </a:effectLst>
-        </p:spPr>
-        <p:txBody>
-          <a:bodyPr anchorCtr="0" anchor="t" bIns="91425" lIns="91425" spcFirstLastPara="1" rIns="91425" wrap="square" tIns="91425">
-            <a:spAutoFit/>
-          </a:bodyPr>
-          <a:lstStyle/>
-          <a:p>
-            <a:pPr indent="0" lvl="0" marL="0" rtl="0" algn="l">
-              <a:spcBef>
-                <a:spcPts val="0"/>
-              </a:spcBef>
-              <a:spcAft>
-                <a:spcPts val="0"/>
-              </a:spcAft>
-              <a:buNone/>
-            </a:pPr>
-            <a:r>
-              <a:rPr lang="en">
-                <a:solidFill>
-                  <a:schemeClr val="dk1"/>
-                </a:solidFill>
-              </a:rPr>
-              <a:t>Customer V1</a:t>
-            </a:r>
-            <a:endParaRPr>
-              <a:solidFill>
-                <a:schemeClr val="dk1"/>
-              </a:solidFill>
-            </a:endParaRPr>
-          </a:p>
-          <a:p>
-            <a:pPr indent="0" lvl="0" marL="0" rtl="0" algn="l">
-              <a:spcBef>
-                <a:spcPts val="0"/>
-              </a:spcBef>
-              <a:spcAft>
-                <a:spcPts val="0"/>
-              </a:spcAft>
-              <a:buNone/>
-            </a:pPr>
-            <a:r>
-              <a:t/>
-            </a:r>
-            <a:endParaRPr>
-              <a:solidFill>
-                <a:schemeClr val="dk1"/>
-              </a:solidFill>
-            </a:endParaRPr>
-          </a:p>
-          <a:p>
-            <a:pPr indent="0" lvl="0" marL="0" rtl="0" algn="l">
-              <a:spcBef>
-                <a:spcPts val="0"/>
-              </a:spcBef>
-              <a:spcAft>
-                <a:spcPts val="0"/>
-              </a:spcAft>
-              <a:buNone/>
-            </a:pPr>
-            <a:r>
-              <a:rPr lang="en">
-                <a:solidFill>
-                  <a:schemeClr val="dk1"/>
-                </a:solidFill>
-              </a:rPr>
-              <a:t>customerId                 long </a:t>
-            </a:r>
-            <a:r>
-              <a:rPr lang="en">
-                <a:solidFill>
-                  <a:schemeClr val="dk1"/>
-                </a:solidFill>
-              </a:rPr>
-              <a:t>(mandatory)</a:t>
-            </a:r>
-            <a:endParaRPr>
-              <a:solidFill>
-                <a:schemeClr val="dk1"/>
-              </a:solidFill>
-            </a:endParaRPr>
-          </a:p>
-          <a:p>
-            <a:pPr indent="0" lvl="0" marL="0" rtl="0" algn="l">
-              <a:spcBef>
-                <a:spcPts val="0"/>
-              </a:spcBef>
-              <a:spcAft>
-                <a:spcPts val="0"/>
-              </a:spcAft>
-              <a:buNone/>
-            </a:pPr>
-            <a:r>
-              <a:rPr lang="en">
-                <a:solidFill>
-                  <a:schemeClr val="dk1"/>
-                </a:solidFill>
-              </a:rPr>
-              <a:t>timestamp                  long </a:t>
-            </a:r>
-            <a:r>
-              <a:rPr lang="en">
-                <a:solidFill>
-                  <a:schemeClr val="dk1"/>
-                </a:solidFill>
-              </a:rPr>
-              <a:t>(mandatory)</a:t>
-            </a:r>
-            <a:endParaRPr>
-              <a:solidFill>
-                <a:schemeClr val="dk1"/>
-              </a:solidFill>
-            </a:endParaRPr>
-          </a:p>
-          <a:p>
-            <a:pPr indent="0" lvl="0" marL="0" rtl="0" algn="l">
-              <a:spcBef>
-                <a:spcPts val="0"/>
-              </a:spcBef>
-              <a:spcAft>
-                <a:spcPts val="0"/>
-              </a:spcAft>
-              <a:buNone/>
-            </a:pPr>
-            <a:r>
-              <a:rPr lang="en">
-                <a:solidFill>
-                  <a:schemeClr val="dk1"/>
-                </a:solidFill>
-              </a:rPr>
-              <a:t>name                          string </a:t>
-            </a:r>
-            <a:r>
-              <a:rPr lang="en">
-                <a:solidFill>
-                  <a:schemeClr val="dk1"/>
-                </a:solidFill>
-              </a:rPr>
-              <a:t>(mandatory)</a:t>
-            </a:r>
-            <a:endParaRPr>
-              <a:solidFill>
-                <a:schemeClr val="dk1"/>
-              </a:solidFill>
-            </a:endParaRPr>
-          </a:p>
-          <a:p>
-            <a:pPr indent="0" lvl="0" marL="0" rtl="0" algn="l">
-              <a:spcBef>
-                <a:spcPts val="0"/>
-              </a:spcBef>
-              <a:spcAft>
-                <a:spcPts val="0"/>
-              </a:spcAft>
-              <a:buNone/>
-            </a:pPr>
-            <a:r>
-              <a:rPr lang="en">
-                <a:solidFill>
-                  <a:schemeClr val="dk1"/>
-                </a:solidFill>
-              </a:rPr>
-              <a:t>email                          string (optional)</a:t>
-            </a:r>
-            <a:endParaRPr/>
-          </a:p>
-        </p:txBody>
-      </p:sp>
-      <p:sp>
-        <p:nvSpPr>
-          <p:cNvPr id="399" name="Google Shape;399;g10f8b4e1e0b_0_45"/>
-          <p:cNvSpPr txBox="1"/>
-          <p:nvPr/>
-        </p:nvSpPr>
-        <p:spPr>
-          <a:xfrm>
-            <a:off x="4926100" y="2697650"/>
-            <a:ext cx="3503100" cy="1693200"/>
-          </a:xfrm>
-          <a:prstGeom prst="rect">
-            <a:avLst/>
-          </a:prstGeom>
-          <a:noFill/>
-          <a:ln>
-            <a:noFill/>
-          </a:ln>
-          <a:effectLst>
-            <a:outerShdw blurRad="57150" rotWithShape="0" algn="bl" dir="5400000" dist="19050">
-              <a:srgbClr val="000000">
-                <a:alpha val="50000"/>
-              </a:srgbClr>
-            </a:outerShdw>
-          </a:effectLst>
-        </p:spPr>
-        <p:txBody>
-          <a:bodyPr anchorCtr="0" anchor="t" bIns="91425" lIns="91425" spcFirstLastPara="1" rIns="91425" wrap="square" tIns="91425">
-            <a:spAutoFit/>
-          </a:bodyPr>
-          <a:lstStyle/>
-          <a:p>
-            <a:pPr indent="0" lvl="0" marL="0" rtl="0" algn="l">
-              <a:spcBef>
-                <a:spcPts val="0"/>
-              </a:spcBef>
-              <a:spcAft>
-                <a:spcPts val="0"/>
-              </a:spcAft>
-              <a:buNone/>
-            </a:pPr>
-            <a:r>
-              <a:rPr lang="en">
-                <a:solidFill>
-                  <a:schemeClr val="dk1"/>
-                </a:solidFill>
-              </a:rPr>
-              <a:t>Customer V2</a:t>
-            </a:r>
-            <a:endParaRPr>
-              <a:solidFill>
-                <a:schemeClr val="dk1"/>
-              </a:solidFill>
-            </a:endParaRPr>
-          </a:p>
-          <a:p>
-            <a:pPr indent="0" lvl="0" marL="0" rtl="0" algn="l">
-              <a:spcBef>
-                <a:spcPts val="0"/>
-              </a:spcBef>
-              <a:spcAft>
-                <a:spcPts val="0"/>
-              </a:spcAft>
-              <a:buNone/>
-            </a:pPr>
-            <a:r>
-              <a:t/>
-            </a:r>
-            <a:endParaRPr>
-              <a:solidFill>
-                <a:schemeClr val="dk1"/>
-              </a:solidFill>
-            </a:endParaRPr>
-          </a:p>
-          <a:p>
-            <a:pPr indent="0" lvl="0" marL="0" rtl="0" algn="l">
-              <a:spcBef>
-                <a:spcPts val="0"/>
-              </a:spcBef>
-              <a:spcAft>
-                <a:spcPts val="0"/>
-              </a:spcAft>
-              <a:buNone/>
-            </a:pPr>
-            <a:r>
-              <a:rPr lang="en">
-                <a:solidFill>
-                  <a:schemeClr val="dk1"/>
-                </a:solidFill>
-              </a:rPr>
-              <a:t>customerId                 long </a:t>
-            </a:r>
-            <a:r>
-              <a:rPr lang="en">
-                <a:solidFill>
-                  <a:schemeClr val="dk1"/>
-                </a:solidFill>
-              </a:rPr>
-              <a:t>(mandatory)</a:t>
-            </a:r>
-            <a:endParaRPr>
-              <a:solidFill>
-                <a:schemeClr val="dk1"/>
-              </a:solidFill>
-            </a:endParaRPr>
-          </a:p>
-          <a:p>
-            <a:pPr indent="0" lvl="0" marL="0" rtl="0" algn="l">
-              <a:spcBef>
-                <a:spcPts val="0"/>
-              </a:spcBef>
-              <a:spcAft>
-                <a:spcPts val="0"/>
-              </a:spcAft>
-              <a:buNone/>
-            </a:pPr>
-            <a:r>
-              <a:rPr lang="en">
-                <a:solidFill>
-                  <a:schemeClr val="dk1"/>
-                </a:solidFill>
-              </a:rPr>
-              <a:t>timestamp                  long </a:t>
-            </a:r>
-            <a:r>
-              <a:rPr lang="en">
-                <a:solidFill>
-                  <a:schemeClr val="dk1"/>
-                </a:solidFill>
-              </a:rPr>
-              <a:t>(mandatory)</a:t>
-            </a:r>
-            <a:endParaRPr>
-              <a:solidFill>
-                <a:schemeClr val="dk1"/>
-              </a:solidFill>
-            </a:endParaRPr>
-          </a:p>
-          <a:p>
-            <a:pPr indent="0" lvl="0" marL="0" rtl="0" algn="l">
-              <a:spcBef>
-                <a:spcPts val="0"/>
-              </a:spcBef>
-              <a:spcAft>
-                <a:spcPts val="0"/>
-              </a:spcAft>
-              <a:buNone/>
-            </a:pPr>
-            <a:r>
-              <a:t/>
-            </a:r>
-            <a:endParaRPr>
-              <a:solidFill>
-                <a:schemeClr val="dk1"/>
-              </a:solidFill>
-            </a:endParaRPr>
-          </a:p>
-          <a:p>
-            <a:pPr indent="0" lvl="0" marL="0" rtl="0" algn="l">
-              <a:spcBef>
-                <a:spcPts val="0"/>
-              </a:spcBef>
-              <a:spcAft>
-                <a:spcPts val="0"/>
-              </a:spcAft>
-              <a:buNone/>
-            </a:pPr>
-            <a:r>
-              <a:rPr lang="en">
-                <a:solidFill>
-                  <a:schemeClr val="dk1"/>
-                </a:solidFill>
-              </a:rPr>
-              <a:t>email                          string (optional)</a:t>
-            </a:r>
-            <a:endParaRPr>
-              <a:solidFill>
-                <a:schemeClr val="dk1"/>
-              </a:solidFill>
-            </a:endParaRPr>
-          </a:p>
-          <a:p>
-            <a:pPr indent="0" lvl="0" marL="0" rtl="0" algn="l">
-              <a:spcBef>
-                <a:spcPts val="0"/>
-              </a:spcBef>
-              <a:spcAft>
-                <a:spcPts val="0"/>
-              </a:spcAft>
-              <a:buNone/>
-            </a:pPr>
-            <a:r>
-              <a:rPr lang="en">
-                <a:solidFill>
-                  <a:srgbClr val="FF0000"/>
-                </a:solidFill>
-              </a:rPr>
-              <a:t>age                            int </a:t>
-            </a:r>
-            <a:r>
-              <a:rPr lang="en">
-                <a:solidFill>
-                  <a:schemeClr val="dk1"/>
-                </a:solidFill>
-              </a:rPr>
-              <a:t>(mandatory)</a:t>
-            </a:r>
-            <a:endParaRPr>
-              <a:solidFill>
-                <a:srgbClr val="FF0000"/>
-              </a:solidFill>
-            </a:endParaRPr>
-          </a:p>
-        </p:txBody>
-      </p:sp>
-    </p:spTree>
-  </p:cSld>
-  <p:clrMapOvr>
-    <a:masterClrMapping/>
-  </p:clrMapOvr>
-</p:sld>
-</file>
-
-<file path=ppt/slides/slide29.xml><?xml version="1.0" encoding="utf-8"?>
-<p:sld xmlns:a="http://schemas.openxmlformats.org/drawingml/2006/main" xmlns:r="http://schemas.openxmlformats.org/officeDocument/2006/relationships" xmlns:mc="http://schemas.openxmlformats.org/markup-compatibility/2006" xmlns:mv="urn:schemas-microsoft-com:mac:vml" xmlns:p="http://schemas.openxmlformats.org/presentationml/2006/main" xmlns:c="http://schemas.openxmlformats.org/drawingml/2006/chart" xmlns:dgm="http://schemas.openxmlformats.org/drawingml/2006/diagram" xmlns:o="urn:schemas-microsoft-com:office:office" xmlns:v="urn:schemas-microsoft-com:vml" xmlns:pvml="urn:schemas-microsoft-com:office:powerpoint" xmlns:com="http://schemas.openxmlformats.org/drawingml/2006/compatibility" xmlns:p14="http://schemas.microsoft.com/office/powerpoint/2010/main" xmlns:p15="http://schemas.microsoft.com/office/powerpoint/2012/main" xmlns:ahyp="http://schemas.microsoft.com/office/drawing/2018/hyperlinkcolor">
-  <p:cSld>
-    <p:spTree>
-      <p:nvGrpSpPr>
-        <p:cNvPr id="403" name="Shape 403"/>
-        <p:cNvGrpSpPr/>
-        <p:nvPr/>
-      </p:nvGrpSpPr>
-      <p:grpSpPr>
-        <a:xfrm>
-          <a:off x="0" y="0"/>
-          <a:ext cx="0" cy="0"/>
-          <a:chOff x="0" y="0"/>
-          <a:chExt cx="0" cy="0"/>
-        </a:xfrm>
-      </p:grpSpPr>
-      <p:sp>
-        <p:nvSpPr>
-          <p:cNvPr id="404" name="Google Shape;404;g10f8b4e1e0b_0_50"/>
-          <p:cNvSpPr txBox="1"/>
-          <p:nvPr/>
-        </p:nvSpPr>
-        <p:spPr>
-          <a:xfrm>
-            <a:off x="318240" y="156240"/>
-            <a:ext cx="8433300" cy="480600"/>
-          </a:xfrm>
-          <a:prstGeom prst="rect">
-            <a:avLst/>
-          </a:prstGeom>
-          <a:noFill/>
-          <a:ln>
-            <a:noFill/>
-          </a:ln>
-        </p:spPr>
-        <p:txBody>
-          <a:bodyPr anchorCtr="0" anchor="t" bIns="91425" lIns="91425" spcFirstLastPara="1" rIns="91425" wrap="square" tIns="91425">
-            <a:noAutofit/>
-          </a:bodyPr>
-          <a:lstStyle/>
-          <a:p>
-            <a:pPr indent="0" lvl="0" marL="0" marR="0" rtl="0" algn="l">
-              <a:lnSpc>
-                <a:spcPct val="115000"/>
-              </a:lnSpc>
-              <a:spcBef>
-                <a:spcPts val="0"/>
-              </a:spcBef>
-              <a:spcAft>
-                <a:spcPts val="0"/>
-              </a:spcAft>
-              <a:buNone/>
-            </a:pPr>
-            <a:r>
-              <a:rPr b="1" lang="en" sz="2000">
-                <a:solidFill>
-                  <a:srgbClr val="F46524"/>
-                </a:solidFill>
-                <a:latin typeface="Raleway"/>
-                <a:ea typeface="Raleway"/>
-                <a:cs typeface="Raleway"/>
-                <a:sym typeface="Raleway"/>
-              </a:rPr>
-              <a:t>Challenge: </a:t>
-            </a:r>
-            <a:r>
-              <a:rPr b="1" lang="en" sz="1500">
-                <a:solidFill>
-                  <a:srgbClr val="181F2C"/>
-                </a:solidFill>
-                <a:highlight>
-                  <a:srgbClr val="FFFFFF"/>
-                </a:highlight>
-              </a:rPr>
-              <a:t>Compatibilidad full (full branches)</a:t>
-            </a:r>
-            <a:endParaRPr b="0" i="0" sz="2000" u="none" cap="none" strike="noStrike">
-              <a:solidFill>
-                <a:srgbClr val="000000"/>
-              </a:solidFill>
-              <a:latin typeface="Arial"/>
-              <a:ea typeface="Arial"/>
-              <a:cs typeface="Arial"/>
-              <a:sym typeface="Arial"/>
-            </a:endParaRPr>
-          </a:p>
-        </p:txBody>
-      </p:sp>
-      <p:sp>
-        <p:nvSpPr>
-          <p:cNvPr id="405" name="Google Shape;405;g10f8b4e1e0b_0_50"/>
-          <p:cNvSpPr txBox="1"/>
-          <p:nvPr/>
-        </p:nvSpPr>
-        <p:spPr>
-          <a:xfrm>
-            <a:off x="657500" y="968950"/>
-            <a:ext cx="8289000" cy="4061100"/>
-          </a:xfrm>
-          <a:prstGeom prst="rect">
-            <a:avLst/>
-          </a:prstGeom>
-          <a:noFill/>
-          <a:ln>
-            <a:noFill/>
-          </a:ln>
-        </p:spPr>
-        <p:txBody>
-          <a:bodyPr anchorCtr="0" anchor="t" bIns="91425" lIns="91425" spcFirstLastPara="1" rIns="91425" wrap="square" tIns="91425">
-            <a:spAutoFit/>
-          </a:bodyPr>
-          <a:lstStyle/>
-          <a:p>
-            <a:pPr indent="0" lvl="0" marL="0" rtl="0" algn="l">
-              <a:lnSpc>
-                <a:spcPct val="175000"/>
-              </a:lnSpc>
-              <a:spcBef>
-                <a:spcPts val="1400"/>
-              </a:spcBef>
-              <a:spcAft>
-                <a:spcPts val="0"/>
-              </a:spcAft>
-              <a:buClr>
-                <a:schemeClr val="dk1"/>
-              </a:buClr>
-              <a:buSzPts val="1100"/>
-              <a:buFont typeface="Arial"/>
-              <a:buNone/>
-            </a:pPr>
-            <a:r>
-              <a:rPr lang="en">
-                <a:solidFill>
-                  <a:schemeClr val="dk1"/>
-                </a:solidFill>
-                <a:highlight>
-                  <a:srgbClr val="FFFFFF"/>
-                </a:highlight>
-              </a:rPr>
-              <a:t>Si volvemos con el ejemplo del esquema Avro V1, se configura la compatibilidad </a:t>
-            </a:r>
-            <a:r>
-              <a:rPr b="1" lang="en">
-                <a:solidFill>
-                  <a:schemeClr val="dk1"/>
-                </a:solidFill>
-                <a:highlight>
-                  <a:srgbClr val="FFFFFF"/>
-                </a:highlight>
-              </a:rPr>
-              <a:t>full </a:t>
-            </a:r>
-            <a:r>
-              <a:rPr lang="en">
-                <a:solidFill>
-                  <a:schemeClr val="dk1"/>
-                </a:solidFill>
-                <a:highlight>
-                  <a:srgbClr val="FFFFFF"/>
-                </a:highlight>
-              </a:rPr>
-              <a:t>y se cambia el esquema inicial (v1) añadiendo un nuevo campo (sex )con valor por defecto (‘FEMALE’) y se elimina un campo opcional (email) en el esquema evolucionado (v2).</a:t>
-            </a:r>
-            <a:endParaRPr>
-              <a:solidFill>
-                <a:schemeClr val="dk1"/>
-              </a:solidFill>
-              <a:highlight>
-                <a:srgbClr val="FFFFFF"/>
-              </a:highlight>
-            </a:endParaRPr>
-          </a:p>
-          <a:p>
-            <a:pPr indent="0" lvl="0" marL="0" marR="0" rtl="0" algn="l">
-              <a:lnSpc>
-                <a:spcPct val="175000"/>
-              </a:lnSpc>
-              <a:spcBef>
-                <a:spcPts val="1400"/>
-              </a:spcBef>
-              <a:spcAft>
-                <a:spcPts val="0"/>
-              </a:spcAft>
-              <a:buNone/>
-            </a:pPr>
-            <a:r>
-              <a:t/>
-            </a:r>
-            <a:endParaRPr sz="1500">
-              <a:solidFill>
-                <a:srgbClr val="181F2C"/>
-              </a:solidFill>
-              <a:highlight>
-                <a:srgbClr val="FFFFFF"/>
-              </a:highlight>
-            </a:endParaRPr>
-          </a:p>
-          <a:p>
-            <a:pPr indent="0" lvl="0" marL="0" marR="0" rtl="0" algn="l">
-              <a:lnSpc>
-                <a:spcPct val="175000"/>
-              </a:lnSpc>
-              <a:spcBef>
-                <a:spcPts val="1400"/>
-              </a:spcBef>
-              <a:spcAft>
-                <a:spcPts val="0"/>
-              </a:spcAft>
-              <a:buNone/>
-            </a:pPr>
-            <a:r>
-              <a:t/>
-            </a:r>
-            <a:endParaRPr sz="1500">
-              <a:solidFill>
-                <a:srgbClr val="181F2C"/>
-              </a:solidFill>
-              <a:highlight>
-                <a:srgbClr val="FFFFFF"/>
-              </a:highlight>
-            </a:endParaRPr>
-          </a:p>
-          <a:p>
-            <a:pPr indent="0" lvl="0" marL="0" marR="0" rtl="0" algn="l">
-              <a:lnSpc>
-                <a:spcPct val="175000"/>
-              </a:lnSpc>
-              <a:spcBef>
-                <a:spcPts val="1400"/>
-              </a:spcBef>
-              <a:spcAft>
-                <a:spcPts val="0"/>
-              </a:spcAft>
-              <a:buNone/>
-            </a:pPr>
-            <a:r>
-              <a:t/>
-            </a:r>
-            <a:endParaRPr sz="1500">
-              <a:solidFill>
-                <a:srgbClr val="181F2C"/>
-              </a:solidFill>
-              <a:highlight>
-                <a:srgbClr val="FFFFFF"/>
-              </a:highlight>
-            </a:endParaRPr>
-          </a:p>
-          <a:p>
-            <a:pPr indent="0" lvl="0" marL="0" marR="0" rtl="0" algn="l">
-              <a:lnSpc>
-                <a:spcPct val="175000"/>
-              </a:lnSpc>
-              <a:spcBef>
-                <a:spcPts val="1400"/>
-              </a:spcBef>
-              <a:spcAft>
-                <a:spcPts val="0"/>
-              </a:spcAft>
-              <a:buNone/>
-            </a:pPr>
-            <a:r>
-              <a:t/>
-            </a:r>
-            <a:endParaRPr sz="1500">
-              <a:solidFill>
-                <a:srgbClr val="181F2C"/>
-              </a:solidFill>
-              <a:highlight>
-                <a:srgbClr val="FFFFFF"/>
-              </a:highlight>
-            </a:endParaRPr>
-          </a:p>
-          <a:p>
-            <a:pPr indent="0" lvl="0" marL="0" marR="0" rtl="0" algn="l">
-              <a:lnSpc>
-                <a:spcPct val="175000"/>
-              </a:lnSpc>
-              <a:spcBef>
-                <a:spcPts val="1400"/>
-              </a:spcBef>
-              <a:spcAft>
-                <a:spcPts val="400"/>
-              </a:spcAft>
-              <a:buNone/>
-            </a:pPr>
-            <a:r>
-              <a:rPr lang="en" sz="1500">
-                <a:solidFill>
-                  <a:srgbClr val="181F2C"/>
-                </a:solidFill>
-                <a:highlight>
-                  <a:srgbClr val="FFFFFF"/>
-                </a:highlight>
-              </a:rPr>
-              <a:t>Que podemos comprobar para los consumidores V1 y V2 ?</a:t>
-            </a:r>
-            <a:endParaRPr b="1" sz="1500">
-              <a:solidFill>
-                <a:srgbClr val="181F2C"/>
-              </a:solidFill>
-              <a:highlight>
-                <a:srgbClr val="FFFFFF"/>
-              </a:highlight>
-            </a:endParaRPr>
-          </a:p>
-        </p:txBody>
-      </p:sp>
-      <p:sp>
-        <p:nvSpPr>
-          <p:cNvPr id="406" name="Google Shape;406;g10f8b4e1e0b_0_50"/>
-          <p:cNvSpPr txBox="1"/>
-          <p:nvPr/>
-        </p:nvSpPr>
-        <p:spPr>
-          <a:xfrm>
-            <a:off x="769475" y="2769375"/>
-            <a:ext cx="3712800" cy="1477500"/>
-          </a:xfrm>
-          <a:prstGeom prst="rect">
-            <a:avLst/>
-          </a:prstGeom>
-          <a:noFill/>
-          <a:ln>
-            <a:noFill/>
-          </a:ln>
-          <a:effectLst>
-            <a:outerShdw blurRad="57150" rotWithShape="0" algn="bl" dir="5400000" dist="19050">
-              <a:srgbClr val="000000">
-                <a:alpha val="50000"/>
-              </a:srgbClr>
-            </a:outerShdw>
-          </a:effectLst>
-        </p:spPr>
-        <p:txBody>
-          <a:bodyPr anchorCtr="0" anchor="t" bIns="91425" lIns="91425" spcFirstLastPara="1" rIns="91425" wrap="square" tIns="91425">
-            <a:spAutoFit/>
-          </a:bodyPr>
-          <a:lstStyle/>
-          <a:p>
-            <a:pPr indent="0" lvl="0" marL="0" rtl="0" algn="l">
-              <a:spcBef>
-                <a:spcPts val="0"/>
-              </a:spcBef>
-              <a:spcAft>
-                <a:spcPts val="0"/>
-              </a:spcAft>
-              <a:buNone/>
-            </a:pPr>
-            <a:r>
-              <a:rPr lang="en">
-                <a:solidFill>
-                  <a:schemeClr val="dk1"/>
-                </a:solidFill>
-              </a:rPr>
-              <a:t>Customer V1</a:t>
-            </a:r>
-            <a:endParaRPr>
-              <a:solidFill>
-                <a:schemeClr val="dk1"/>
-              </a:solidFill>
-            </a:endParaRPr>
-          </a:p>
-          <a:p>
-            <a:pPr indent="0" lvl="0" marL="0" rtl="0" algn="l">
-              <a:spcBef>
-                <a:spcPts val="0"/>
-              </a:spcBef>
-              <a:spcAft>
-                <a:spcPts val="0"/>
-              </a:spcAft>
-              <a:buNone/>
-            </a:pPr>
-            <a:r>
-              <a:t/>
-            </a:r>
-            <a:endParaRPr>
-              <a:solidFill>
-                <a:schemeClr val="dk1"/>
-              </a:solidFill>
-            </a:endParaRPr>
-          </a:p>
-          <a:p>
-            <a:pPr indent="0" lvl="0" marL="0" rtl="0" algn="l">
-              <a:spcBef>
-                <a:spcPts val="0"/>
-              </a:spcBef>
-              <a:spcAft>
-                <a:spcPts val="0"/>
-              </a:spcAft>
-              <a:buNone/>
-            </a:pPr>
-            <a:r>
-              <a:rPr lang="en">
-                <a:solidFill>
-                  <a:schemeClr val="dk1"/>
-                </a:solidFill>
-              </a:rPr>
-              <a:t>customerId                 long </a:t>
-            </a:r>
-            <a:r>
-              <a:rPr lang="en">
-                <a:solidFill>
-                  <a:schemeClr val="dk1"/>
-                </a:solidFill>
-              </a:rPr>
-              <a:t>(mandatory)</a:t>
-            </a:r>
-            <a:endParaRPr>
-              <a:solidFill>
-                <a:schemeClr val="dk1"/>
-              </a:solidFill>
-            </a:endParaRPr>
-          </a:p>
-          <a:p>
-            <a:pPr indent="0" lvl="0" marL="0" rtl="0" algn="l">
-              <a:spcBef>
-                <a:spcPts val="0"/>
-              </a:spcBef>
-              <a:spcAft>
-                <a:spcPts val="0"/>
-              </a:spcAft>
-              <a:buNone/>
-            </a:pPr>
-            <a:r>
-              <a:rPr lang="en">
-                <a:solidFill>
-                  <a:schemeClr val="dk1"/>
-                </a:solidFill>
-              </a:rPr>
-              <a:t>timestamp                  long </a:t>
-            </a:r>
-            <a:r>
-              <a:rPr lang="en">
-                <a:solidFill>
-                  <a:schemeClr val="dk1"/>
-                </a:solidFill>
-              </a:rPr>
-              <a:t>(mandatory)</a:t>
-            </a:r>
-            <a:endParaRPr>
-              <a:solidFill>
-                <a:schemeClr val="dk1"/>
-              </a:solidFill>
-            </a:endParaRPr>
-          </a:p>
-          <a:p>
-            <a:pPr indent="0" lvl="0" marL="0" rtl="0" algn="l">
-              <a:spcBef>
-                <a:spcPts val="0"/>
-              </a:spcBef>
-              <a:spcAft>
-                <a:spcPts val="0"/>
-              </a:spcAft>
-              <a:buNone/>
-            </a:pPr>
-            <a:r>
-              <a:rPr lang="en">
-                <a:solidFill>
-                  <a:schemeClr val="dk1"/>
-                </a:solidFill>
-              </a:rPr>
-              <a:t>name                          string </a:t>
-            </a:r>
-            <a:r>
-              <a:rPr lang="en">
-                <a:solidFill>
-                  <a:schemeClr val="dk1"/>
-                </a:solidFill>
-              </a:rPr>
-              <a:t>(mandatory)</a:t>
-            </a:r>
-            <a:endParaRPr>
-              <a:solidFill>
-                <a:schemeClr val="dk1"/>
-              </a:solidFill>
-            </a:endParaRPr>
-          </a:p>
-          <a:p>
-            <a:pPr indent="0" lvl="0" marL="0" rtl="0" algn="l">
-              <a:spcBef>
-                <a:spcPts val="0"/>
-              </a:spcBef>
-              <a:spcAft>
-                <a:spcPts val="0"/>
-              </a:spcAft>
-              <a:buNone/>
-            </a:pPr>
-            <a:r>
-              <a:rPr lang="en">
-                <a:solidFill>
-                  <a:schemeClr val="dk1"/>
-                </a:solidFill>
-              </a:rPr>
-              <a:t>email                          string </a:t>
-            </a:r>
-            <a:r>
-              <a:rPr lang="en">
-                <a:solidFill>
-                  <a:schemeClr val="dk1"/>
-                </a:solidFill>
-              </a:rPr>
-              <a:t>(optional)</a:t>
-            </a:r>
-            <a:endParaRPr/>
-          </a:p>
-        </p:txBody>
-      </p:sp>
-      <p:sp>
-        <p:nvSpPr>
-          <p:cNvPr id="407" name="Google Shape;407;g10f8b4e1e0b_0_50"/>
-          <p:cNvSpPr txBox="1"/>
-          <p:nvPr/>
-        </p:nvSpPr>
-        <p:spPr>
-          <a:xfrm>
-            <a:off x="4254675" y="2697650"/>
-            <a:ext cx="4822200" cy="1693200"/>
-          </a:xfrm>
-          <a:prstGeom prst="rect">
-            <a:avLst/>
-          </a:prstGeom>
-          <a:noFill/>
-          <a:ln>
-            <a:noFill/>
-          </a:ln>
-          <a:effectLst>
-            <a:outerShdw blurRad="57150" rotWithShape="0" algn="bl" dir="5400000" dist="19050">
-              <a:srgbClr val="000000">
-                <a:alpha val="50000"/>
-              </a:srgbClr>
-            </a:outerShdw>
-          </a:effectLst>
-        </p:spPr>
-        <p:txBody>
-          <a:bodyPr anchorCtr="0" anchor="t" bIns="91425" lIns="91425" spcFirstLastPara="1" rIns="91425" wrap="square" tIns="91425">
-            <a:spAutoFit/>
-          </a:bodyPr>
-          <a:lstStyle/>
-          <a:p>
-            <a:pPr indent="0" lvl="0" marL="0" rtl="0" algn="l">
-              <a:spcBef>
-                <a:spcPts val="0"/>
-              </a:spcBef>
-              <a:spcAft>
-                <a:spcPts val="0"/>
-              </a:spcAft>
-              <a:buNone/>
-            </a:pPr>
-            <a:r>
-              <a:rPr lang="en">
-                <a:solidFill>
-                  <a:schemeClr val="dk1"/>
-                </a:solidFill>
-              </a:rPr>
-              <a:t>Customer V2</a:t>
-            </a:r>
-            <a:endParaRPr>
-              <a:solidFill>
-                <a:schemeClr val="dk1"/>
-              </a:solidFill>
-            </a:endParaRPr>
-          </a:p>
-          <a:p>
-            <a:pPr indent="0" lvl="0" marL="0" rtl="0" algn="l">
-              <a:spcBef>
-                <a:spcPts val="0"/>
-              </a:spcBef>
-              <a:spcAft>
-                <a:spcPts val="0"/>
-              </a:spcAft>
-              <a:buNone/>
-            </a:pPr>
-            <a:r>
-              <a:t/>
-            </a:r>
-            <a:endParaRPr>
-              <a:solidFill>
-                <a:schemeClr val="dk1"/>
-              </a:solidFill>
-            </a:endParaRPr>
-          </a:p>
-          <a:p>
-            <a:pPr indent="0" lvl="0" marL="0" rtl="0" algn="l">
-              <a:spcBef>
-                <a:spcPts val="0"/>
-              </a:spcBef>
-              <a:spcAft>
-                <a:spcPts val="0"/>
-              </a:spcAft>
-              <a:buNone/>
-            </a:pPr>
-            <a:r>
-              <a:rPr lang="en">
-                <a:solidFill>
-                  <a:schemeClr val="dk1"/>
-                </a:solidFill>
-              </a:rPr>
-              <a:t>customerId                 long </a:t>
-            </a:r>
-            <a:r>
-              <a:rPr lang="en">
-                <a:solidFill>
-                  <a:schemeClr val="dk1"/>
-                </a:solidFill>
-              </a:rPr>
-              <a:t>(mandatory)</a:t>
-            </a:r>
-            <a:endParaRPr>
-              <a:solidFill>
-                <a:schemeClr val="dk1"/>
-              </a:solidFill>
-            </a:endParaRPr>
-          </a:p>
-          <a:p>
-            <a:pPr indent="0" lvl="0" marL="0" rtl="0" algn="l">
-              <a:spcBef>
-                <a:spcPts val="0"/>
-              </a:spcBef>
-              <a:spcAft>
-                <a:spcPts val="0"/>
-              </a:spcAft>
-              <a:buNone/>
-            </a:pPr>
-            <a:r>
-              <a:rPr lang="en">
-                <a:solidFill>
-                  <a:schemeClr val="dk1"/>
-                </a:solidFill>
-              </a:rPr>
-              <a:t>timestamp                  long </a:t>
-            </a:r>
-            <a:r>
-              <a:rPr lang="en">
-                <a:solidFill>
-                  <a:schemeClr val="dk1"/>
-                </a:solidFill>
-              </a:rPr>
-              <a:t>(mandatory)</a:t>
-            </a:r>
-            <a:endParaRPr>
-              <a:solidFill>
-                <a:schemeClr val="dk1"/>
-              </a:solidFill>
-            </a:endParaRPr>
-          </a:p>
-          <a:p>
-            <a:pPr indent="0" lvl="0" marL="0" rtl="0" algn="l">
-              <a:spcBef>
-                <a:spcPts val="0"/>
-              </a:spcBef>
-              <a:spcAft>
-                <a:spcPts val="0"/>
-              </a:spcAft>
-              <a:buNone/>
-            </a:pPr>
-            <a:r>
-              <a:rPr lang="en">
-                <a:solidFill>
-                  <a:schemeClr val="dk1"/>
-                </a:solidFill>
-              </a:rPr>
-              <a:t>name                          string (mandatory)</a:t>
-            </a:r>
-            <a:endParaRPr>
-              <a:solidFill>
-                <a:schemeClr val="dk1"/>
-              </a:solidFill>
-            </a:endParaRPr>
-          </a:p>
-          <a:p>
-            <a:pPr indent="0" lvl="0" marL="0" rtl="0" algn="l">
-              <a:spcBef>
-                <a:spcPts val="0"/>
-              </a:spcBef>
-              <a:spcAft>
-                <a:spcPts val="0"/>
-              </a:spcAft>
-              <a:buNone/>
-            </a:pPr>
-            <a:r>
-              <a:t/>
-            </a:r>
-            <a:endParaRPr>
-              <a:solidFill>
-                <a:srgbClr val="FF0000"/>
-              </a:solidFill>
-            </a:endParaRPr>
-          </a:p>
-          <a:p>
-            <a:pPr indent="0" lvl="0" marL="0" rtl="0" algn="l">
-              <a:spcBef>
-                <a:spcPts val="0"/>
-              </a:spcBef>
-              <a:spcAft>
-                <a:spcPts val="0"/>
-              </a:spcAft>
-              <a:buNone/>
-            </a:pPr>
-            <a:r>
-              <a:rPr lang="en">
-                <a:solidFill>
-                  <a:srgbClr val="FF0000"/>
-                </a:solidFill>
-              </a:rPr>
-              <a:t>sex                            enum default FEMA</a:t>
-            </a:r>
-            <a:r>
-              <a:rPr lang="en">
-                <a:solidFill>
-                  <a:srgbClr val="FF0000"/>
-                </a:solidFill>
-              </a:rPr>
-              <a:t>LE (mandatory)</a:t>
             </a:r>
             <a:endParaRPr>
               <a:solidFill>
@@ -40395,7 +39825,7 @@
   <p:cSld>
     <p:spTree>
       <p:nvGrpSpPr>
-        <p:cNvPr id="411" name="Shape 411"/>
+        <p:cNvPr id="410" name="Shape 410"/>
         <p:cNvGrpSpPr/>
         <p:nvPr/>
       </p:nvGrpSpPr>
@@ -40409,7 +39839,1446 @@
       </p:grpSpPr>
       <p:sp>
         <p:nvSpPr>
-          <p:cNvPr id="412" name="Google Shape;412;p42"/>
+          <p:cNvPr id="411" name="Google Shape;411;g10f8b4e1e0b_0_45"/>
+          <p:cNvSpPr txBox="1"/>
+          <p:nvPr/>
+        </p:nvSpPr>
+        <p:spPr>
+          <a:xfrm>
+            <a:off x="318240" y="156240"/>
+            <a:ext cx="8433300" cy="480600"/>
+          </a:xfrm>
+          <a:prstGeom prst="rect">
+            <a:avLst/>
+          </a:prstGeom>
+          <a:noFill/>
+          <a:ln>
+            <a:noFill/>
+          </a:ln>
+        </p:spPr>
+        <p:txBody>
+          <a:bodyPr anchorCtr="0" anchor="t" bIns="91425" lIns="91425" spcFirstLastPara="1" rIns="91425" wrap="square" tIns="91425">
+            <a:noAutofit/>
+          </a:bodyPr>
+          <a:lstStyle/>
+          <a:p>
+            <a:pPr indent="0" lvl="0" marL="0" marR="0" rtl="0" algn="l">
+              <a:lnSpc>
+                <a:spcPct val="115000"/>
+              </a:lnSpc>
+              <a:spcBef>
+                <a:spcPts val="0"/>
+              </a:spcBef>
+              <a:spcAft>
+                <a:spcPts val="0"/>
+              </a:spcAft>
+              <a:buNone/>
+            </a:pPr>
+            <a:r>
+              <a:rPr b="1" lang="en" sz="2000">
+                <a:solidFill>
+                  <a:srgbClr val="F46524"/>
+                </a:solidFill>
+                <a:latin typeface="Raleway"/>
+                <a:ea typeface="Raleway"/>
+                <a:cs typeface="Raleway"/>
+                <a:sym typeface="Raleway"/>
+              </a:rPr>
+              <a:t>Challenge: </a:t>
+            </a:r>
+            <a:r>
+              <a:rPr b="1" lang="en" sz="1500">
+                <a:solidFill>
+                  <a:srgbClr val="181F2C"/>
+                </a:solidFill>
+                <a:highlight>
+                  <a:srgbClr val="FFFFFF"/>
+                </a:highlight>
+              </a:rPr>
+              <a:t>Compatibilidad backward (backward branches)</a:t>
+            </a:r>
+            <a:endParaRPr b="0" i="0" sz="2000" u="none" cap="none" strike="noStrike">
+              <a:solidFill>
+                <a:srgbClr val="000000"/>
+              </a:solidFill>
+              <a:latin typeface="Arial"/>
+              <a:ea typeface="Arial"/>
+              <a:cs typeface="Arial"/>
+              <a:sym typeface="Arial"/>
+            </a:endParaRPr>
+          </a:p>
+        </p:txBody>
+      </p:sp>
+      <p:sp>
+        <p:nvSpPr>
+          <p:cNvPr id="412" name="Google Shape;412;g10f8b4e1e0b_0_45"/>
+          <p:cNvSpPr txBox="1"/>
+          <p:nvPr/>
+        </p:nvSpPr>
+        <p:spPr>
+          <a:xfrm>
+            <a:off x="657500" y="968950"/>
+            <a:ext cx="7962900" cy="3937800"/>
+          </a:xfrm>
+          <a:prstGeom prst="rect">
+            <a:avLst/>
+          </a:prstGeom>
+          <a:noFill/>
+          <a:ln>
+            <a:noFill/>
+          </a:ln>
+        </p:spPr>
+        <p:txBody>
+          <a:bodyPr anchorCtr="0" anchor="t" bIns="91425" lIns="91425" spcFirstLastPara="1" rIns="91425" wrap="square" tIns="91425">
+            <a:spAutoFit/>
+          </a:bodyPr>
+          <a:lstStyle/>
+          <a:p>
+            <a:pPr indent="0" lvl="0" marL="0" rtl="0" algn="l">
+              <a:lnSpc>
+                <a:spcPct val="175000"/>
+              </a:lnSpc>
+              <a:spcBef>
+                <a:spcPts val="1400"/>
+              </a:spcBef>
+              <a:spcAft>
+                <a:spcPts val="0"/>
+              </a:spcAft>
+              <a:buNone/>
+            </a:pPr>
+            <a:r>
+              <a:rPr lang="en">
+                <a:solidFill>
+                  <a:schemeClr val="dk1"/>
+                </a:solidFill>
+                <a:highlight>
+                  <a:srgbClr val="FFFFFF"/>
+                </a:highlight>
+              </a:rPr>
+              <a:t>Si volvemos con el ejemplo del esquema Avro V1 y se configura la compatibilidad backward se observa lo siguiente:</a:t>
+            </a:r>
+            <a:endParaRPr>
+              <a:solidFill>
+                <a:schemeClr val="dk1"/>
+              </a:solidFill>
+              <a:highlight>
+                <a:srgbClr val="FFFFFF"/>
+              </a:highlight>
+            </a:endParaRPr>
+          </a:p>
+          <a:p>
+            <a:pPr indent="-317500" lvl="0" marL="457200" rtl="0" algn="l">
+              <a:lnSpc>
+                <a:spcPct val="175000"/>
+              </a:lnSpc>
+              <a:spcBef>
+                <a:spcPts val="1400"/>
+              </a:spcBef>
+              <a:spcAft>
+                <a:spcPts val="0"/>
+              </a:spcAft>
+              <a:buClr>
+                <a:schemeClr val="dk1"/>
+              </a:buClr>
+              <a:buSzPts val="1400"/>
+              <a:buChar char="●"/>
+            </a:pPr>
+            <a:r>
+              <a:rPr lang="en">
+                <a:solidFill>
+                  <a:schemeClr val="dk1"/>
+                </a:solidFill>
+                <a:highlight>
+                  <a:srgbClr val="FFFFFF"/>
+                </a:highlight>
+              </a:rPr>
+              <a:t>Se añade un nuevo consumidor (consumidor v2), con un nuevo esquema (v2) que incluye un campo adicional (age) con un valor por defecto y borra un campo (name).</a:t>
+            </a:r>
+            <a:endParaRPr>
+              <a:solidFill>
+                <a:schemeClr val="dk1"/>
+              </a:solidFill>
+              <a:highlight>
+                <a:srgbClr val="FFFFFF"/>
+              </a:highlight>
+            </a:endParaRPr>
+          </a:p>
+          <a:p>
+            <a:pPr indent="0" lvl="0" marL="457200" rtl="0" algn="l">
+              <a:lnSpc>
+                <a:spcPct val="175000"/>
+              </a:lnSpc>
+              <a:spcBef>
+                <a:spcPts val="1400"/>
+              </a:spcBef>
+              <a:spcAft>
+                <a:spcPts val="0"/>
+              </a:spcAft>
+              <a:buNone/>
+            </a:pPr>
+            <a:r>
+              <a:t/>
+            </a:r>
+            <a:endParaRPr>
+              <a:solidFill>
+                <a:srgbClr val="181F2C"/>
+              </a:solidFill>
+              <a:highlight>
+                <a:srgbClr val="FFFFFF"/>
+              </a:highlight>
+            </a:endParaRPr>
+          </a:p>
+          <a:p>
+            <a:pPr indent="0" lvl="0" marL="457200" rtl="0" algn="l">
+              <a:lnSpc>
+                <a:spcPct val="175000"/>
+              </a:lnSpc>
+              <a:spcBef>
+                <a:spcPts val="1400"/>
+              </a:spcBef>
+              <a:spcAft>
+                <a:spcPts val="0"/>
+              </a:spcAft>
+              <a:buNone/>
+            </a:pPr>
+            <a:r>
+              <a:t/>
+            </a:r>
+            <a:endParaRPr>
+              <a:solidFill>
+                <a:srgbClr val="181F2C"/>
+              </a:solidFill>
+              <a:highlight>
+                <a:srgbClr val="FFFFFF"/>
+              </a:highlight>
+            </a:endParaRPr>
+          </a:p>
+          <a:p>
+            <a:pPr indent="0" lvl="0" marL="457200" rtl="0" algn="l">
+              <a:lnSpc>
+                <a:spcPct val="175000"/>
+              </a:lnSpc>
+              <a:spcBef>
+                <a:spcPts val="1400"/>
+              </a:spcBef>
+              <a:spcAft>
+                <a:spcPts val="0"/>
+              </a:spcAft>
+              <a:buNone/>
+            </a:pPr>
+            <a:r>
+              <a:t/>
+            </a:r>
+            <a:endParaRPr>
+              <a:solidFill>
+                <a:srgbClr val="181F2C"/>
+              </a:solidFill>
+              <a:highlight>
+                <a:srgbClr val="FFFFFF"/>
+              </a:highlight>
+            </a:endParaRPr>
+          </a:p>
+          <a:p>
+            <a:pPr indent="0" lvl="0" marL="0" rtl="0" algn="l">
+              <a:lnSpc>
+                <a:spcPct val="175000"/>
+              </a:lnSpc>
+              <a:spcBef>
+                <a:spcPts val="1400"/>
+              </a:spcBef>
+              <a:spcAft>
+                <a:spcPts val="400"/>
+              </a:spcAft>
+              <a:buNone/>
+            </a:pPr>
+            <a:r>
+              <a:rPr lang="en">
+                <a:solidFill>
+                  <a:srgbClr val="181F2C"/>
+                </a:solidFill>
+                <a:highlight>
+                  <a:srgbClr val="FFFFFF"/>
+                </a:highlight>
+              </a:rPr>
+              <a:t>El nuevo consumidor (Consumidor v2), es capaz de procesar mensajes de ambos productores ?</a:t>
+            </a:r>
+            <a:endParaRPr>
+              <a:solidFill>
+                <a:srgbClr val="181F2C"/>
+              </a:solidFill>
+              <a:highlight>
+                <a:srgbClr val="FFFFFF"/>
+              </a:highlight>
+            </a:endParaRPr>
+          </a:p>
+        </p:txBody>
+      </p:sp>
+      <p:sp>
+        <p:nvSpPr>
+          <p:cNvPr id="413" name="Google Shape;413;g10f8b4e1e0b_0_45"/>
+          <p:cNvSpPr txBox="1"/>
+          <p:nvPr/>
+        </p:nvSpPr>
+        <p:spPr>
+          <a:xfrm>
+            <a:off x="769475" y="2769375"/>
+            <a:ext cx="3712800" cy="1477500"/>
+          </a:xfrm>
+          <a:prstGeom prst="rect">
+            <a:avLst/>
+          </a:prstGeom>
+          <a:noFill/>
+          <a:ln>
+            <a:noFill/>
+          </a:ln>
+          <a:effectLst>
+            <a:outerShdw blurRad="57150" rotWithShape="0" algn="bl" dir="5400000" dist="19050">
+              <a:srgbClr val="000000">
+                <a:alpha val="50000"/>
+              </a:srgbClr>
+            </a:outerShdw>
+          </a:effectLst>
+        </p:spPr>
+        <p:txBody>
+          <a:bodyPr anchorCtr="0" anchor="t" bIns="91425" lIns="91425" spcFirstLastPara="1" rIns="91425" wrap="square" tIns="91425">
+            <a:spAutoFit/>
+          </a:bodyPr>
+          <a:lstStyle/>
+          <a:p>
+            <a:pPr indent="0" lvl="0" marL="0" rtl="0" algn="l">
+              <a:spcBef>
+                <a:spcPts val="0"/>
+              </a:spcBef>
+              <a:spcAft>
+                <a:spcPts val="0"/>
+              </a:spcAft>
+              <a:buNone/>
+            </a:pPr>
+            <a:r>
+              <a:rPr lang="en">
+                <a:solidFill>
+                  <a:schemeClr val="dk1"/>
+                </a:solidFill>
+              </a:rPr>
+              <a:t>Customer V1</a:t>
+            </a:r>
+            <a:endParaRPr>
+              <a:solidFill>
+                <a:schemeClr val="dk1"/>
+              </a:solidFill>
+            </a:endParaRPr>
+          </a:p>
+          <a:p>
+            <a:pPr indent="0" lvl="0" marL="0" rtl="0" algn="l">
+              <a:spcBef>
+                <a:spcPts val="0"/>
+              </a:spcBef>
+              <a:spcAft>
+                <a:spcPts val="0"/>
+              </a:spcAft>
+              <a:buNone/>
+            </a:pPr>
+            <a:r>
+              <a:t/>
+            </a:r>
+            <a:endParaRPr>
+              <a:solidFill>
+                <a:schemeClr val="dk1"/>
+              </a:solidFill>
+            </a:endParaRPr>
+          </a:p>
+          <a:p>
+            <a:pPr indent="0" lvl="0" marL="0" rtl="0" algn="l">
+              <a:spcBef>
+                <a:spcPts val="0"/>
+              </a:spcBef>
+              <a:spcAft>
+                <a:spcPts val="0"/>
+              </a:spcAft>
+              <a:buNone/>
+            </a:pPr>
+            <a:r>
+              <a:rPr lang="en">
+                <a:solidFill>
+                  <a:schemeClr val="dk1"/>
+                </a:solidFill>
+              </a:rPr>
+              <a:t>customerId                 long </a:t>
+            </a:r>
+            <a:r>
+              <a:rPr lang="en">
+                <a:solidFill>
+                  <a:schemeClr val="dk1"/>
+                </a:solidFill>
+              </a:rPr>
+              <a:t>(mandatory)</a:t>
+            </a:r>
+            <a:endParaRPr>
+              <a:solidFill>
+                <a:schemeClr val="dk1"/>
+              </a:solidFill>
+            </a:endParaRPr>
+          </a:p>
+          <a:p>
+            <a:pPr indent="0" lvl="0" marL="0" rtl="0" algn="l">
+              <a:spcBef>
+                <a:spcPts val="0"/>
+              </a:spcBef>
+              <a:spcAft>
+                <a:spcPts val="0"/>
+              </a:spcAft>
+              <a:buNone/>
+            </a:pPr>
+            <a:r>
+              <a:rPr lang="en">
+                <a:solidFill>
+                  <a:schemeClr val="dk1"/>
+                </a:solidFill>
+              </a:rPr>
+              <a:t>timestamp                  long </a:t>
+            </a:r>
+            <a:r>
+              <a:rPr lang="en">
+                <a:solidFill>
+                  <a:schemeClr val="dk1"/>
+                </a:solidFill>
+              </a:rPr>
+              <a:t>(mandatory)</a:t>
+            </a:r>
+            <a:endParaRPr>
+              <a:solidFill>
+                <a:schemeClr val="dk1"/>
+              </a:solidFill>
+            </a:endParaRPr>
+          </a:p>
+          <a:p>
+            <a:pPr indent="0" lvl="0" marL="0" rtl="0" algn="l">
+              <a:spcBef>
+                <a:spcPts val="0"/>
+              </a:spcBef>
+              <a:spcAft>
+                <a:spcPts val="0"/>
+              </a:spcAft>
+              <a:buNone/>
+            </a:pPr>
+            <a:r>
+              <a:rPr lang="en">
+                <a:solidFill>
+                  <a:schemeClr val="dk1"/>
+                </a:solidFill>
+              </a:rPr>
+              <a:t>name                          string </a:t>
+            </a:r>
+            <a:r>
+              <a:rPr lang="en">
+                <a:solidFill>
+                  <a:schemeClr val="dk1"/>
+                </a:solidFill>
+              </a:rPr>
+              <a:t>(mandatory)</a:t>
+            </a:r>
+            <a:endParaRPr>
+              <a:solidFill>
+                <a:schemeClr val="dk1"/>
+              </a:solidFill>
+            </a:endParaRPr>
+          </a:p>
+          <a:p>
+            <a:pPr indent="0" lvl="0" marL="0" rtl="0" algn="l">
+              <a:spcBef>
+                <a:spcPts val="0"/>
+              </a:spcBef>
+              <a:spcAft>
+                <a:spcPts val="0"/>
+              </a:spcAft>
+              <a:buNone/>
+            </a:pPr>
+            <a:r>
+              <a:rPr lang="en">
+                <a:solidFill>
+                  <a:schemeClr val="dk1"/>
+                </a:solidFill>
+              </a:rPr>
+              <a:t>email                          string (optional)</a:t>
+            </a:r>
+            <a:endParaRPr/>
+          </a:p>
+        </p:txBody>
+      </p:sp>
+      <p:sp>
+        <p:nvSpPr>
+          <p:cNvPr id="414" name="Google Shape;414;g10f8b4e1e0b_0_45"/>
+          <p:cNvSpPr txBox="1"/>
+          <p:nvPr/>
+        </p:nvSpPr>
+        <p:spPr>
+          <a:xfrm>
+            <a:off x="4926100" y="2697650"/>
+            <a:ext cx="3503100" cy="1693200"/>
+          </a:xfrm>
+          <a:prstGeom prst="rect">
+            <a:avLst/>
+          </a:prstGeom>
+          <a:noFill/>
+          <a:ln>
+            <a:noFill/>
+          </a:ln>
+          <a:effectLst>
+            <a:outerShdw blurRad="57150" rotWithShape="0" algn="bl" dir="5400000" dist="19050">
+              <a:srgbClr val="000000">
+                <a:alpha val="50000"/>
+              </a:srgbClr>
+            </a:outerShdw>
+          </a:effectLst>
+        </p:spPr>
+        <p:txBody>
+          <a:bodyPr anchorCtr="0" anchor="t" bIns="91425" lIns="91425" spcFirstLastPara="1" rIns="91425" wrap="square" tIns="91425">
+            <a:spAutoFit/>
+          </a:bodyPr>
+          <a:lstStyle/>
+          <a:p>
+            <a:pPr indent="0" lvl="0" marL="0" rtl="0" algn="l">
+              <a:spcBef>
+                <a:spcPts val="0"/>
+              </a:spcBef>
+              <a:spcAft>
+                <a:spcPts val="0"/>
+              </a:spcAft>
+              <a:buNone/>
+            </a:pPr>
+            <a:r>
+              <a:rPr lang="en">
+                <a:solidFill>
+                  <a:schemeClr val="dk1"/>
+                </a:solidFill>
+              </a:rPr>
+              <a:t>Customer V2</a:t>
+            </a:r>
+            <a:endParaRPr>
+              <a:solidFill>
+                <a:schemeClr val="dk1"/>
+              </a:solidFill>
+            </a:endParaRPr>
+          </a:p>
+          <a:p>
+            <a:pPr indent="0" lvl="0" marL="0" rtl="0" algn="l">
+              <a:spcBef>
+                <a:spcPts val="0"/>
+              </a:spcBef>
+              <a:spcAft>
+                <a:spcPts val="0"/>
+              </a:spcAft>
+              <a:buNone/>
+            </a:pPr>
+            <a:r>
+              <a:t/>
+            </a:r>
+            <a:endParaRPr>
+              <a:solidFill>
+                <a:schemeClr val="dk1"/>
+              </a:solidFill>
+            </a:endParaRPr>
+          </a:p>
+          <a:p>
+            <a:pPr indent="0" lvl="0" marL="0" rtl="0" algn="l">
+              <a:spcBef>
+                <a:spcPts val="0"/>
+              </a:spcBef>
+              <a:spcAft>
+                <a:spcPts val="0"/>
+              </a:spcAft>
+              <a:buNone/>
+            </a:pPr>
+            <a:r>
+              <a:rPr lang="en">
+                <a:solidFill>
+                  <a:schemeClr val="dk1"/>
+                </a:solidFill>
+              </a:rPr>
+              <a:t>customerId                 long </a:t>
+            </a:r>
+            <a:r>
+              <a:rPr lang="en">
+                <a:solidFill>
+                  <a:schemeClr val="dk1"/>
+                </a:solidFill>
+              </a:rPr>
+              <a:t>(mandatory)</a:t>
+            </a:r>
+            <a:endParaRPr>
+              <a:solidFill>
+                <a:schemeClr val="dk1"/>
+              </a:solidFill>
+            </a:endParaRPr>
+          </a:p>
+          <a:p>
+            <a:pPr indent="0" lvl="0" marL="0" rtl="0" algn="l">
+              <a:spcBef>
+                <a:spcPts val="0"/>
+              </a:spcBef>
+              <a:spcAft>
+                <a:spcPts val="0"/>
+              </a:spcAft>
+              <a:buNone/>
+            </a:pPr>
+            <a:r>
+              <a:rPr lang="en">
+                <a:solidFill>
+                  <a:schemeClr val="dk1"/>
+                </a:solidFill>
+              </a:rPr>
+              <a:t>timestamp                  long </a:t>
+            </a:r>
+            <a:r>
+              <a:rPr lang="en">
+                <a:solidFill>
+                  <a:schemeClr val="dk1"/>
+                </a:solidFill>
+              </a:rPr>
+              <a:t>(mandatory)</a:t>
+            </a:r>
+            <a:endParaRPr>
+              <a:solidFill>
+                <a:schemeClr val="dk1"/>
+              </a:solidFill>
+            </a:endParaRPr>
+          </a:p>
+          <a:p>
+            <a:pPr indent="0" lvl="0" marL="0" rtl="0" algn="l">
+              <a:spcBef>
+                <a:spcPts val="0"/>
+              </a:spcBef>
+              <a:spcAft>
+                <a:spcPts val="0"/>
+              </a:spcAft>
+              <a:buNone/>
+            </a:pPr>
+            <a:r>
+              <a:t/>
+            </a:r>
+            <a:endParaRPr>
+              <a:solidFill>
+                <a:schemeClr val="dk1"/>
+              </a:solidFill>
+            </a:endParaRPr>
+          </a:p>
+          <a:p>
+            <a:pPr indent="0" lvl="0" marL="0" rtl="0" algn="l">
+              <a:spcBef>
+                <a:spcPts val="0"/>
+              </a:spcBef>
+              <a:spcAft>
+                <a:spcPts val="0"/>
+              </a:spcAft>
+              <a:buNone/>
+            </a:pPr>
+            <a:r>
+              <a:rPr lang="en">
+                <a:solidFill>
+                  <a:schemeClr val="dk1"/>
+                </a:solidFill>
+              </a:rPr>
+              <a:t>email                          string (optional)</a:t>
+            </a:r>
+            <a:endParaRPr>
+              <a:solidFill>
+                <a:schemeClr val="dk1"/>
+              </a:solidFill>
+            </a:endParaRPr>
+          </a:p>
+          <a:p>
+            <a:pPr indent="0" lvl="0" marL="0" rtl="0" algn="l">
+              <a:spcBef>
+                <a:spcPts val="0"/>
+              </a:spcBef>
+              <a:spcAft>
+                <a:spcPts val="0"/>
+              </a:spcAft>
+              <a:buNone/>
+            </a:pPr>
+            <a:r>
+              <a:rPr lang="en">
+                <a:solidFill>
+                  <a:srgbClr val="FF0000"/>
+                </a:solidFill>
+              </a:rPr>
+              <a:t>age                            int </a:t>
+            </a:r>
+            <a:r>
+              <a:rPr lang="en">
+                <a:solidFill>
+                  <a:schemeClr val="dk1"/>
+                </a:solidFill>
+              </a:rPr>
+              <a:t>(mandatory)</a:t>
+            </a:r>
+            <a:endParaRPr>
+              <a:solidFill>
+                <a:srgbClr val="FF0000"/>
+              </a:solidFill>
+            </a:endParaRPr>
+          </a:p>
+        </p:txBody>
+      </p:sp>
+    </p:spTree>
+  </p:cSld>
+  <p:clrMapOvr>
+    <a:masterClrMapping/>
+  </p:clrMapOvr>
+</p:sld>
+</file>
+
+<file path=ppt/slides/slide31.xml><?xml version="1.0" encoding="utf-8"?>
+<p:sld xmlns:a="http://schemas.openxmlformats.org/drawingml/2006/main" xmlns:r="http://schemas.openxmlformats.org/officeDocument/2006/relationships" xmlns:mc="http://schemas.openxmlformats.org/markup-compatibility/2006" xmlns:mv="urn:schemas-microsoft-com:mac:vml" xmlns:p="http://schemas.openxmlformats.org/presentationml/2006/main" xmlns:c="http://schemas.openxmlformats.org/drawingml/2006/chart" xmlns:dgm="http://schemas.openxmlformats.org/drawingml/2006/diagram" xmlns:o="urn:schemas-microsoft-com:office:office" xmlns:v="urn:schemas-microsoft-com:vml" xmlns:pvml="urn:schemas-microsoft-com:office:powerpoint" xmlns:com="http://schemas.openxmlformats.org/drawingml/2006/compatibility" xmlns:p14="http://schemas.microsoft.com/office/powerpoint/2010/main" xmlns:p15="http://schemas.microsoft.com/office/powerpoint/2012/main" xmlns:ahyp="http://schemas.microsoft.com/office/drawing/2018/hyperlinkcolor">
+  <p:cSld>
+    <p:spTree>
+      <p:nvGrpSpPr>
+        <p:cNvPr id="418" name="Shape 418"/>
+        <p:cNvGrpSpPr/>
+        <p:nvPr/>
+      </p:nvGrpSpPr>
+      <p:grpSpPr>
+        <a:xfrm>
+          <a:off x="0" y="0"/>
+          <a:ext cx="0" cy="0"/>
+          <a:chOff x="0" y="0"/>
+          <a:chExt cx="0" cy="0"/>
+        </a:xfrm>
+      </p:grpSpPr>
+      <p:sp>
+        <p:nvSpPr>
+          <p:cNvPr id="419" name="Google Shape;419;g10f8b4e1e0b_0_50"/>
+          <p:cNvSpPr txBox="1"/>
+          <p:nvPr/>
+        </p:nvSpPr>
+        <p:spPr>
+          <a:xfrm>
+            <a:off x="318240" y="156240"/>
+            <a:ext cx="8433300" cy="480600"/>
+          </a:xfrm>
+          <a:prstGeom prst="rect">
+            <a:avLst/>
+          </a:prstGeom>
+          <a:noFill/>
+          <a:ln>
+            <a:noFill/>
+          </a:ln>
+        </p:spPr>
+        <p:txBody>
+          <a:bodyPr anchorCtr="0" anchor="t" bIns="91425" lIns="91425" spcFirstLastPara="1" rIns="91425" wrap="square" tIns="91425">
+            <a:noAutofit/>
+          </a:bodyPr>
+          <a:lstStyle/>
+          <a:p>
+            <a:pPr indent="0" lvl="0" marL="0" marR="0" rtl="0" algn="l">
+              <a:lnSpc>
+                <a:spcPct val="115000"/>
+              </a:lnSpc>
+              <a:spcBef>
+                <a:spcPts val="0"/>
+              </a:spcBef>
+              <a:spcAft>
+                <a:spcPts val="0"/>
+              </a:spcAft>
+              <a:buNone/>
+            </a:pPr>
+            <a:r>
+              <a:rPr b="1" lang="en" sz="2000">
+                <a:solidFill>
+                  <a:srgbClr val="F46524"/>
+                </a:solidFill>
+                <a:latin typeface="Raleway"/>
+                <a:ea typeface="Raleway"/>
+                <a:cs typeface="Raleway"/>
+                <a:sym typeface="Raleway"/>
+              </a:rPr>
+              <a:t>Challenge: </a:t>
+            </a:r>
+            <a:r>
+              <a:rPr b="1" lang="en" sz="1500">
+                <a:solidFill>
+                  <a:srgbClr val="181F2C"/>
+                </a:solidFill>
+                <a:highlight>
+                  <a:srgbClr val="FFFFFF"/>
+                </a:highlight>
+              </a:rPr>
+              <a:t>Compatibilidad full (full branches)</a:t>
+            </a:r>
+            <a:endParaRPr b="0" i="0" sz="2000" u="none" cap="none" strike="noStrike">
+              <a:solidFill>
+                <a:srgbClr val="000000"/>
+              </a:solidFill>
+              <a:latin typeface="Arial"/>
+              <a:ea typeface="Arial"/>
+              <a:cs typeface="Arial"/>
+              <a:sym typeface="Arial"/>
+            </a:endParaRPr>
+          </a:p>
+        </p:txBody>
+      </p:sp>
+      <p:sp>
+        <p:nvSpPr>
+          <p:cNvPr id="420" name="Google Shape;420;g10f8b4e1e0b_0_50"/>
+          <p:cNvSpPr txBox="1"/>
+          <p:nvPr/>
+        </p:nvSpPr>
+        <p:spPr>
+          <a:xfrm>
+            <a:off x="657500" y="968950"/>
+            <a:ext cx="8289000" cy="4061100"/>
+          </a:xfrm>
+          <a:prstGeom prst="rect">
+            <a:avLst/>
+          </a:prstGeom>
+          <a:noFill/>
+          <a:ln>
+            <a:noFill/>
+          </a:ln>
+        </p:spPr>
+        <p:txBody>
+          <a:bodyPr anchorCtr="0" anchor="t" bIns="91425" lIns="91425" spcFirstLastPara="1" rIns="91425" wrap="square" tIns="91425">
+            <a:spAutoFit/>
+          </a:bodyPr>
+          <a:lstStyle/>
+          <a:p>
+            <a:pPr indent="0" lvl="0" marL="0" rtl="0" algn="l">
+              <a:lnSpc>
+                <a:spcPct val="175000"/>
+              </a:lnSpc>
+              <a:spcBef>
+                <a:spcPts val="1400"/>
+              </a:spcBef>
+              <a:spcAft>
+                <a:spcPts val="0"/>
+              </a:spcAft>
+              <a:buClr>
+                <a:schemeClr val="dk1"/>
+              </a:buClr>
+              <a:buSzPts val="1100"/>
+              <a:buFont typeface="Arial"/>
+              <a:buNone/>
+            </a:pPr>
+            <a:r>
+              <a:rPr lang="en">
+                <a:solidFill>
+                  <a:schemeClr val="dk1"/>
+                </a:solidFill>
+                <a:highlight>
+                  <a:srgbClr val="FFFFFF"/>
+                </a:highlight>
+              </a:rPr>
+              <a:t>Si volvemos con el ejemplo del esquema Avro V1, se configura la compatibilidad </a:t>
+            </a:r>
+            <a:r>
+              <a:rPr b="1" lang="en">
+                <a:solidFill>
+                  <a:schemeClr val="dk1"/>
+                </a:solidFill>
+                <a:highlight>
+                  <a:srgbClr val="FFFFFF"/>
+                </a:highlight>
+              </a:rPr>
+              <a:t>full </a:t>
+            </a:r>
+            <a:r>
+              <a:rPr lang="en">
+                <a:solidFill>
+                  <a:schemeClr val="dk1"/>
+                </a:solidFill>
+                <a:highlight>
+                  <a:srgbClr val="FFFFFF"/>
+                </a:highlight>
+              </a:rPr>
+              <a:t>y se cambia el esquema inicial (v1) añadiendo un nuevo campo (sex )con valor por defecto (‘FEMALE’) y se elimina un campo opcional (email) en el esquema evolucionado (v2).</a:t>
+            </a:r>
+            <a:endParaRPr>
+              <a:solidFill>
+                <a:schemeClr val="dk1"/>
+              </a:solidFill>
+              <a:highlight>
+                <a:srgbClr val="FFFFFF"/>
+              </a:highlight>
+            </a:endParaRPr>
+          </a:p>
+          <a:p>
+            <a:pPr indent="0" lvl="0" marL="0" marR="0" rtl="0" algn="l">
+              <a:lnSpc>
+                <a:spcPct val="175000"/>
+              </a:lnSpc>
+              <a:spcBef>
+                <a:spcPts val="1400"/>
+              </a:spcBef>
+              <a:spcAft>
+                <a:spcPts val="0"/>
+              </a:spcAft>
+              <a:buNone/>
+            </a:pPr>
+            <a:r>
+              <a:t/>
+            </a:r>
+            <a:endParaRPr sz="1500">
+              <a:solidFill>
+                <a:srgbClr val="181F2C"/>
+              </a:solidFill>
+              <a:highlight>
+                <a:srgbClr val="FFFFFF"/>
+              </a:highlight>
+            </a:endParaRPr>
+          </a:p>
+          <a:p>
+            <a:pPr indent="0" lvl="0" marL="0" marR="0" rtl="0" algn="l">
+              <a:lnSpc>
+                <a:spcPct val="175000"/>
+              </a:lnSpc>
+              <a:spcBef>
+                <a:spcPts val="1400"/>
+              </a:spcBef>
+              <a:spcAft>
+                <a:spcPts val="0"/>
+              </a:spcAft>
+              <a:buNone/>
+            </a:pPr>
+            <a:r>
+              <a:t/>
+            </a:r>
+            <a:endParaRPr sz="1500">
+              <a:solidFill>
+                <a:srgbClr val="181F2C"/>
+              </a:solidFill>
+              <a:highlight>
+                <a:srgbClr val="FFFFFF"/>
+              </a:highlight>
+            </a:endParaRPr>
+          </a:p>
+          <a:p>
+            <a:pPr indent="0" lvl="0" marL="0" marR="0" rtl="0" algn="l">
+              <a:lnSpc>
+                <a:spcPct val="175000"/>
+              </a:lnSpc>
+              <a:spcBef>
+                <a:spcPts val="1400"/>
+              </a:spcBef>
+              <a:spcAft>
+                <a:spcPts val="0"/>
+              </a:spcAft>
+              <a:buNone/>
+            </a:pPr>
+            <a:r>
+              <a:t/>
+            </a:r>
+            <a:endParaRPr sz="1500">
+              <a:solidFill>
+                <a:srgbClr val="181F2C"/>
+              </a:solidFill>
+              <a:highlight>
+                <a:srgbClr val="FFFFFF"/>
+              </a:highlight>
+            </a:endParaRPr>
+          </a:p>
+          <a:p>
+            <a:pPr indent="0" lvl="0" marL="0" marR="0" rtl="0" algn="l">
+              <a:lnSpc>
+                <a:spcPct val="175000"/>
+              </a:lnSpc>
+              <a:spcBef>
+                <a:spcPts val="1400"/>
+              </a:spcBef>
+              <a:spcAft>
+                <a:spcPts val="0"/>
+              </a:spcAft>
+              <a:buNone/>
+            </a:pPr>
+            <a:r>
+              <a:t/>
+            </a:r>
+            <a:endParaRPr sz="1500">
+              <a:solidFill>
+                <a:srgbClr val="181F2C"/>
+              </a:solidFill>
+              <a:highlight>
+                <a:srgbClr val="FFFFFF"/>
+              </a:highlight>
+            </a:endParaRPr>
+          </a:p>
+          <a:p>
+            <a:pPr indent="0" lvl="0" marL="0" marR="0" rtl="0" algn="l">
+              <a:lnSpc>
+                <a:spcPct val="175000"/>
+              </a:lnSpc>
+              <a:spcBef>
+                <a:spcPts val="1400"/>
+              </a:spcBef>
+              <a:spcAft>
+                <a:spcPts val="400"/>
+              </a:spcAft>
+              <a:buNone/>
+            </a:pPr>
+            <a:r>
+              <a:rPr lang="en" sz="1500">
+                <a:solidFill>
+                  <a:srgbClr val="181F2C"/>
+                </a:solidFill>
+                <a:highlight>
+                  <a:srgbClr val="FFFFFF"/>
+                </a:highlight>
+              </a:rPr>
+              <a:t>Que podemos comprobar para los consumidores V1 y V2 ?</a:t>
+            </a:r>
+            <a:endParaRPr b="1" sz="1500">
+              <a:solidFill>
+                <a:srgbClr val="181F2C"/>
+              </a:solidFill>
+              <a:highlight>
+                <a:srgbClr val="FFFFFF"/>
+              </a:highlight>
+            </a:endParaRPr>
+          </a:p>
+        </p:txBody>
+      </p:sp>
+      <p:sp>
+        <p:nvSpPr>
+          <p:cNvPr id="421" name="Google Shape;421;g10f8b4e1e0b_0_50"/>
+          <p:cNvSpPr txBox="1"/>
+          <p:nvPr/>
+        </p:nvSpPr>
+        <p:spPr>
+          <a:xfrm>
+            <a:off x="769475" y="2769375"/>
+            <a:ext cx="3712800" cy="1477500"/>
+          </a:xfrm>
+          <a:prstGeom prst="rect">
+            <a:avLst/>
+          </a:prstGeom>
+          <a:noFill/>
+          <a:ln>
+            <a:noFill/>
+          </a:ln>
+          <a:effectLst>
+            <a:outerShdw blurRad="57150" rotWithShape="0" algn="bl" dir="5400000" dist="19050">
+              <a:srgbClr val="000000">
+                <a:alpha val="50000"/>
+              </a:srgbClr>
+            </a:outerShdw>
+          </a:effectLst>
+        </p:spPr>
+        <p:txBody>
+          <a:bodyPr anchorCtr="0" anchor="t" bIns="91425" lIns="91425" spcFirstLastPara="1" rIns="91425" wrap="square" tIns="91425">
+            <a:spAutoFit/>
+          </a:bodyPr>
+          <a:lstStyle/>
+          <a:p>
+            <a:pPr indent="0" lvl="0" marL="0" rtl="0" algn="l">
+              <a:spcBef>
+                <a:spcPts val="0"/>
+              </a:spcBef>
+              <a:spcAft>
+                <a:spcPts val="0"/>
+              </a:spcAft>
+              <a:buNone/>
+            </a:pPr>
+            <a:r>
+              <a:rPr lang="en">
+                <a:solidFill>
+                  <a:schemeClr val="dk1"/>
+                </a:solidFill>
+              </a:rPr>
+              <a:t>Customer V1</a:t>
+            </a:r>
+            <a:endParaRPr>
+              <a:solidFill>
+                <a:schemeClr val="dk1"/>
+              </a:solidFill>
+            </a:endParaRPr>
+          </a:p>
+          <a:p>
+            <a:pPr indent="0" lvl="0" marL="0" rtl="0" algn="l">
+              <a:spcBef>
+                <a:spcPts val="0"/>
+              </a:spcBef>
+              <a:spcAft>
+                <a:spcPts val="0"/>
+              </a:spcAft>
+              <a:buNone/>
+            </a:pPr>
+            <a:r>
+              <a:t/>
+            </a:r>
+            <a:endParaRPr>
+              <a:solidFill>
+                <a:schemeClr val="dk1"/>
+              </a:solidFill>
+            </a:endParaRPr>
+          </a:p>
+          <a:p>
+            <a:pPr indent="0" lvl="0" marL="0" rtl="0" algn="l">
+              <a:spcBef>
+                <a:spcPts val="0"/>
+              </a:spcBef>
+              <a:spcAft>
+                <a:spcPts val="0"/>
+              </a:spcAft>
+              <a:buNone/>
+            </a:pPr>
+            <a:r>
+              <a:rPr lang="en">
+                <a:solidFill>
+                  <a:schemeClr val="dk1"/>
+                </a:solidFill>
+              </a:rPr>
+              <a:t>customerId                 long </a:t>
+            </a:r>
+            <a:r>
+              <a:rPr lang="en">
+                <a:solidFill>
+                  <a:schemeClr val="dk1"/>
+                </a:solidFill>
+              </a:rPr>
+              <a:t>(mandatory)</a:t>
+            </a:r>
+            <a:endParaRPr>
+              <a:solidFill>
+                <a:schemeClr val="dk1"/>
+              </a:solidFill>
+            </a:endParaRPr>
+          </a:p>
+          <a:p>
+            <a:pPr indent="0" lvl="0" marL="0" rtl="0" algn="l">
+              <a:spcBef>
+                <a:spcPts val="0"/>
+              </a:spcBef>
+              <a:spcAft>
+                <a:spcPts val="0"/>
+              </a:spcAft>
+              <a:buNone/>
+            </a:pPr>
+            <a:r>
+              <a:rPr lang="en">
+                <a:solidFill>
+                  <a:schemeClr val="dk1"/>
+                </a:solidFill>
+              </a:rPr>
+              <a:t>timestamp                  long </a:t>
+            </a:r>
+            <a:r>
+              <a:rPr lang="en">
+                <a:solidFill>
+                  <a:schemeClr val="dk1"/>
+                </a:solidFill>
+              </a:rPr>
+              <a:t>(mandatory)</a:t>
+            </a:r>
+            <a:endParaRPr>
+              <a:solidFill>
+                <a:schemeClr val="dk1"/>
+              </a:solidFill>
+            </a:endParaRPr>
+          </a:p>
+          <a:p>
+            <a:pPr indent="0" lvl="0" marL="0" rtl="0" algn="l">
+              <a:spcBef>
+                <a:spcPts val="0"/>
+              </a:spcBef>
+              <a:spcAft>
+                <a:spcPts val="0"/>
+              </a:spcAft>
+              <a:buNone/>
+            </a:pPr>
+            <a:r>
+              <a:rPr lang="en">
+                <a:solidFill>
+                  <a:schemeClr val="dk1"/>
+                </a:solidFill>
+              </a:rPr>
+              <a:t>name                          string </a:t>
+            </a:r>
+            <a:r>
+              <a:rPr lang="en">
+                <a:solidFill>
+                  <a:schemeClr val="dk1"/>
+                </a:solidFill>
+              </a:rPr>
+              <a:t>(mandatory)</a:t>
+            </a:r>
+            <a:endParaRPr>
+              <a:solidFill>
+                <a:schemeClr val="dk1"/>
+              </a:solidFill>
+            </a:endParaRPr>
+          </a:p>
+          <a:p>
+            <a:pPr indent="0" lvl="0" marL="0" rtl="0" algn="l">
+              <a:spcBef>
+                <a:spcPts val="0"/>
+              </a:spcBef>
+              <a:spcAft>
+                <a:spcPts val="0"/>
+              </a:spcAft>
+              <a:buNone/>
+            </a:pPr>
+            <a:r>
+              <a:rPr lang="en">
+                <a:solidFill>
+                  <a:schemeClr val="dk1"/>
+                </a:solidFill>
+              </a:rPr>
+              <a:t>email                          string </a:t>
+            </a:r>
+            <a:r>
+              <a:rPr lang="en">
+                <a:solidFill>
+                  <a:schemeClr val="dk1"/>
+                </a:solidFill>
+              </a:rPr>
+              <a:t>(optional)</a:t>
+            </a:r>
+            <a:endParaRPr/>
+          </a:p>
+        </p:txBody>
+      </p:sp>
+      <p:sp>
+        <p:nvSpPr>
+          <p:cNvPr id="422" name="Google Shape;422;g10f8b4e1e0b_0_50"/>
+          <p:cNvSpPr txBox="1"/>
+          <p:nvPr/>
+        </p:nvSpPr>
+        <p:spPr>
+          <a:xfrm>
+            <a:off x="4254675" y="2697650"/>
+            <a:ext cx="4822200" cy="1693200"/>
+          </a:xfrm>
+          <a:prstGeom prst="rect">
+            <a:avLst/>
+          </a:prstGeom>
+          <a:noFill/>
+          <a:ln>
+            <a:noFill/>
+          </a:ln>
+          <a:effectLst>
+            <a:outerShdw blurRad="57150" rotWithShape="0" algn="bl" dir="5400000" dist="19050">
+              <a:srgbClr val="000000">
+                <a:alpha val="50000"/>
+              </a:srgbClr>
+            </a:outerShdw>
+          </a:effectLst>
+        </p:spPr>
+        <p:txBody>
+          <a:bodyPr anchorCtr="0" anchor="t" bIns="91425" lIns="91425" spcFirstLastPara="1" rIns="91425" wrap="square" tIns="91425">
+            <a:spAutoFit/>
+          </a:bodyPr>
+          <a:lstStyle/>
+          <a:p>
+            <a:pPr indent="0" lvl="0" marL="0" rtl="0" algn="l">
+              <a:spcBef>
+                <a:spcPts val="0"/>
+              </a:spcBef>
+              <a:spcAft>
+                <a:spcPts val="0"/>
+              </a:spcAft>
+              <a:buNone/>
+            </a:pPr>
+            <a:r>
+              <a:rPr lang="en">
+                <a:solidFill>
+                  <a:schemeClr val="dk1"/>
+                </a:solidFill>
+              </a:rPr>
+              <a:t>Customer V2</a:t>
+            </a:r>
+            <a:endParaRPr>
+              <a:solidFill>
+                <a:schemeClr val="dk1"/>
+              </a:solidFill>
+            </a:endParaRPr>
+          </a:p>
+          <a:p>
+            <a:pPr indent="0" lvl="0" marL="0" rtl="0" algn="l">
+              <a:spcBef>
+                <a:spcPts val="0"/>
+              </a:spcBef>
+              <a:spcAft>
+                <a:spcPts val="0"/>
+              </a:spcAft>
+              <a:buNone/>
+            </a:pPr>
+            <a:r>
+              <a:t/>
+            </a:r>
+            <a:endParaRPr>
+              <a:solidFill>
+                <a:schemeClr val="dk1"/>
+              </a:solidFill>
+            </a:endParaRPr>
+          </a:p>
+          <a:p>
+            <a:pPr indent="0" lvl="0" marL="0" rtl="0" algn="l">
+              <a:spcBef>
+                <a:spcPts val="0"/>
+              </a:spcBef>
+              <a:spcAft>
+                <a:spcPts val="0"/>
+              </a:spcAft>
+              <a:buNone/>
+            </a:pPr>
+            <a:r>
+              <a:rPr lang="en">
+                <a:solidFill>
+                  <a:schemeClr val="dk1"/>
+                </a:solidFill>
+              </a:rPr>
+              <a:t>customerId                 long </a:t>
+            </a:r>
+            <a:r>
+              <a:rPr lang="en">
+                <a:solidFill>
+                  <a:schemeClr val="dk1"/>
+                </a:solidFill>
+              </a:rPr>
+              <a:t>(mandatory)</a:t>
+            </a:r>
+            <a:endParaRPr>
+              <a:solidFill>
+                <a:schemeClr val="dk1"/>
+              </a:solidFill>
+            </a:endParaRPr>
+          </a:p>
+          <a:p>
+            <a:pPr indent="0" lvl="0" marL="0" rtl="0" algn="l">
+              <a:spcBef>
+                <a:spcPts val="0"/>
+              </a:spcBef>
+              <a:spcAft>
+                <a:spcPts val="0"/>
+              </a:spcAft>
+              <a:buNone/>
+            </a:pPr>
+            <a:r>
+              <a:rPr lang="en">
+                <a:solidFill>
+                  <a:schemeClr val="dk1"/>
+                </a:solidFill>
+              </a:rPr>
+              <a:t>timestamp                  long </a:t>
+            </a:r>
+            <a:r>
+              <a:rPr lang="en">
+                <a:solidFill>
+                  <a:schemeClr val="dk1"/>
+                </a:solidFill>
+              </a:rPr>
+              <a:t>(mandatory)</a:t>
+            </a:r>
+            <a:endParaRPr>
+              <a:solidFill>
+                <a:schemeClr val="dk1"/>
+              </a:solidFill>
+            </a:endParaRPr>
+          </a:p>
+          <a:p>
+            <a:pPr indent="0" lvl="0" marL="0" rtl="0" algn="l">
+              <a:spcBef>
+                <a:spcPts val="0"/>
+              </a:spcBef>
+              <a:spcAft>
+                <a:spcPts val="0"/>
+              </a:spcAft>
+              <a:buNone/>
+            </a:pPr>
+            <a:r>
+              <a:rPr lang="en">
+                <a:solidFill>
+                  <a:schemeClr val="dk1"/>
+                </a:solidFill>
+              </a:rPr>
+              <a:t>name                          string (mandatory)</a:t>
+            </a:r>
+            <a:endParaRPr>
+              <a:solidFill>
+                <a:schemeClr val="dk1"/>
+              </a:solidFill>
+            </a:endParaRPr>
+          </a:p>
+          <a:p>
+            <a:pPr indent="0" lvl="0" marL="0" rtl="0" algn="l">
+              <a:spcBef>
+                <a:spcPts val="0"/>
+              </a:spcBef>
+              <a:spcAft>
+                <a:spcPts val="0"/>
+              </a:spcAft>
+              <a:buNone/>
+            </a:pPr>
+            <a:r>
+              <a:t/>
+            </a:r>
+            <a:endParaRPr>
+              <a:solidFill>
+                <a:srgbClr val="FF0000"/>
+              </a:solidFill>
+            </a:endParaRPr>
+          </a:p>
+          <a:p>
+            <a:pPr indent="0" lvl="0" marL="0" rtl="0" algn="l">
+              <a:spcBef>
+                <a:spcPts val="0"/>
+              </a:spcBef>
+              <a:spcAft>
+                <a:spcPts val="0"/>
+              </a:spcAft>
+              <a:buNone/>
+            </a:pPr>
+            <a:r>
+              <a:rPr lang="en">
+                <a:solidFill>
+                  <a:srgbClr val="FF0000"/>
+                </a:solidFill>
+              </a:rPr>
+              <a:t>sex                            enum default FEMA</a:t>
+            </a:r>
+            <a:r>
+              <a:rPr lang="en">
+                <a:solidFill>
+                  <a:srgbClr val="FF0000"/>
+                </a:solidFill>
+              </a:rPr>
+              <a:t>LE (mandatory)</a:t>
+            </a:r>
+            <a:endParaRPr>
+              <a:solidFill>
+                <a:srgbClr val="FF0000"/>
+              </a:solidFill>
+            </a:endParaRPr>
+          </a:p>
+        </p:txBody>
+      </p:sp>
+    </p:spTree>
+  </p:cSld>
+  <p:clrMapOvr>
+    <a:masterClrMapping/>
+  </p:clrMapOvr>
+</p:sld>
+</file>
+
+<file path=ppt/slides/slide32.xml><?xml version="1.0" encoding="utf-8"?>
+<p:sld xmlns:a="http://schemas.openxmlformats.org/drawingml/2006/main" xmlns:r="http://schemas.openxmlformats.org/officeDocument/2006/relationships" xmlns:mc="http://schemas.openxmlformats.org/markup-compatibility/2006" xmlns:mv="urn:schemas-microsoft-com:mac:vml" xmlns:p="http://schemas.openxmlformats.org/presentationml/2006/main" xmlns:c="http://schemas.openxmlformats.org/drawingml/2006/chart" xmlns:dgm="http://schemas.openxmlformats.org/drawingml/2006/diagram" xmlns:o="urn:schemas-microsoft-com:office:office" xmlns:v="urn:schemas-microsoft-com:vml" xmlns:pvml="urn:schemas-microsoft-com:office:powerpoint" xmlns:com="http://schemas.openxmlformats.org/drawingml/2006/compatibility" xmlns:p14="http://schemas.microsoft.com/office/powerpoint/2010/main" xmlns:p15="http://schemas.microsoft.com/office/powerpoint/2012/main" xmlns:ahyp="http://schemas.microsoft.com/office/drawing/2018/hyperlinkcolor">
+  <p:cSld>
+    <p:spTree>
+      <p:nvGrpSpPr>
+        <p:cNvPr id="426" name="Shape 426"/>
+        <p:cNvGrpSpPr/>
+        <p:nvPr/>
+      </p:nvGrpSpPr>
+      <p:grpSpPr>
+        <a:xfrm>
+          <a:off x="0" y="0"/>
+          <a:ext cx="0" cy="0"/>
+          <a:chOff x="0" y="0"/>
+          <a:chExt cx="0" cy="0"/>
+        </a:xfrm>
+      </p:grpSpPr>
+      <p:sp>
+        <p:nvSpPr>
+          <p:cNvPr id="427" name="Google Shape;427;p42"/>
           <p:cNvSpPr txBox="1"/>
           <p:nvPr/>
         </p:nvSpPr>
@@ -44391,6 +45260,285 @@
 </file>
 
 <file path=ppt/theme/theme4.xml><?xml version="1.0" encoding="utf-8"?>
+<a:theme xmlns:a="http://schemas.openxmlformats.org/drawingml/2006/main" xmlns:r="http://schemas.openxmlformats.org/officeDocument/2006/relationships">
+  <a:themeElements>
+    <a:clrScheme name="Default">
+      <a:dk1>
+        <a:srgbClr val="000000"/>
+      </a:dk1>
+      <a:lt1>
+        <a:srgbClr val="FFFFFF"/>
+      </a:lt1>
+      <a:dk2>
+        <a:srgbClr val="158158"/>
+      </a:dk2>
+      <a:lt2>
+        <a:srgbClr val="F3F3F3"/>
+      </a:lt2>
+      <a:accent1>
+        <a:srgbClr val="058DC7"/>
+      </a:accent1>
+      <a:accent2>
+        <a:srgbClr val="50B432"/>
+      </a:accent2>
+      <a:accent3>
+        <a:srgbClr val="ED561B"/>
+      </a:accent3>
+      <a:accent4>
+        <a:srgbClr val="EDEF00"/>
+      </a:accent4>
+      <a:accent5>
+        <a:srgbClr val="24CBE5"/>
+      </a:accent5>
+      <a:accent6>
+        <a:srgbClr val="64E572"/>
+      </a:accent6>
+      <a:hlink>
+        <a:srgbClr val="2200CC"/>
+      </a:hlink>
+      <a:folHlink>
+        <a:srgbClr val="551A8B"/>
+      </a:folHlink>
+    </a:clrScheme>
+    <a:fontScheme name="Office">
+      <a:majorFont>
+        <a:latin typeface="Arial"/>
+        <a:ea typeface=""/>
+        <a:cs typeface=""/>
+        <a:font script="Jpan" typeface="ＭＳ Ｐゴシック"/>
+        <a:font script="Hang" typeface="맑은 고딕"/>
+        <a:font script="Hans" typeface="宋体"/>
+        <a:font script="Hant" typeface="新細明體"/>
+        <a:font script="Arab" typeface="Times New Roman"/>
+        <a:font script="Hebr" typeface="Times New Roman"/>
+        <a:font script="Thai" typeface="Angsana New"/>
+        <a:font script="Ethi" typeface="Nyala"/>
+        <a:font script="Beng" typeface="Vrinda"/>
+        <a:font script="Gujr" typeface="Shruti"/>
+        <a:font script="Khmr" typeface="MoolBoran"/>
+        <a:font script="Knda" typeface="Tunga"/>
+        <a:font script="Guru" typeface="Raavi"/>
+        <a:font script="Cans" typeface="Euphemia"/>
+        <a:font script="Cher" typeface="Plantagenet Cherokee"/>
+        <a:font script="Yiii" typeface="Microsoft Yi Baiti"/>
+        <a:font script="Tibt" typeface="Microsoft Himalaya"/>
+        <a:font script="Thaa" typeface="MV Boli"/>
+        <a:font script="Deva" typeface="Mangal"/>
+        <a:font script="Telu" typeface="Gautami"/>
+        <a:font script="Taml" typeface="Latha"/>
+        <a:font script="Syrc" typeface="Estrangelo Edessa"/>
+        <a:font script="Orya" typeface="Kalinga"/>
+        <a:font script="Mlym" typeface="Kartika"/>
+        <a:font script="Laoo" typeface="DokChampa"/>
+        <a:font script="Sinh" typeface="Iskoola Pota"/>
+        <a:font script="Mong" typeface="Mongolian Baiti"/>
+        <a:font script="Viet" typeface="Times New Roman"/>
+        <a:font script="Uigh" typeface="Microsoft Uighur"/>
+        <a:font script="Geor" typeface="Sylfaen"/>
+      </a:majorFont>
+      <a:minorFont>
+        <a:latin typeface="Arial"/>
+        <a:ea typeface=""/>
+        <a:cs typeface=""/>
+        <a:font script="Jpan" typeface="ＭＳ Ｐゴシック"/>
+        <a:font script="Hang" typeface="맑은 고딕"/>
+        <a:font script="Hans" typeface="宋体"/>
+        <a:font script="Hant" typeface="新細明體"/>
+        <a:font script="Arab" typeface="Arial"/>
+        <a:font script="Hebr" typeface="Arial"/>
+        <a:font script="Thai" typeface="Cordia New"/>
+        <a:font script="Ethi" typeface="Nyala"/>
+        <a:font script="Beng" typeface="Vrinda"/>
+        <a:font script="Gujr" typeface="Shruti"/>
+        <a:font script="Khmr" typeface="DaunPenh"/>
+        <a:font script="Knda" typeface="Tunga"/>
+        <a:font script="Guru" typeface="Raavi"/>
+        <a:font script="Cans" typeface="Euphemia"/>
+        <a:font script="Cher" typeface="Plantagenet Cherokee"/>
+        <a:font script="Yiii" typeface="Microsoft Yi Baiti"/>
+        <a:font script="Tibt" typeface="Microsoft Himalaya"/>
+        <a:font script="Thaa" typeface="MV Boli"/>
+        <a:font script="Deva" typeface="Mangal"/>
+        <a:font script="Telu" typeface="Gautami"/>
+        <a:font script="Taml" typeface="Latha"/>
+        <a:font script="Syrc" typeface="Estrangelo Edessa"/>
+        <a:font script="Orya" typeface="Kalinga"/>
+        <a:font script="Mlym" typeface="Kartika"/>
+        <a:font script="Laoo" typeface="DokChampa"/>
+        <a:font script="Sinh" typeface="Iskoola Pota"/>
+        <a:font script="Mong" typeface="Mongolian Baiti"/>
+        <a:font script="Viet" typeface="Arial"/>
+        <a:font script="Uigh" typeface="Microsoft Uighur"/>
+        <a:font script="Geor" typeface="Sylfaen"/>
+      </a:minorFont>
+    </a:fontScheme>
+    <a:fmtScheme name="Office">
+      <a:fillStyleLst>
+        <a:solidFill>
+          <a:schemeClr val="phClr"/>
+        </a:solidFill>
+        <a:gradFill rotWithShape="1">
+          <a:gsLst>
+            <a:gs pos="0">
+              <a:schemeClr val="phClr">
+                <a:tint val="50000"/>
+                <a:satMod val="300000"/>
+              </a:schemeClr>
+            </a:gs>
+            <a:gs pos="35000">
+              <a:schemeClr val="phClr">
+                <a:tint val="37000"/>
+                <a:satMod val="300000"/>
+              </a:schemeClr>
+            </a:gs>
+            <a:gs pos="100000">
+              <a:schemeClr val="phClr">
+                <a:tint val="15000"/>
+                <a:satMod val="350000"/>
+              </a:schemeClr>
+            </a:gs>
+          </a:gsLst>
+          <a:lin ang="16200000" scaled="1"/>
+        </a:gradFill>
+        <a:gradFill rotWithShape="1">
+          <a:gsLst>
+            <a:gs pos="0">
+              <a:schemeClr val="phClr">
+                <a:tint val="100000"/>
+                <a:shade val="100000"/>
+                <a:satMod val="130000"/>
+              </a:schemeClr>
+            </a:gs>
+            <a:gs pos="100000">
+              <a:schemeClr val="phClr">
+                <a:tint val="50000"/>
+                <a:shade val="100000"/>
+                <a:satMod val="350000"/>
+              </a:schemeClr>
+            </a:gs>
+          </a:gsLst>
+          <a:lin ang="16200000" scaled="0"/>
+        </a:gradFill>
+      </a:fillStyleLst>
+      <a:lnStyleLst>
+        <a:ln w="9525" cap="flat" cmpd="sng" algn="ctr">
+          <a:solidFill>
+            <a:schemeClr val="phClr">
+              <a:shade val="95000"/>
+              <a:satMod val="105000"/>
+            </a:schemeClr>
+          </a:solidFill>
+          <a:prstDash val="solid"/>
+        </a:ln>
+        <a:ln w="25400" cap="flat" cmpd="sng" algn="ctr">
+          <a:solidFill>
+            <a:schemeClr val="phClr"/>
+          </a:solidFill>
+          <a:prstDash val="solid"/>
+        </a:ln>
+        <a:ln w="38100" cap="flat" cmpd="sng" algn="ctr">
+          <a:solidFill>
+            <a:schemeClr val="phClr"/>
+          </a:solidFill>
+          <a:prstDash val="solid"/>
+        </a:ln>
+      </a:lnStyleLst>
+      <a:effectStyleLst>
+        <a:effectStyle>
+          <a:effectLst>
+            <a:outerShdw blurRad="40000" dist="20000" dir="5400000" rotWithShape="0">
+              <a:srgbClr val="000000">
+                <a:alpha val="38000"/>
+              </a:srgbClr>
+            </a:outerShdw>
+          </a:effectLst>
+        </a:effectStyle>
+        <a:effectStyle>
+          <a:effectLst>
+            <a:outerShdw blurRad="40000" dist="23000" dir="5400000" rotWithShape="0">
+              <a:srgbClr val="000000">
+                <a:alpha val="35000"/>
+              </a:srgbClr>
+            </a:outerShdw>
+          </a:effectLst>
+        </a:effectStyle>
+        <a:effectStyle>
+          <a:effectLst>
+            <a:outerShdw blurRad="40000" dist="23000" dir="5400000" rotWithShape="0">
+              <a:srgbClr val="000000">
+                <a:alpha val="35000"/>
+              </a:srgbClr>
+            </a:outerShdw>
+          </a:effectLst>
+          <a:scene3d>
+            <a:camera prst="orthographicFront">
+              <a:rot lat="0" lon="0" rev="0"/>
+            </a:camera>
+            <a:lightRig rig="threePt" dir="t">
+              <a:rot lat="0" lon="0" rev="1200000"/>
+            </a:lightRig>
+          </a:scene3d>
+          <a:sp3d>
+            <a:bevelT w="63500" h="25400"/>
+          </a:sp3d>
+        </a:effectStyle>
+      </a:effectStyleLst>
+      <a:bgFillStyleLst>
+        <a:solidFill>
+          <a:schemeClr val="phClr"/>
+        </a:solidFill>
+        <a:gradFill rotWithShape="1">
+          <a:gsLst>
+            <a:gs pos="0">
+              <a:schemeClr val="phClr">
+                <a:tint val="40000"/>
+                <a:satMod val="350000"/>
+              </a:schemeClr>
+            </a:gs>
+            <a:gs pos="40000">
+              <a:schemeClr val="phClr">
+                <a:tint val="45000"/>
+                <a:shade val="99000"/>
+                <a:satMod val="350000"/>
+              </a:schemeClr>
+            </a:gs>
+            <a:gs pos="100000">
+              <a:schemeClr val="phClr">
+                <a:shade val="20000"/>
+                <a:satMod val="255000"/>
+              </a:schemeClr>
+            </a:gs>
+          </a:gsLst>
+          <a:path path="circle">
+            <a:fillToRect l="50000" t="-80000" r="50000" b="180000"/>
+          </a:path>
+        </a:gradFill>
+        <a:gradFill rotWithShape="1">
+          <a:gsLst>
+            <a:gs pos="0">
+              <a:schemeClr val="phClr">
+                <a:tint val="80000"/>
+                <a:satMod val="300000"/>
+              </a:schemeClr>
+            </a:gs>
+            <a:gs pos="100000">
+              <a:schemeClr val="phClr">
+                <a:shade val="30000"/>
+                <a:satMod val="200000"/>
+              </a:schemeClr>
+            </a:gs>
+          </a:gsLst>
+          <a:path path="circle">
+            <a:fillToRect l="50000" t="50000" r="50000" b="50000"/>
+          </a:path>
+        </a:gradFill>
+      </a:bgFillStyleLst>
+    </a:fmtScheme>
+  </a:themeElements>
+</a:theme>
+</file>
+
+<file path=ppt/theme/theme5.xml><?xml version="1.0" encoding="utf-8"?>
 <a:theme xmlns:a="http://schemas.openxmlformats.org/drawingml/2006/main" xmlns:r="http://schemas.openxmlformats.org/officeDocument/2006/relationships" name="Office Theme">
   <a:themeElements>
     <a:clrScheme name="Office">
@@ -44667,283 +45815,4 @@
     </a:fmtScheme>
   </a:themeElements>
 </a:theme>
-</file>
-
-<file path=ppt/theme/theme5.xml><?xml version="1.0" encoding="utf-8"?>
-<a:theme xmlns:a="http://schemas.openxmlformats.org/drawingml/2006/main" xmlns:r="http://schemas.openxmlformats.org/officeDocument/2006/relationships">
-  <a:themeElements>
-    <a:clrScheme name="Default">
-      <a:dk1>
-        <a:srgbClr val="000000"/>
-      </a:dk1>
-      <a:lt1>
-        <a:srgbClr val="FFFFFF"/>
-      </a:lt1>
-      <a:dk2>
-        <a:srgbClr val="158158"/>
-      </a:dk2>
-      <a:lt2>
-        <a:srgbClr val="F3F3F3"/>
-      </a:lt2>
-      <a:accent1>
-        <a:srgbClr val="058DC7"/>
-      </a:accent1>
-      <a:accent2>
-        <a:srgbClr val="50B432"/>
-      </a:accent2>
-      <a:accent3>
-        <a:srgbClr val="ED561B"/>
-      </a:accent3>
-      <a:accent4>
-        <a:srgbClr val="EDEF00"/>
-      </a:accent4>
-      <a:accent5>
-        <a:srgbClr val="24CBE5"/>
-      </a:accent5>
-      <a:accent6>
-        <a:srgbClr val="64E572"/>
-      </a:accent6>
-      <a:hlink>
-        <a:srgbClr val="2200CC"/>
-      </a:hlink>
-      <a:folHlink>
-        <a:srgbClr val="551A8B"/>
-      </a:folHlink>
-    </a:clrScheme>
-    <a:fontScheme name="Office">
-      <a:majorFont>
-        <a:latin typeface="Arial"/>
-        <a:ea typeface=""/>
-        <a:cs typeface=""/>
-        <a:font script="Jpan" typeface="ＭＳ Ｐゴシック"/>
-        <a:font script="Hang" typeface="맑은 고딕"/>
-        <a:font script="Hans" typeface="宋体"/>
-        <a:font script="Hant" typeface="新細明體"/>
-        <a:font script="Arab" typeface="Times New Roman"/>
-        <a:font script="Hebr" typeface="Times New Roman"/>
-        <a:font script="Thai" typeface="Angsana New"/>
-        <a:font script="Ethi" typeface="Nyala"/>
-        <a:font script="Beng" typeface="Vrinda"/>
-        <a:font script="Gujr" typeface="Shruti"/>
-        <a:font script="Khmr" typeface="MoolBoran"/>
-        <a:font script="Knda" typeface="Tunga"/>
-        <a:font script="Guru" typeface="Raavi"/>
-        <a:font script="Cans" typeface="Euphemia"/>
-        <a:font script="Cher" typeface="Plantagenet Cherokee"/>
-        <a:font script="Yiii" typeface="Microsoft Yi Baiti"/>
-        <a:font script="Tibt" typeface="Microsoft Himalaya"/>
-        <a:font script="Thaa" typeface="MV Boli"/>
-        <a:font script="Deva" typeface="Mangal"/>
-        <a:font script="Telu" typeface="Gautami"/>
-        <a:font script="Taml" typeface="Latha"/>
-        <a:font script="Syrc" typeface="Estrangelo Edessa"/>
-        <a:font script="Orya" typeface="Kalinga"/>
-        <a:font script="Mlym" typeface="Kartika"/>
-        <a:font script="Laoo" typeface="DokChampa"/>
-        <a:font script="Sinh" typeface="Iskoola Pota"/>
-        <a:font script="Mong" typeface="Mongolian Baiti"/>
-        <a:font script="Viet" typeface="Times New Roman"/>
-        <a:font script="Uigh" typeface="Microsoft Uighur"/>
-        <a:font script="Geor" typeface="Sylfaen"/>
-      </a:majorFont>
-      <a:minorFont>
-        <a:latin typeface="Arial"/>
-        <a:ea typeface=""/>
-        <a:cs typeface=""/>
-        <a:font script="Jpan" typeface="ＭＳ Ｐゴシック"/>
-        <a:font script="Hang" typeface="맑은 고딕"/>
-        <a:font script="Hans" typeface="宋体"/>
-        <a:font script="Hant" typeface="新細明體"/>
-        <a:font script="Arab" typeface="Arial"/>
-        <a:font script="Hebr" typeface="Arial"/>
-        <a:font script="Thai" typeface="Cordia New"/>
-        <a:font script="Ethi" typeface="Nyala"/>
-        <a:font script="Beng" typeface="Vrinda"/>
-        <a:font script="Gujr" typeface="Shruti"/>
-        <a:font script="Khmr" typeface="DaunPenh"/>
-        <a:font script="Knda" typeface="Tunga"/>
-        <a:font script="Guru" typeface="Raavi"/>
-        <a:font script="Cans" typeface="Euphemia"/>
-        <a:font script="Cher" typeface="Plantagenet Cherokee"/>
-        <a:font script="Yiii" typeface="Microsoft Yi Baiti"/>
-        <a:font script="Tibt" typeface="Microsoft Himalaya"/>
-        <a:font script="Thaa" typeface="MV Boli"/>
-        <a:font script="Deva" typeface="Mangal"/>
-        <a:font script="Telu" typeface="Gautami"/>
-        <a:font script="Taml" typeface="Latha"/>
-        <a:font script="Syrc" typeface="Estrangelo Edessa"/>
-        <a:font script="Orya" typeface="Kalinga"/>
-        <a:font script="Mlym" typeface="Kartika"/>
-        <a:font script="Laoo" typeface="DokChampa"/>
-        <a:font script="Sinh" typeface="Iskoola Pota"/>
-        <a:font script="Mong" typeface="Mongolian Baiti"/>
-        <a:font script="Viet" typeface="Arial"/>
-        <a:font script="Uigh" typeface="Microsoft Uighur"/>
-        <a:font script="Geor" typeface="Sylfaen"/>
-      </a:minorFont>
-    </a:fontScheme>
-    <a:fmtScheme name="Office">
-      <a:fillStyleLst>
-        <a:solidFill>
-          <a:schemeClr val="phClr"/>
-        </a:solidFill>
-        <a:gradFill rotWithShape="1">
-          <a:gsLst>
-            <a:gs pos="0">
-              <a:schemeClr val="phClr">
-                <a:tint val="50000"/>
-                <a:satMod val="300000"/>
-              </a:schemeClr>
-            </a:gs>
-            <a:gs pos="35000">
-              <a:schemeClr val="phClr">
-                <a:tint val="37000"/>
-                <a:satMod val="300000"/>
-              </a:schemeClr>
-            </a:gs>
-            <a:gs pos="100000">
-              <a:schemeClr val="phClr">
-                <a:tint val="15000"/>
-                <a:satMod val="350000"/>
-              </a:schemeClr>
-            </a:gs>
-          </a:gsLst>
-          <a:lin ang="16200000" scaled="1"/>
-        </a:gradFill>
-        <a:gradFill rotWithShape="1">
-          <a:gsLst>
-            <a:gs pos="0">
-              <a:schemeClr val="phClr">
-                <a:tint val="100000"/>
-                <a:shade val="100000"/>
-                <a:satMod val="130000"/>
-              </a:schemeClr>
-            </a:gs>
-            <a:gs pos="100000">
-              <a:schemeClr val="phClr">
-                <a:tint val="50000"/>
-                <a:shade val="100000"/>
-                <a:satMod val="350000"/>
-              </a:schemeClr>
-            </a:gs>
-          </a:gsLst>
-          <a:lin ang="16200000" scaled="0"/>
-        </a:gradFill>
-      </a:fillStyleLst>
-      <a:lnStyleLst>
-        <a:ln w="9525" cap="flat" cmpd="sng" algn="ctr">
-          <a:solidFill>
-            <a:schemeClr val="phClr">
-              <a:shade val="95000"/>
-              <a:satMod val="105000"/>
-            </a:schemeClr>
-          </a:solidFill>
-          <a:prstDash val="solid"/>
-        </a:ln>
-        <a:ln w="25400" cap="flat" cmpd="sng" algn="ctr">
-          <a:solidFill>
-            <a:schemeClr val="phClr"/>
-          </a:solidFill>
-          <a:prstDash val="solid"/>
-        </a:ln>
-        <a:ln w="38100" cap="flat" cmpd="sng" algn="ctr">
-          <a:solidFill>
-            <a:schemeClr val="phClr"/>
-          </a:solidFill>
-          <a:prstDash val="solid"/>
-        </a:ln>
-      </a:lnStyleLst>
-      <a:effectStyleLst>
-        <a:effectStyle>
-          <a:effectLst>
-            <a:outerShdw blurRad="40000" dist="20000" dir="5400000" rotWithShape="0">
-              <a:srgbClr val="000000">
-                <a:alpha val="38000"/>
-              </a:srgbClr>
-            </a:outerShdw>
-          </a:effectLst>
-        </a:effectStyle>
-        <a:effectStyle>
-          <a:effectLst>
-            <a:outerShdw blurRad="40000" dist="23000" dir="5400000" rotWithShape="0">
-              <a:srgbClr val="000000">
-                <a:alpha val="35000"/>
-              </a:srgbClr>
-            </a:outerShdw>
-          </a:effectLst>
-        </a:effectStyle>
-        <a:effectStyle>
-          <a:effectLst>
-            <a:outerShdw blurRad="40000" dist="23000" dir="5400000" rotWithShape="0">
-              <a:srgbClr val="000000">
-                <a:alpha val="35000"/>
-              </a:srgbClr>
-            </a:outerShdw>
-          </a:effectLst>
-          <a:scene3d>
-            <a:camera prst="orthographicFront">
-              <a:rot lat="0" lon="0" rev="0"/>
-            </a:camera>
-            <a:lightRig rig="threePt" dir="t">
-              <a:rot lat="0" lon="0" rev="1200000"/>
-            </a:lightRig>
-          </a:scene3d>
-          <a:sp3d>
-            <a:bevelT w="63500" h="25400"/>
-          </a:sp3d>
-        </a:effectStyle>
-      </a:effectStyleLst>
-      <a:bgFillStyleLst>
-        <a:solidFill>
-          <a:schemeClr val="phClr"/>
-        </a:solidFill>
-        <a:gradFill rotWithShape="1">
-          <a:gsLst>
-            <a:gs pos="0">
-              <a:schemeClr val="phClr">
-                <a:tint val="40000"/>
-                <a:satMod val="350000"/>
-              </a:schemeClr>
-            </a:gs>
-            <a:gs pos="40000">
-              <a:schemeClr val="phClr">
-                <a:tint val="45000"/>
-                <a:shade val="99000"/>
-                <a:satMod val="350000"/>
-              </a:schemeClr>
-            </a:gs>
-            <a:gs pos="100000">
-              <a:schemeClr val="phClr">
-                <a:shade val="20000"/>
-                <a:satMod val="255000"/>
-              </a:schemeClr>
-            </a:gs>
-          </a:gsLst>
-          <a:path path="circle">
-            <a:fillToRect l="50000" t="-80000" r="50000" b="180000"/>
-          </a:path>
-        </a:gradFill>
-        <a:gradFill rotWithShape="1">
-          <a:gsLst>
-            <a:gs pos="0">
-              <a:schemeClr val="phClr">
-                <a:tint val="80000"/>
-                <a:satMod val="300000"/>
-              </a:schemeClr>
-            </a:gs>
-            <a:gs pos="100000">
-              <a:schemeClr val="phClr">
-                <a:shade val="30000"/>
-                <a:satMod val="200000"/>
-              </a:schemeClr>
-            </a:gs>
-          </a:gsLst>
-          <a:path path="circle">
-            <a:fillToRect l="50000" t="50000" r="50000" b="50000"/>
-          </a:path>
-        </a:gradFill>
-      </a:bgFillStyleLst>
-    </a:fmtScheme>
-  </a:themeElements>
-</a:theme>
 </file>
--- a/docs/Kafka-GobernanzaDeEsquema.pptx
+++ b/docs/Kafka-GobernanzaDeEsquema.pptx
@@ -33552,7 +33552,7 @@
             <a:tbl>
               <a:tblPr>
                 <a:noFill/>
-                <a:tableStyleId>{EE056590-ABF8-40C4-8F46-6BADF441C057}</a:tableStyleId>
+                <a:tableStyleId>{FF0C44A1-8B94-4054-BB23-051C43FC60E3}</a:tableStyleId>
               </a:tblPr>
               <a:tblGrid>
                 <a:gridCol w="2146500"/>
@@ -34752,7 +34752,7 @@
             <a:tbl>
               <a:tblPr>
                 <a:noFill/>
-                <a:tableStyleId>{EE056590-ABF8-40C4-8F46-6BADF441C057}</a:tableStyleId>
+                <a:tableStyleId>{FF0C44A1-8B94-4054-BB23-051C43FC60E3}</a:tableStyleId>
               </a:tblPr>
               <a:tblGrid>
                 <a:gridCol w="2103150"/>
@@ -39917,8 +39917,8 @@
         </p:nvSpPr>
         <p:spPr>
           <a:xfrm>
-            <a:off x="657500" y="968950"/>
-            <a:ext cx="7962900" cy="3937800"/>
+            <a:off x="621075" y="706675"/>
+            <a:ext cx="7962900" cy="4314900"/>
           </a:xfrm>
           <a:prstGeom prst="rect">
             <a:avLst/>
@@ -39992,7 +39992,7 @@
                   <a:srgbClr val="FFFFFF"/>
                 </a:highlight>
               </a:rPr>
-              <a:t>Se añade un nuevo consumidor (consumidor v2), con un nuevo esquema (v2) que incluye un campo adicional (age) con un valor por defecto y borra un campo (name).</a:t>
+              <a:t>Se añade un nuevo consumidor (consumidor v2) y un nuevo producer V2, con un nuevo esquema (v2) que incluye un campo adicional (age) con un valor por defecto y borra un campo (name).</a:t>
             </a:r>
             <a:endParaRPr>
               <a:solidFill>
@@ -40121,7 +40121,7 @@
         </p:nvSpPr>
         <p:spPr>
           <a:xfrm>
-            <a:off x="769475" y="2769375"/>
+            <a:off x="769475" y="3074175"/>
             <a:ext cx="3712800" cy="1477500"/>
           </a:xfrm>
           <a:prstGeom prst="rect">
@@ -40313,7 +40313,7 @@
         </p:nvSpPr>
         <p:spPr>
           <a:xfrm>
-            <a:off x="4926100" y="2697650"/>
+            <a:off x="4926100" y="3002450"/>
             <a:ext cx="3503100" cy="1693200"/>
           </a:xfrm>
           <a:prstGeom prst="rect">
@@ -40502,15 +40502,15 @@
                   <a:srgbClr val="FF0000"/>
                 </a:solidFill>
               </a:rPr>
-              <a:t>age                            int </a:t>
+              <a:t>age                           </a:t>
             </a:r>
             <a:r>
               <a:rPr lang="en">
                 <a:solidFill>
-                  <a:schemeClr val="dk1"/>
+                  <a:srgbClr val="FF0000"/>
                 </a:solidFill>
               </a:rPr>
-              <a:t>(mandatory)</a:t>
+              <a:t> int (default 0)</a:t>
             </a:r>
             <a:endParaRPr>
               <a:solidFill>
@@ -41233,7 +41233,7 @@
                   <a:srgbClr val="FF0000"/>
                 </a:solidFill>
               </a:rPr>
-              <a:t>sex                            enum default FEMA</a:t>
+              <a:t>sex                            enum (default FEMA</a:t>
             </a:r>
             <a:r>
               <a:rPr lang="en">
@@ -41241,7 +41241,7 @@
                   <a:srgbClr val="FF0000"/>
                 </a:solidFill>
               </a:rPr>
-              <a:t>LE (mandatory)</a:t>
+              <a:t>LE) </a:t>
             </a:r>
             <a:endParaRPr>
               <a:solidFill>
@@ -44981,9 +44981,9 @@
 </file>
 
 <file path=ppt/theme/theme3.xml><?xml version="1.0" encoding="utf-8"?>
-<a:theme xmlns:a="http://schemas.openxmlformats.org/drawingml/2006/main" xmlns:r="http://schemas.openxmlformats.org/officeDocument/2006/relationships" name="Office Theme">
+<a:theme xmlns:a="http://schemas.openxmlformats.org/drawingml/2006/main" xmlns:r="http://schemas.openxmlformats.org/officeDocument/2006/relationships">
   <a:themeElements>
-    <a:clrScheme name="Office">
+    <a:clrScheme name="Default">
       <a:dk1>
         <a:srgbClr val="000000"/>
       </a:dk1>
@@ -44991,34 +44991,34 @@
         <a:srgbClr val="FFFFFF"/>
       </a:lt1>
       <a:dk2>
-        <a:srgbClr val="000000"/>
+        <a:srgbClr val="158158"/>
       </a:dk2>
       <a:lt2>
-        <a:srgbClr val="757575"/>
+        <a:srgbClr val="F3F3F3"/>
       </a:lt2>
       <a:accent1>
-        <a:srgbClr val="01579B"/>
+        <a:srgbClr val="058DC7"/>
       </a:accent1>
       <a:accent2>
-        <a:srgbClr val="27C7BD"/>
+        <a:srgbClr val="50B432"/>
       </a:accent2>
       <a:accent3>
-        <a:srgbClr val="0099E8"/>
+        <a:srgbClr val="ED561B"/>
       </a:accent3>
       <a:accent4>
-        <a:srgbClr val="51B9A3"/>
+        <a:srgbClr val="EDEF00"/>
       </a:accent4>
       <a:accent5>
-        <a:srgbClr val="FB8C00"/>
+        <a:srgbClr val="24CBE5"/>
       </a:accent5>
       <a:accent6>
-        <a:srgbClr val="FFAE88"/>
+        <a:srgbClr val="64E572"/>
       </a:accent6>
       <a:hlink>
-        <a:srgbClr val="0277BD"/>
+        <a:srgbClr val="2200CC"/>
       </a:hlink>
       <a:folHlink>
-        <a:srgbClr val="0277BD"/>
+        <a:srgbClr val="551A8B"/>
       </a:folHlink>
     </a:clrScheme>
     <a:fontScheme name="Office">
@@ -45260,9 +45260,9 @@
 </file>
 
 <file path=ppt/theme/theme4.xml><?xml version="1.0" encoding="utf-8"?>
-<a:theme xmlns:a="http://schemas.openxmlformats.org/drawingml/2006/main" xmlns:r="http://schemas.openxmlformats.org/officeDocument/2006/relationships">
+<a:theme xmlns:a="http://schemas.openxmlformats.org/drawingml/2006/main" xmlns:r="http://schemas.openxmlformats.org/officeDocument/2006/relationships" name="Office Theme">
   <a:themeElements>
-    <a:clrScheme name="Default">
+    <a:clrScheme name="Office">
       <a:dk1>
         <a:srgbClr val="000000"/>
       </a:dk1>
@@ -45270,34 +45270,34 @@
         <a:srgbClr val="FFFFFF"/>
       </a:lt1>
       <a:dk2>
-        <a:srgbClr val="158158"/>
+        <a:srgbClr val="000000"/>
       </a:dk2>
       <a:lt2>
-        <a:srgbClr val="F3F3F3"/>
+        <a:srgbClr val="757575"/>
       </a:lt2>
       <a:accent1>
-        <a:srgbClr val="058DC7"/>
+        <a:srgbClr val="01579B"/>
       </a:accent1>
       <a:accent2>
-        <a:srgbClr val="50B432"/>
+        <a:srgbClr val="27C7BD"/>
       </a:accent2>
       <a:accent3>
-        <a:srgbClr val="ED561B"/>
+        <a:srgbClr val="0099E8"/>
       </a:accent3>
       <a:accent4>
-        <a:srgbClr val="EDEF00"/>
+        <a:srgbClr val="51B9A3"/>
       </a:accent4>
       <a:accent5>
-        <a:srgbClr val="24CBE5"/>
+        <a:srgbClr val="FB8C00"/>
       </a:accent5>
       <a:accent6>
-        <a:srgbClr val="64E572"/>
+        <a:srgbClr val="FFAE88"/>
       </a:accent6>
       <a:hlink>
-        <a:srgbClr val="2200CC"/>
+        <a:srgbClr val="0277BD"/>
       </a:hlink>
       <a:folHlink>
-        <a:srgbClr val="551A8B"/>
+        <a:srgbClr val="0277BD"/>
       </a:folHlink>
     </a:clrScheme>
     <a:fontScheme name="Office">

--- a/docs/Kafka-GobernanzaDeEsquema.pptx
+++ b/docs/Kafka-GobernanzaDeEsquema.pptx
@@ -33552,7 +33552,7 @@
             <a:tbl>
               <a:tblPr>
                 <a:noFill/>
-                <a:tableStyleId>{FF0C44A1-8B94-4054-BB23-051C43FC60E3}</a:tableStyleId>
+                <a:tableStyleId>{7825B84B-35F1-436F-8E4D-E9B81C176A38}</a:tableStyleId>
               </a:tblPr>
               <a:tblGrid>
                 <a:gridCol w="2146500"/>
@@ -34752,7 +34752,7 @@
             <a:tbl>
               <a:tblPr>
                 <a:noFill/>
-                <a:tableStyleId>{FF0C44A1-8B94-4054-BB23-051C43FC60E3}</a:tableStyleId>
+                <a:tableStyleId>{7825B84B-35F1-436F-8E4D-E9B81C176A38}</a:tableStyleId>
               </a:tblPr>
               <a:tblGrid>
                 <a:gridCol w="2103150"/>
@@ -42873,19 +42873,7 @@
                 <a:cs typeface="Raleway"/>
                 <a:sym typeface="Raleway"/>
               </a:rPr>
-              <a:t>Creación</a:t>
-            </a:r>
-            <a:r>
-              <a:rPr b="1" lang="en" sz="2000">
-                <a:solidFill>
-                  <a:srgbClr val="F46524"/>
-                </a:solidFill>
-                <a:latin typeface="Raleway"/>
-                <a:ea typeface="Raleway"/>
-                <a:cs typeface="Raleway"/>
-                <a:sym typeface="Raleway"/>
-              </a:rPr>
-              <a:t> de registros</a:t>
+              <a:t>Datum reader para la generación (creación de registros)</a:t>
             </a:r>
             <a:endParaRPr b="0" i="0" sz="2000" u="none" cap="none" strike="noStrike">
               <a:solidFill>
@@ -44702,9 +44690,9 @@
 </file>
 
 <file path=ppt/theme/theme2.xml><?xml version="1.0" encoding="utf-8"?>
-<a:theme xmlns:a="http://schemas.openxmlformats.org/drawingml/2006/main" xmlns:r="http://schemas.openxmlformats.org/officeDocument/2006/relationships" name="Office Theme">
+<a:theme xmlns:a="http://schemas.openxmlformats.org/drawingml/2006/main" xmlns:r="http://schemas.openxmlformats.org/officeDocument/2006/relationships">
   <a:themeElements>
-    <a:clrScheme name="Office">
+    <a:clrScheme name="Default">
       <a:dk1>
         <a:srgbClr val="000000"/>
       </a:dk1>
@@ -44712,34 +44700,34 @@
         <a:srgbClr val="FFFFFF"/>
       </a:lt1>
       <a:dk2>
-        <a:srgbClr val="000000"/>
+        <a:srgbClr val="158158"/>
       </a:dk2>
       <a:lt2>
-        <a:srgbClr val="757575"/>
+        <a:srgbClr val="F3F3F3"/>
       </a:lt2>
       <a:accent1>
-        <a:srgbClr val="01579B"/>
+        <a:srgbClr val="058DC7"/>
       </a:accent1>
       <a:accent2>
-        <a:srgbClr val="27C7BD"/>
+        <a:srgbClr val="50B432"/>
       </a:accent2>
       <a:accent3>
-        <a:srgbClr val="0099E8"/>
+        <a:srgbClr val="ED561B"/>
       </a:accent3>
       <a:accent4>
-        <a:srgbClr val="51B9A3"/>
+        <a:srgbClr val="EDEF00"/>
       </a:accent4>
       <a:accent5>
-        <a:srgbClr val="FB8C00"/>
+        <a:srgbClr val="24CBE5"/>
       </a:accent5>
       <a:accent6>
-        <a:srgbClr val="FFAE88"/>
+        <a:srgbClr val="64E572"/>
       </a:accent6>
       <a:hlink>
-        <a:srgbClr val="0277BD"/>
+        <a:srgbClr val="2200CC"/>
       </a:hlink>
       <a:folHlink>
-        <a:srgbClr val="0277BD"/>
+        <a:srgbClr val="551A8B"/>
       </a:folHlink>
     </a:clrScheme>
     <a:fontScheme name="Office">
@@ -44981,9 +44969,9 @@
 </file>
 
 <file path=ppt/theme/theme3.xml><?xml version="1.0" encoding="utf-8"?>
-<a:theme xmlns:a="http://schemas.openxmlformats.org/drawingml/2006/main" xmlns:r="http://schemas.openxmlformats.org/officeDocument/2006/relationships">
+<a:theme xmlns:a="http://schemas.openxmlformats.org/drawingml/2006/main" xmlns:r="http://schemas.openxmlformats.org/officeDocument/2006/relationships" name="Office Theme">
   <a:themeElements>
-    <a:clrScheme name="Default">
+    <a:clrScheme name="Office">
       <a:dk1>
         <a:srgbClr val="000000"/>
       </a:dk1>
@@ -44991,34 +44979,34 @@
         <a:srgbClr val="FFFFFF"/>
       </a:lt1>
       <a:dk2>
-        <a:srgbClr val="158158"/>
+        <a:srgbClr val="000000"/>
       </a:dk2>
       <a:lt2>
-        <a:srgbClr val="F3F3F3"/>
+        <a:srgbClr val="757575"/>
       </a:lt2>
       <a:accent1>
-        <a:srgbClr val="058DC7"/>
+        <a:srgbClr val="01579B"/>
       </a:accent1>
       <a:accent2>
-        <a:srgbClr val="50B432"/>
+        <a:srgbClr val="27C7BD"/>
       </a:accent2>
       <a:accent3>
-        <a:srgbClr val="ED561B"/>
+        <a:srgbClr val="0099E8"/>
       </a:accent3>
       <a:accent4>
-        <a:srgbClr val="EDEF00"/>
+        <a:srgbClr val="51B9A3"/>
       </a:accent4>
       <a:accent5>
-        <a:srgbClr val="24CBE5"/>
+        <a:srgbClr val="FB8C00"/>
       </a:accent5>
       <a:accent6>
-        <a:srgbClr val="64E572"/>
+        <a:srgbClr val="FFAE88"/>
       </a:accent6>
       <a:hlink>
-        <a:srgbClr val="2200CC"/>
+        <a:srgbClr val="0277BD"/>
       </a:hlink>
       <a:folHlink>
-        <a:srgbClr val="551A8B"/>
+        <a:srgbClr val="0277BD"/>
       </a:folHlink>
     </a:clrScheme>
     <a:fontScheme name="Office">

--- a/docs/Kafka-GobernanzaDeEsquema.pptx
+++ b/docs/Kafka-GobernanzaDeEsquema.pptx
@@ -30523,7 +30523,7 @@
                   <a:srgbClr val="F8F9FA"/>
                 </a:highlight>
               </a:rPr>
-              <a:t>Interoperabilidad de lenguajes de programación (pocos)</a:t>
+              <a:t>Interoperabilidad de lenguajes de programación (pobre)</a:t>
             </a:r>
             <a:endParaRPr sz="1800">
               <a:solidFill>
@@ -32802,7 +32802,7 @@
           </a:bodyPr>
           <a:lstStyle/>
           <a:p>
-            <a:pPr indent="-317160" lvl="0" marL="457200" marR="0" rtl="0" algn="l">
+            <a:pPr indent="0" lvl="0" marL="457200" marR="0" rtl="0" algn="l">
               <a:lnSpc>
                 <a:spcPct val="115000"/>
               </a:lnSpc>
@@ -32812,24 +32812,10 @@
               <a:spcAft>
                 <a:spcPts val="0"/>
               </a:spcAft>
-              <a:buClr>
-                <a:srgbClr val="FFFFFF"/>
-              </a:buClr>
-              <a:buSzPts val="1400"/>
-              <a:buFont typeface="Lato"/>
-              <a:buAutoNum type="arabicPeriod"/>
+              <a:buNone/>
             </a:pPr>
             <a:r>
-              <a:rPr b="0" i="0" lang="en" sz="1400" u="none" cap="none" strike="noStrike">
-                <a:solidFill>
-                  <a:srgbClr val="FFFFFF"/>
-                </a:solidFill>
-                <a:latin typeface="Lato"/>
-                <a:ea typeface="Lato"/>
-                <a:cs typeface="Lato"/>
-                <a:sym typeface="Lato"/>
-              </a:rPr>
-              <a:t>Introducción</a:t>
+              <a:t/>
             </a:r>
             <a:endParaRPr b="0" i="0" sz="1400" u="none" cap="none" strike="noStrike">
               <a:solidFill>
@@ -32842,7 +32828,7 @@
             </a:endParaRPr>
           </a:p>
           <a:p>
-            <a:pPr indent="-317160" lvl="0" marL="457200" marR="0" rtl="0" algn="l">
+            <a:pPr indent="-317159" lvl="0" marL="457200" marR="0" rtl="0" algn="l">
               <a:lnSpc>
                 <a:spcPct val="115000"/>
               </a:lnSpc>
@@ -32869,87 +32855,19 @@
                 <a:cs typeface="Lato"/>
                 <a:sym typeface="Lato"/>
               </a:rPr>
-              <a:t>Avro</a:t>
+              <a:t>Avro / </a:t>
             </a:r>
-            <a:endParaRPr b="0" i="0" sz="1400" u="none" cap="none" strike="noStrike">
-              <a:solidFill>
-                <a:srgbClr val="000000"/>
-              </a:solidFill>
-              <a:latin typeface="Arial"/>
-              <a:ea typeface="Arial"/>
-              <a:cs typeface="Arial"/>
-              <a:sym typeface="Arial"/>
-            </a:endParaRPr>
-          </a:p>
-          <a:p>
-            <a:pPr indent="-317160" lvl="0" marL="457200" marR="0" rtl="0" algn="l">
-              <a:lnSpc>
-                <a:spcPct val="115000"/>
-              </a:lnSpc>
-              <a:spcBef>
-                <a:spcPts val="1599"/>
-              </a:spcBef>
-              <a:spcAft>
-                <a:spcPts val="0"/>
-              </a:spcAft>
-              <a:buClr>
-                <a:srgbClr val="FFFFFF"/>
-              </a:buClr>
-              <a:buSzPts val="1400"/>
-              <a:buFont typeface="Lato"/>
-              <a:buAutoNum type="arabicPeriod"/>
-            </a:pPr>
             <a:r>
               <a:rPr lang="en">
                 <a:solidFill>
-                  <a:srgbClr val="FFFFFF"/>
+                  <a:schemeClr val="lt1"/>
                 </a:solidFill>
                 <a:latin typeface="Lato"/>
                 <a:ea typeface="Lato"/>
                 <a:cs typeface="Lato"/>
                 <a:sym typeface="Lato"/>
               </a:rPr>
-              <a:t>ProtoBuf</a:t>
-            </a:r>
-            <a:endParaRPr b="0" i="0" sz="1400" u="none" cap="none" strike="noStrike">
-              <a:solidFill>
-                <a:srgbClr val="000000"/>
-              </a:solidFill>
-              <a:latin typeface="Arial"/>
-              <a:ea typeface="Arial"/>
-              <a:cs typeface="Arial"/>
-              <a:sym typeface="Arial"/>
-            </a:endParaRPr>
-          </a:p>
-          <a:p>
-            <a:pPr indent="-317160" lvl="0" marL="457200" marR="0" rtl="0" algn="l">
-              <a:lnSpc>
-                <a:spcPct val="115000"/>
-              </a:lnSpc>
-              <a:spcBef>
-                <a:spcPts val="1599"/>
-              </a:spcBef>
-              <a:spcAft>
-                <a:spcPts val="0"/>
-              </a:spcAft>
-              <a:buClr>
-                <a:srgbClr val="FFFFFF"/>
-              </a:buClr>
-              <a:buSzPts val="1400"/>
-              <a:buFont typeface="Lato"/>
-              <a:buAutoNum type="arabicPeriod"/>
-            </a:pPr>
-            <a:r>
-              <a:rPr lang="en">
-                <a:solidFill>
-                  <a:srgbClr val="FFFFFF"/>
-                </a:solidFill>
-                <a:latin typeface="Lato"/>
-                <a:ea typeface="Lato"/>
-                <a:cs typeface="Lato"/>
-                <a:sym typeface="Lato"/>
-              </a:rPr>
-              <a:t>Json Schema</a:t>
+              <a:t>ProtoBuf / Json Schema</a:t>
             </a:r>
             <a:endParaRPr b="0" i="0" sz="1400" u="none" cap="none" strike="noStrike">
               <a:solidFill>
@@ -33552,7 +33470,7 @@
             <a:tbl>
               <a:tblPr>
                 <a:noFill/>
-                <a:tableStyleId>{7825B84B-35F1-436F-8E4D-E9B81C176A38}</a:tableStyleId>
+                <a:tableStyleId>{A0FE009F-2A39-4AD3-B36D-78BD70E296ED}</a:tableStyleId>
               </a:tblPr>
               <a:tblGrid>
                 <a:gridCol w="2146500"/>
@@ -34752,7 +34670,7 @@
             <a:tbl>
               <a:tblPr>
                 <a:noFill/>
-                <a:tableStyleId>{7825B84B-35F1-436F-8E4D-E9B81C176A38}</a:tableStyleId>
+                <a:tableStyleId>{A0FE009F-2A39-4AD3-B36D-78BD70E296ED}</a:tableStyleId>
               </a:tblPr>
               <a:tblGrid>
                 <a:gridCol w="2103150"/>
@@ -44690,9 +44608,9 @@
 </file>
 
 <file path=ppt/theme/theme2.xml><?xml version="1.0" encoding="utf-8"?>
-<a:theme xmlns:a="http://schemas.openxmlformats.org/drawingml/2006/main" xmlns:r="http://schemas.openxmlformats.org/officeDocument/2006/relationships">
+<a:theme xmlns:a="http://schemas.openxmlformats.org/drawingml/2006/main" xmlns:r="http://schemas.openxmlformats.org/officeDocument/2006/relationships" name="Office Theme">
   <a:themeElements>
-    <a:clrScheme name="Default">
+    <a:clrScheme name="Office">
       <a:dk1>
         <a:srgbClr val="000000"/>
       </a:dk1>
@@ -44700,34 +44618,34 @@
         <a:srgbClr val="FFFFFF"/>
       </a:lt1>
       <a:dk2>
-        <a:srgbClr val="158158"/>
+        <a:srgbClr val="000000"/>
       </a:dk2>
       <a:lt2>
-        <a:srgbClr val="F3F3F3"/>
+        <a:srgbClr val="757575"/>
       </a:lt2>
       <a:accent1>
-        <a:srgbClr val="058DC7"/>
+        <a:srgbClr val="01579B"/>
       </a:accent1>
       <a:accent2>
-        <a:srgbClr val="50B432"/>
+        <a:srgbClr val="27C7BD"/>
       </a:accent2>
       <a:accent3>
-        <a:srgbClr val="ED561B"/>
+        <a:srgbClr val="0099E8"/>
       </a:accent3>
       <a:accent4>
-        <a:srgbClr val="EDEF00"/>
+        <a:srgbClr val="51B9A3"/>
       </a:accent4>
       <a:accent5>
-        <a:srgbClr val="24CBE5"/>
+        <a:srgbClr val="FB8C00"/>
       </a:accent5>
       <a:accent6>
-        <a:srgbClr val="64E572"/>
+        <a:srgbClr val="FFAE88"/>
       </a:accent6>
       <a:hlink>
-        <a:srgbClr val="2200CC"/>
+        <a:srgbClr val="0277BD"/>
       </a:hlink>
       <a:folHlink>
-        <a:srgbClr val="551A8B"/>
+        <a:srgbClr val="0277BD"/>
       </a:folHlink>
     </a:clrScheme>
     <a:fontScheme name="Office">
@@ -45527,9 +45445,9 @@
 </file>
 
 <file path=ppt/theme/theme5.xml><?xml version="1.0" encoding="utf-8"?>
-<a:theme xmlns:a="http://schemas.openxmlformats.org/drawingml/2006/main" xmlns:r="http://schemas.openxmlformats.org/officeDocument/2006/relationships" name="Office Theme">
+<a:theme xmlns:a="http://schemas.openxmlformats.org/drawingml/2006/main" xmlns:r="http://schemas.openxmlformats.org/officeDocument/2006/relationships">
   <a:themeElements>
-    <a:clrScheme name="Office">
+    <a:clrScheme name="Default">
       <a:dk1>
         <a:srgbClr val="000000"/>
       </a:dk1>
@@ -45537,34 +45455,34 @@
         <a:srgbClr val="FFFFFF"/>
       </a:lt1>
       <a:dk2>
-        <a:srgbClr val="000000"/>
+        <a:srgbClr val="158158"/>
       </a:dk2>
       <a:lt2>
-        <a:srgbClr val="757575"/>
+        <a:srgbClr val="F3F3F3"/>
       </a:lt2>
       <a:accent1>
-        <a:srgbClr val="01579B"/>
+        <a:srgbClr val="058DC7"/>
       </a:accent1>
       <a:accent2>
-        <a:srgbClr val="27C7BD"/>
+        <a:srgbClr val="50B432"/>
       </a:accent2>
       <a:accent3>
-        <a:srgbClr val="0099E8"/>
+        <a:srgbClr val="ED561B"/>
       </a:accent3>
       <a:accent4>
-        <a:srgbClr val="51B9A3"/>
+        <a:srgbClr val="EDEF00"/>
       </a:accent4>
       <a:accent5>
-        <a:srgbClr val="FB8C00"/>
+        <a:srgbClr val="24CBE5"/>
       </a:accent5>
       <a:accent6>
-        <a:srgbClr val="FFAE88"/>
+        <a:srgbClr val="64E572"/>
       </a:accent6>
       <a:hlink>
-        <a:srgbClr val="0277BD"/>
+        <a:srgbClr val="2200CC"/>
       </a:hlink>
       <a:folHlink>
-        <a:srgbClr val="0277BD"/>
+        <a:srgbClr val="551A8B"/>
       </a:folHlink>
     </a:clrScheme>
     <a:fontScheme name="Office">
